--- a/Formal/PPT_powerpoint.pptx
+++ b/Formal/PPT_powerpoint.pptx
@@ -12070,38 +12070,29 @@
 
 <file path=ppt/slides/slide4.xml><?xml version="1.0" encoding="UTF-8"?><p:sld xmlns:a="http://schemas.openxmlformats.org/drawingml/2006/main" xmlns:r="http://schemas.openxmlformats.org/officeDocument/2006/relationships" xmlns:p="http://schemas.openxmlformats.org/presentationml/2006/main"><p:cSld><p:spTree><p:nvGrpSpPr><p:cNvPr id="1" name="" /><p:cNvGrpSpPr /><p:nvPr /></p:nvGrpSpPr><p:grpSpPr><a:xfrm><a:off x="0" y="0" /><a:ext cx="0" cy="0" /><a:chOff x="0" y="0" /><a:chExt cx="0" cy="0" /></a:xfrm></p:grpSpPr><p:sp><p:nvSpPr><p:cNvPr id="2" name="Title 1" /><p:cNvSpPr><a:spLocks noGrp="1" /></p:cNvSpPr><p:nvPr><p:ph type="title" /></p:nvPr></p:nvSpPr><p:spPr><a:xfrm><a:off x="1154954" y="1447800" /><a:ext cx="3401064" cy="1447800" /></a:xfrm></p:spPr><p:txBody><a:bodyPr /><a:lstStyle /><a:p><a:pPr lvl="0" indent="0" marL="0"><a:buNone /></a:pPr><a:r><a:rPr /><a:t>Univariate Statistics</a:t></a:r></a:p></p:txBody></p:sp><mc:AlternateContent xmlns:mc="http://schemas.openxmlformats.org/markup-compatibility/2006"><mc:Choice xmlns:a14="http://schemas.microsoft.com/office/drawing/2010/main" Requires="a14"><p:sp><p:nvSpPr><p:cNvPr id="4" name="Text Placeholder 3" /><p:cNvSpPr><a:spLocks noGrp="1" /></p:cNvSpPr><p:nvPr><p:ph idx="2" sz="half" type="body" /></p:nvPr></p:nvSpPr><p:spPr /><p:txBody><a:bodyPr /><a:lstStyle /><a:p><a:pPr lvl="0" indent="0" marL="0"><a:spcBef><a:spcPts val="3000" /></a:spcBef><a:buNone /></a:pPr><a:r><a:rPr b="1" /><a:t>Measures of Central Tendency</a:t></a:r></a:p><a:p><a:pPr lvl="0" indent="0" marL="0"><a:buNone /></a:pPr><a:r><a:rPr i="1" /><a:t>Mean or Arithmetic Mean</a:t></a:r><a:r><a:rPr /><a:t> </a:t></a:r><a14:m><m:oMath xmlns:m="http://schemas.openxmlformats.org/officeDocument/2006/math"><m:acc><m:accPr><m:chr m:val="‾" /></m:accPr><m:e><m:r><m:t>x</m:t></m:r></m:e></m:acc></m:oMath></a14:m><a:r><a:rPr /><a:t>, </a:t></a:r><a:r><a:rPr i="1" /><a:t>Geometric Mean</a:t></a:r><a:r><a:rPr /><a:t> </a:t></a:r><a14:m><m:oMath xmlns:m="http://schemas.openxmlformats.org/officeDocument/2006/math"><m:r><m:rPr><m:sty m:val="p" /></m:rPr><m:t>GM</m:t></m:r><m:d><m:dPr><m:begChr m:val="(" /><m:endChr m:val=")" /><m:sepChr m:val="" /><m:grow /></m:dPr><m:e><m:r><m:t>x</m:t></m:r></m:e></m:d></m:oMath></a14:m><a:r><a:rPr /><a:t>, </a:t></a:r><a:r><a:rPr i="1" /><a:t>Harmonic Mean</a:t></a:r><a:r><a:rPr /><a:t> </a:t></a:r><a14:m><m:oMath xmlns:m="http://schemas.openxmlformats.org/officeDocument/2006/math"><m:r><m:rPr><m:sty m:val="p" /></m:rPr><m:t>HM</m:t></m:r><m:d><m:dPr><m:begChr m:val="(" /><m:endChr m:val=")" /><m:sepChr m:val="" /><m:grow /></m:dPr><m:e><m:r><m:t>x</m:t></m:r></m:e></m:d></m:oMath></a14:m><a:r><a:rPr /><a:t>, </a:t></a:r><a:r><a:rPr i="1" /><a:t>Median</a:t></a:r><a:r><a:rPr /><a:t> </a:t></a:r><a14:m><m:oMath xmlns:m="http://schemas.openxmlformats.org/officeDocument/2006/math"><m:r><m:rPr><m:sty m:val="p" /></m:rPr><m:t>median</m:t></m:r><m:d><m:dPr><m:begChr m:val="(" /><m:endChr m:val=")" /><m:sepChr m:val="" /><m:grow /></m:dPr><m:e><m:r><m:t>x</m:t></m:r></m:e></m:d></m:oMath></a14:m><a:r><a:rPr /><a:t> and </a:t></a:r><a:r><a:rPr i="1" /><a:t>Mode</a:t></a:r><a:r><a:rPr /><a:t> </a:t></a:r><a14:m><m:oMath xmlns:m="http://schemas.openxmlformats.org/officeDocument/2006/math"><m:r><m:rPr><m:sty m:val="p" /></m:rPr><m:t>mode</m:t></m:r><m:d><m:dPr><m:begChr m:val="(" /><m:endChr m:val=")" /><m:sepChr m:val="" /><m:grow /></m:dPr><m:e><m:r><m:t>x</m:t></m:r></m:e></m:d></m:oMath></a14:m><a:r><a:rPr /><a:t> are some measures of </a:t></a:r><a:r><a:rPr i="1" /><a:t>central tendency</a:t></a:r><a:r><a:rPr /><a:t> in the sample.</a:t></a:r></a:p><a:p><a:pPr lvl="0" indent="0" marL="0"><a:buNone /></a:pPr><a:r><a:rPr /><a:t>$$
 \small
-\begin{align}
+\begin{aligned}
 \bar{x} = \frac{1}{n} \sum _{i=1}^{n}(x_{i}) &amp;&amp;
 \operatorname{GM}(x) = \sqrt[n]{\prod_{i=1}^n} a_i &amp;&amp;
 \operatorname{HM}(x)= n\sum_{i=1}^n x_i^{-1}
-\end{align}
-$$</a:t></a:r></a:p><a:p><a:pPr lvl="0" indent="0" marL="0"><a:buNone /></a:pPr><a:r><a:rPr /><a:t>$$
-\small
-\begin{align}
-\operatorname{median}(x)=\begin{cases}
-x_{(n + 1)/ 2} &amp;: n = 1 \mod{2} \\
-\frac{x_{(n/2)} + x_{((n/2)+1)}}{2} &amp;:n = 0 \mod{2}
-\end{cases} &amp;&amp;
-\operatorname{mode}(x) = x_{(n)}
-\end{align}
-$$</a:t></a:r></a:p><a:p><a:pPr lvl="0" indent="0"><a:buNone /></a:pPr><a:r><a:rPr><a:solidFill><a:srgbClr val="003B4F" /></a:solidFill><a:latin typeface="Courier" /></a:rPr><a:t>getmode &lt;- function(v) {</a:t></a:r><a:br /><a:r><a:rPr><a:solidFill><a:srgbClr val="003B4F" /></a:solidFill><a:latin typeface="Courier" /></a:rPr><a:t> uniqv &lt;- </a:t></a:r><a:r><a:rPr><a:solidFill><a:srgbClr val="4758AB" /></a:solidFill><a:latin typeface="Courier" /></a:rPr><a:t>unique</a:t></a:r><a:r><a:rPr><a:solidFill><a:srgbClr val="003B4F" /></a:solidFill><a:latin typeface="Courier" /></a:rPr><a:t>(v)</a:t></a:r><a:br /><a:r><a:rPr><a:solidFill><a:srgbClr val="003B4F" /></a:solidFill><a:latin typeface="Courier" /></a:rPr><a:t> freq = </a:t></a:r><a:r><a:rPr><a:solidFill><a:srgbClr val="4758AB" /></a:solidFill><a:latin typeface="Courier" /></a:rPr><a:t>max</a:t></a:r><a:r><a:rPr><a:solidFill><a:srgbClr val="003B4F" /></a:solidFill><a:latin typeface="Courier" /></a:rPr><a:t>(</a:t></a:r><a:r><a:rPr><a:solidFill><a:srgbClr val="4758AB" /></a:solidFill><a:latin typeface="Courier" /></a:rPr><a:t>tabulate</a:t></a:r><a:r><a:rPr><a:solidFill><a:srgbClr val="003B4F" /></a:solidFill><a:latin typeface="Courier" /></a:rPr><a:t>(</a:t></a:r><a:r><a:rPr><a:solidFill><a:srgbClr val="4758AB" /></a:solidFill><a:latin typeface="Courier" /></a:rPr><a:t>match</a:t></a:r><a:r><a:rPr><a:solidFill><a:srgbClr val="003B4F" /></a:solidFill><a:latin typeface="Courier" /></a:rPr><a:t>(v, uniqv)))</a:t></a:r><a:br /><a:r><a:rPr><a:solidFill><a:srgbClr val="003B4F" /></a:solidFill><a:latin typeface="Courier" /></a:rPr><a:t> res = uniqv[</a:t></a:r><a:r><a:rPr><a:solidFill><a:srgbClr val="4758AB" /></a:solidFill><a:latin typeface="Courier" /></a:rPr><a:t>which.max</a:t></a:r><a:r><a:rPr><a:solidFill><a:srgbClr val="003B4F" /></a:solidFill><a:latin typeface="Courier" /></a:rPr><a:t>(</a:t></a:r><a:r><a:rPr><a:solidFill><a:srgbClr val="4758AB" /></a:solidFill><a:latin typeface="Courier" /></a:rPr><a:t>tabulate</a:t></a:r><a:r><a:rPr><a:solidFill><a:srgbClr val="003B4F" /></a:solidFill><a:latin typeface="Courier" /></a:rPr><a:t>(</a:t></a:r><a:r><a:rPr><a:solidFill><a:srgbClr val="4758AB" /></a:solidFill><a:latin typeface="Courier" /></a:rPr><a:t>match</a:t></a:r><a:r><a:rPr><a:solidFill><a:srgbClr val="003B4F" /></a:solidFill><a:latin typeface="Courier" /></a:rPr><a:t>(v, uniqv)))]</a:t></a:r><a:br /><a:r><a:rPr><a:solidFill><a:srgbClr val="003B4F" /></a:solidFill><a:latin typeface="Courier" /></a:rPr><a:t> if (freq </a:t></a:r><a:r><a:rPr><a:solidFill><a:srgbClr val="5E5E5E" /></a:solidFill><a:latin typeface="Courier" /></a:rPr><a:t>==</a:t></a:r><a:r><a:rPr><a:solidFill><a:srgbClr val="003B4F" /></a:solidFill><a:latin typeface="Courier" /></a:rPr><a:t> </a:t></a:r><a:r><a:rPr><a:solidFill><a:srgbClr val="AD0000" /></a:solidFill><a:latin typeface="Courier" /></a:rPr><a:t>1</a:t></a:r><a:r><a:rPr><a:solidFill><a:srgbClr val="003B4F" /></a:solidFill><a:latin typeface="Courier" /></a:rPr><a:t>) res = </a:t></a:r><a:r><a:rPr><a:solidFill><a:srgbClr val="8F5902" /></a:solidFill><a:latin typeface="Courier" /></a:rPr><a:t>NULL</a:t></a:r><a:br /><a:r><a:rPr><a:solidFill><a:srgbClr val="003B4F" /></a:solidFill><a:latin typeface="Courier" /></a:rPr><a:t> </a:t></a:r><a:r><a:rPr><a:solidFill><a:srgbClr val="4758AB" /></a:solidFill><a:latin typeface="Courier" /></a:rPr><a:t>return</a:t></a:r><a:r><a:rPr><a:solidFill><a:srgbClr val="003B4F" /></a:solidFill><a:latin typeface="Courier" /></a:rPr><a:t>(res)</a:t></a:r><a:br /><a:r><a:rPr><a:solidFill><a:srgbClr val="003B4F" /></a:solidFill><a:latin typeface="Courier" /></a:rPr><a:t>}</a:t></a:r><a:br /><a:br /><a:r><a:rPr><a:solidFill><a:srgbClr val="003B4F" /></a:solidFill><a:latin typeface="Courier" /></a:rPr><a:t>d_central = </a:t></a:r><a:r><a:rPr><a:solidFill><a:srgbClr val="4758AB" /></a:solidFill><a:latin typeface="Courier" /></a:rPr><a:t>data.frame</a:t></a:r><a:r><a:rPr><a:solidFill><a:srgbClr val="003B4F" /></a:solidFill><a:latin typeface="Courier" /></a:rPr><a:t>(</a:t></a:r><a:br /><a:r><a:rPr><a:solidFill><a:srgbClr val="003B4F" /></a:solidFill><a:latin typeface="Courier" /></a:rPr><a:t>  </a:t></a:r><a:r><a:rPr><a:solidFill><a:srgbClr val="657422" /></a:solidFill><a:latin typeface="Courier" /></a:rPr><a:t>row.names =</a:t></a:r><a:r><a:rPr><a:solidFill><a:srgbClr val="003B4F" /></a:solidFill><a:latin typeface="Courier" /></a:rPr><a:t> </a:t></a:r><a:r><a:rPr><a:solidFill><a:srgbClr val="20794D" /></a:solidFill><a:latin typeface="Courier" /></a:rPr><a:t>&quot;Variable&quot;</a:t></a:r><a:r><a:rPr><a:solidFill><a:srgbClr val="003B4F" /></a:solidFill><a:latin typeface="Courier" /></a:rPr><a:t>,</a:t></a:r><a:br /><a:r><a:rPr><a:solidFill><a:srgbClr val="003B4F" /></a:solidFill><a:latin typeface="Courier" /></a:rPr><a:t>  </a:t></a:r><a:r><a:rPr><a:solidFill><a:srgbClr val="657422" /></a:solidFill><a:latin typeface="Courier" /></a:rPr><a:t>Variable =</a:t></a:r><a:r><a:rPr><a:solidFill><a:srgbClr val="003B4F" /></a:solidFill><a:latin typeface="Courier" /></a:rPr><a:t> </a:t></a:r><a:r><a:rPr><a:solidFill><a:srgbClr val="4758AB" /></a:solidFill><a:latin typeface="Courier" /></a:rPr><a:t>c</a:t></a:r><a:r><a:rPr><a:solidFill><a:srgbClr val="003B4F" /></a:solidFill><a:latin typeface="Courier" /></a:rPr><a:t>(</a:t></a:r><a:br /><a:r><a:rPr><a:solidFill><a:srgbClr val="003B4F" /></a:solidFill><a:latin typeface="Courier" /></a:rPr><a:t>    </a:t></a:r><a:r><a:rPr><a:solidFill><a:srgbClr val="20794D" /></a:solidFill><a:latin typeface="Courier" /></a:rPr><a:t>&quot;*ln(GDP)*&quot;</a:t></a:r><a:r><a:rPr><a:solidFill><a:srgbClr val="003B4F" /></a:solidFill><a:latin typeface="Courier" /></a:rPr><a:t>,</a:t></a:r><a:br /><a:r><a:rPr><a:solidFill><a:srgbClr val="003B4F" /></a:solidFill><a:latin typeface="Courier" /></a:rPr><a:t>    </a:t></a:r><a:r><a:rPr><a:solidFill><a:srgbClr val="20794D" /></a:solidFill><a:latin typeface="Courier" /></a:rPr><a:t>&quot;*Sanitation*&quot;</a:t></a:r><a:r><a:rPr><a:solidFill><a:srgbClr val="003B4F" /></a:solidFill><a:latin typeface="Courier" /></a:rPr><a:t>,</a:t></a:r><a:br /><a:r><a:rPr><a:solidFill><a:srgbClr val="003B4F" /></a:solidFill><a:latin typeface="Courier" /></a:rPr><a:t>    </a:t></a:r><a:r><a:rPr><a:solidFill><a:srgbClr val="20794D" /></a:solidFill><a:latin typeface="Courier" /></a:rPr><a:t>&quot;*Life Exp.*&quot;</a:t></a:r><a:br /><a:r><a:rPr><a:solidFill><a:srgbClr val="003B4F" /></a:solidFill><a:latin typeface="Courier" /></a:rPr><a:t>  ),</a:t></a:r><a:br /><a:r><a:rPr><a:solidFill><a:srgbClr val="003B4F" /></a:solidFill><a:latin typeface="Courier" /></a:rPr><a:t>  </a:t></a:r><a:r><a:rPr><a:solidFill><a:srgbClr val="657422" /></a:solidFill><a:latin typeface="Courier" /></a:rPr><a:t>Mean =</a:t></a:r><a:r><a:rPr><a:solidFill><a:srgbClr val="003B4F" /></a:solidFill><a:latin typeface="Courier" /></a:rPr><a:t> </a:t></a:r><a:r><a:rPr><a:solidFill><a:srgbClr val="4758AB" /></a:solidFill><a:latin typeface="Courier" /></a:rPr><a:t>c</a:t></a:r><a:r><a:rPr><a:solidFill><a:srgbClr val="003B4F" /></a:solidFill><a:latin typeface="Courier" /></a:rPr><a:t>(</a:t></a:r><a:br /><a:r><a:rPr><a:solidFill><a:srgbClr val="003B4F" /></a:solidFill><a:latin typeface="Courier" /></a:rPr><a:t>    </a:t></a:r><a:r><a:rPr><a:solidFill><a:srgbClr val="4758AB" /></a:solidFill><a:latin typeface="Courier" /></a:rPr><a:t>mean</a:t></a:r><a:r><a:rPr><a:solidFill><a:srgbClr val="003B4F" /></a:solidFill><a:latin typeface="Courier" /></a:rPr><a:t>(d</a:t></a:r><a:r><a:rPr><a:solidFill><a:srgbClr val="5E5E5E" /></a:solidFill><a:latin typeface="Courier" /></a:rPr><a:t>$</a:t></a:r><a:r><a:rPr><a:solidFill><a:srgbClr val="003B4F" /></a:solidFill><a:latin typeface="Courier" /></a:rPr><a:t>lngdp),</a:t></a:r><a:br /><a:r><a:rPr><a:solidFill><a:srgbClr val="003B4F" /></a:solidFill><a:latin typeface="Courier" /></a:rPr><a:t>    </a:t></a:r><a:r><a:rPr><a:solidFill><a:srgbClr val="4758AB" /></a:solidFill><a:latin typeface="Courier" /></a:rPr><a:t>mean</a:t></a:r><a:r><a:rPr><a:solidFill><a:srgbClr val="003B4F" /></a:solidFill><a:latin typeface="Courier" /></a:rPr><a:t>(d</a:t></a:r><a:r><a:rPr><a:solidFill><a:srgbClr val="5E5E5E" /></a:solidFill><a:latin typeface="Courier" /></a:rPr><a:t>$</a:t></a:r><a:r><a:rPr><a:solidFill><a:srgbClr val="003B4F" /></a:solidFill><a:latin typeface="Courier" /></a:rPr><a:t>snt),</a:t></a:r><a:br /><a:r><a:rPr><a:solidFill><a:srgbClr val="003B4F" /></a:solidFill><a:latin typeface="Courier" /></a:rPr><a:t>    </a:t></a:r><a:r><a:rPr><a:solidFill><a:srgbClr val="4758AB" /></a:solidFill><a:latin typeface="Courier" /></a:rPr><a:t>mean</a:t></a:r><a:r><a:rPr><a:solidFill><a:srgbClr val="003B4F" /></a:solidFill><a:latin typeface="Courier" /></a:rPr><a:t>(d</a:t></a:r><a:r><a:rPr><a:solidFill><a:srgbClr val="5E5E5E" /></a:solidFill><a:latin typeface="Courier" /></a:rPr><a:t>$</a:t></a:r><a:r><a:rPr><a:solidFill><a:srgbClr val="003B4F" /></a:solidFill><a:latin typeface="Courier" /></a:rPr><a:t>lfx)</a:t></a:r><a:br /><a:r><a:rPr><a:solidFill><a:srgbClr val="003B4F" /></a:solidFill><a:latin typeface="Courier" /></a:rPr><a:t>  ),</a:t></a:r><a:br /><a:r><a:rPr><a:solidFill><a:srgbClr val="003B4F" /></a:solidFill><a:latin typeface="Courier" /></a:rPr><a:t>  </a:t></a:r><a:r><a:rPr><a:solidFill><a:srgbClr val="657422" /></a:solidFill><a:latin typeface="Courier" /></a:rPr><a:t>GM =</a:t></a:r><a:r><a:rPr><a:solidFill><a:srgbClr val="003B4F" /></a:solidFill><a:latin typeface="Courier" /></a:rPr><a:t> </a:t></a:r><a:r><a:rPr><a:solidFill><a:srgbClr val="4758AB" /></a:solidFill><a:latin typeface="Courier" /></a:rPr><a:t>c</a:t></a:r><a:r><a:rPr><a:solidFill><a:srgbClr val="003B4F" /></a:solidFill><a:latin typeface="Courier" /></a:rPr><a:t>(</a:t></a:r><a:br /><a:r><a:rPr><a:solidFill><a:srgbClr val="003B4F" /></a:solidFill><a:latin typeface="Courier" /></a:rPr><a:t>    </a:t></a:r><a:r><a:rPr><a:solidFill><a:srgbClr val="4758AB" /></a:solidFill><a:latin typeface="Courier" /></a:rPr><a:t>geometric.mean</a:t></a:r><a:r><a:rPr><a:solidFill><a:srgbClr val="003B4F" /></a:solidFill><a:latin typeface="Courier" /></a:rPr><a:t>(d</a:t></a:r><a:r><a:rPr><a:solidFill><a:srgbClr val="5E5E5E" /></a:solidFill><a:latin typeface="Courier" /></a:rPr><a:t>$</a:t></a:r><a:r><a:rPr><a:solidFill><a:srgbClr val="003B4F" /></a:solidFill><a:latin typeface="Courier" /></a:rPr><a:t>lngdp),</a:t></a:r><a:br /><a:r><a:rPr><a:solidFill><a:srgbClr val="003B4F" /></a:solidFill><a:latin typeface="Courier" /></a:rPr><a:t>    </a:t></a:r><a:r><a:rPr><a:solidFill><a:srgbClr val="4758AB" /></a:solidFill><a:latin typeface="Courier" /></a:rPr><a:t>geometric.mean</a:t></a:r><a:r><a:rPr><a:solidFill><a:srgbClr val="003B4F" /></a:solidFill><a:latin typeface="Courier" /></a:rPr><a:t>(d</a:t></a:r><a:r><a:rPr><a:solidFill><a:srgbClr val="5E5E5E" /></a:solidFill><a:latin typeface="Courier" /></a:rPr><a:t>$</a:t></a:r><a:r><a:rPr><a:solidFill><a:srgbClr val="003B4F" /></a:solidFill><a:latin typeface="Courier" /></a:rPr><a:t>snt),</a:t></a:r><a:br /><a:r><a:rPr><a:solidFill><a:srgbClr val="003B4F" /></a:solidFill><a:latin typeface="Courier" /></a:rPr><a:t>    </a:t></a:r><a:r><a:rPr><a:solidFill><a:srgbClr val="4758AB" /></a:solidFill><a:latin typeface="Courier" /></a:rPr><a:t>geometric.mean</a:t></a:r><a:r><a:rPr><a:solidFill><a:srgbClr val="003B4F" /></a:solidFill><a:latin typeface="Courier" /></a:rPr><a:t>(d</a:t></a:r><a:r><a:rPr><a:solidFill><a:srgbClr val="5E5E5E" /></a:solidFill><a:latin typeface="Courier" /></a:rPr><a:t>$</a:t></a:r><a:r><a:rPr><a:solidFill><a:srgbClr val="003B4F" /></a:solidFill><a:latin typeface="Courier" /></a:rPr><a:t>lfx)</a:t></a:r><a:br /><a:r><a:rPr><a:solidFill><a:srgbClr val="003B4F" /></a:solidFill><a:latin typeface="Courier" /></a:rPr><a:t>  ),</a:t></a:r><a:br /><a:r><a:rPr><a:solidFill><a:srgbClr val="003B4F" /></a:solidFill><a:latin typeface="Courier" /></a:rPr><a:t>  </a:t></a:r><a:r><a:rPr><a:solidFill><a:srgbClr val="657422" /></a:solidFill><a:latin typeface="Courier" /></a:rPr><a:t>HM =</a:t></a:r><a:r><a:rPr><a:solidFill><a:srgbClr val="003B4F" /></a:solidFill><a:latin typeface="Courier" /></a:rPr><a:t> </a:t></a:r><a:r><a:rPr><a:solidFill><a:srgbClr val="4758AB" /></a:solidFill><a:latin typeface="Courier" /></a:rPr><a:t>c</a:t></a:r><a:r><a:rPr><a:solidFill><a:srgbClr val="003B4F" /></a:solidFill><a:latin typeface="Courier" /></a:rPr><a:t>(</a:t></a:r><a:br /><a:r><a:rPr><a:solidFill><a:srgbClr val="003B4F" /></a:solidFill><a:latin typeface="Courier" /></a:rPr><a:t>    </a:t></a:r><a:r><a:rPr><a:solidFill><a:srgbClr val="4758AB" /></a:solidFill><a:latin typeface="Courier" /></a:rPr><a:t>harmonic.mean</a:t></a:r><a:r><a:rPr><a:solidFill><a:srgbClr val="003B4F" /></a:solidFill><a:latin typeface="Courier" /></a:rPr><a:t>(d</a:t></a:r><a:r><a:rPr><a:solidFill><a:srgbClr val="5E5E5E" /></a:solidFill><a:latin typeface="Courier" /></a:rPr><a:t>$</a:t></a:r><a:r><a:rPr><a:solidFill><a:srgbClr val="003B4F" /></a:solidFill><a:latin typeface="Courier" /></a:rPr><a:t>lngdp),</a:t></a:r><a:br /><a:r><a:rPr><a:solidFill><a:srgbClr val="003B4F" /></a:solidFill><a:latin typeface="Courier" /></a:rPr><a:t>    </a:t></a:r><a:r><a:rPr><a:solidFill><a:srgbClr val="4758AB" /></a:solidFill><a:latin typeface="Courier" /></a:rPr><a:t>harmonic.mean</a:t></a:r><a:r><a:rPr><a:solidFill><a:srgbClr val="003B4F" /></a:solidFill><a:latin typeface="Courier" /></a:rPr><a:t>(d</a:t></a:r><a:r><a:rPr><a:solidFill><a:srgbClr val="5E5E5E" /></a:solidFill><a:latin typeface="Courier" /></a:rPr><a:t>$</a:t></a:r><a:r><a:rPr><a:solidFill><a:srgbClr val="003B4F" /></a:solidFill><a:latin typeface="Courier" /></a:rPr><a:t>snt),</a:t></a:r><a:br /><a:r><a:rPr><a:solidFill><a:srgbClr val="003B4F" /></a:solidFill><a:latin typeface="Courier" /></a:rPr><a:t>    </a:t></a:r><a:r><a:rPr><a:solidFill><a:srgbClr val="4758AB" /></a:solidFill><a:latin typeface="Courier" /></a:rPr><a:t>harmonic.mean</a:t></a:r><a:r><a:rPr><a:solidFill><a:srgbClr val="003B4F" /></a:solidFill><a:latin typeface="Courier" /></a:rPr><a:t>(d</a:t></a:r><a:r><a:rPr><a:solidFill><a:srgbClr val="5E5E5E" /></a:solidFill><a:latin typeface="Courier" /></a:rPr><a:t>$</a:t></a:r><a:r><a:rPr><a:solidFill><a:srgbClr val="003B4F" /></a:solidFill><a:latin typeface="Courier" /></a:rPr><a:t>lfx)</a:t></a:r><a:br /><a:r><a:rPr><a:solidFill><a:srgbClr val="003B4F" /></a:solidFill><a:latin typeface="Courier" /></a:rPr><a:t>  ),</a:t></a:r><a:br /><a:r><a:rPr><a:solidFill><a:srgbClr val="003B4F" /></a:solidFill><a:latin typeface="Courier" /></a:rPr><a:t>  </a:t></a:r><a:r><a:rPr><a:solidFill><a:srgbClr val="657422" /></a:solidFill><a:latin typeface="Courier" /></a:rPr><a:t>Median =</a:t></a:r><a:r><a:rPr><a:solidFill><a:srgbClr val="003B4F" /></a:solidFill><a:latin typeface="Courier" /></a:rPr><a:t> </a:t></a:r><a:r><a:rPr><a:solidFill><a:srgbClr val="4758AB" /></a:solidFill><a:latin typeface="Courier" /></a:rPr><a:t>c</a:t></a:r><a:r><a:rPr><a:solidFill><a:srgbClr val="003B4F" /></a:solidFill><a:latin typeface="Courier" /></a:rPr><a:t>(</a:t></a:r><a:br /><a:r><a:rPr><a:solidFill><a:srgbClr val="003B4F" /></a:solidFill><a:latin typeface="Courier" /></a:rPr><a:t>    </a:t></a:r><a:r><a:rPr><a:solidFill><a:srgbClr val="4758AB" /></a:solidFill><a:latin typeface="Courier" /></a:rPr><a:t>median</a:t></a:r><a:r><a:rPr><a:solidFill><a:srgbClr val="003B4F" /></a:solidFill><a:latin typeface="Courier" /></a:rPr><a:t>(d</a:t></a:r><a:r><a:rPr><a:solidFill><a:srgbClr val="5E5E5E" /></a:solidFill><a:latin typeface="Courier" /></a:rPr><a:t>$</a:t></a:r><a:r><a:rPr><a:solidFill><a:srgbClr val="003B4F" /></a:solidFill><a:latin typeface="Courier" /></a:rPr><a:t>lngdp),</a:t></a:r><a:br /><a:r><a:rPr><a:solidFill><a:srgbClr val="003B4F" /></a:solidFill><a:latin typeface="Courier" /></a:rPr><a:t>    </a:t></a:r><a:r><a:rPr><a:solidFill><a:srgbClr val="4758AB" /></a:solidFill><a:latin typeface="Courier" /></a:rPr><a:t>median</a:t></a:r><a:r><a:rPr><a:solidFill><a:srgbClr val="003B4F" /></a:solidFill><a:latin typeface="Courier" /></a:rPr><a:t>(d</a:t></a:r><a:r><a:rPr><a:solidFill><a:srgbClr val="5E5E5E" /></a:solidFill><a:latin typeface="Courier" /></a:rPr><a:t>$</a:t></a:r><a:r><a:rPr><a:solidFill><a:srgbClr val="003B4F" /></a:solidFill><a:latin typeface="Courier" /></a:rPr><a:t>snt),</a:t></a:r><a:br /><a:r><a:rPr><a:solidFill><a:srgbClr val="003B4F" /></a:solidFill><a:latin typeface="Courier" /></a:rPr><a:t>    </a:t></a:r><a:r><a:rPr><a:solidFill><a:srgbClr val="4758AB" /></a:solidFill><a:latin typeface="Courier" /></a:rPr><a:t>median</a:t></a:r><a:r><a:rPr><a:solidFill><a:srgbClr val="003B4F" /></a:solidFill><a:latin typeface="Courier" /></a:rPr><a:t>(d</a:t></a:r><a:r><a:rPr><a:solidFill><a:srgbClr val="5E5E5E" /></a:solidFill><a:latin typeface="Courier" /></a:rPr><a:t>$</a:t></a:r><a:r><a:rPr><a:solidFill><a:srgbClr val="003B4F" /></a:solidFill><a:latin typeface="Courier" /></a:rPr><a:t>lfx)</a:t></a:r><a:br /><a:r><a:rPr><a:solidFill><a:srgbClr val="003B4F" /></a:solidFill><a:latin typeface="Courier" /></a:rPr><a:t>  ),</a:t></a:r><a:br /><a:r><a:rPr><a:solidFill><a:srgbClr val="003B4F" /></a:solidFill><a:latin typeface="Courier" /></a:rPr><a:t>  </a:t></a:r><a:r><a:rPr><a:solidFill><a:srgbClr val="657422" /></a:solidFill><a:latin typeface="Courier" /></a:rPr><a:t>Mode =</a:t></a:r><a:r><a:rPr><a:solidFill><a:srgbClr val="003B4F" /></a:solidFill><a:latin typeface="Courier" /></a:rPr><a:t> </a:t></a:r><a:r><a:rPr><a:solidFill><a:srgbClr val="4758AB" /></a:solidFill><a:latin typeface="Courier" /></a:rPr><a:t>c</a:t></a:r><a:r><a:rPr><a:solidFill><a:srgbClr val="003B4F" /></a:solidFill><a:latin typeface="Courier" /></a:rPr><a:t>(</a:t></a:r><a:br /><a:r><a:rPr><a:solidFill><a:srgbClr val="003B4F" /></a:solidFill><a:latin typeface="Courier" /></a:rPr><a:t>    </a:t></a:r><a:r><a:rPr><a:solidFill><a:srgbClr val="4758AB" /></a:solidFill><a:latin typeface="Courier" /></a:rPr><a:t>getmode</a:t></a:r><a:r><a:rPr><a:solidFill><a:srgbClr val="003B4F" /></a:solidFill><a:latin typeface="Courier" /></a:rPr><a:t>(d</a:t></a:r><a:r><a:rPr><a:solidFill><a:srgbClr val="5E5E5E" /></a:solidFill><a:latin typeface="Courier" /></a:rPr><a:t>$</a:t></a:r><a:r><a:rPr><a:solidFill><a:srgbClr val="003B4F" /></a:solidFill><a:latin typeface="Courier" /></a:rPr><a:t>lngdp),</a:t></a:r><a:br /><a:r><a:rPr><a:solidFill><a:srgbClr val="003B4F" /></a:solidFill><a:latin typeface="Courier" /></a:rPr><a:t>    </a:t></a:r><a:r><a:rPr><a:solidFill><a:srgbClr val="4758AB" /></a:solidFill><a:latin typeface="Courier" /></a:rPr><a:t>getmode</a:t></a:r><a:r><a:rPr><a:solidFill><a:srgbClr val="003B4F" /></a:solidFill><a:latin typeface="Courier" /></a:rPr><a:t>(d</a:t></a:r><a:r><a:rPr><a:solidFill><a:srgbClr val="5E5E5E" /></a:solidFill><a:latin typeface="Courier" /></a:rPr><a:t>$</a:t></a:r><a:r><a:rPr><a:solidFill><a:srgbClr val="003B4F" /></a:solidFill><a:latin typeface="Courier" /></a:rPr><a:t>snt),</a:t></a:r><a:br /><a:r><a:rPr><a:solidFill><a:srgbClr val="003B4F" /></a:solidFill><a:latin typeface="Courier" /></a:rPr><a:t>    </a:t></a:r><a:r><a:rPr><a:solidFill><a:srgbClr val="4758AB" /></a:solidFill><a:latin typeface="Courier" /></a:rPr><a:t>getmode</a:t></a:r><a:r><a:rPr><a:solidFill><a:srgbClr val="003B4F" /></a:solidFill><a:latin typeface="Courier" /></a:rPr><a:t>(d</a:t></a:r><a:r><a:rPr><a:solidFill><a:srgbClr val="5E5E5E" /></a:solidFill><a:latin typeface="Courier" /></a:rPr><a:t>$</a:t></a:r><a:r><a:rPr><a:solidFill><a:srgbClr val="003B4F" /></a:solidFill><a:latin typeface="Courier" /></a:rPr><a:t>lfx)</a:t></a:r><a:br /><a:r><a:rPr><a:solidFill><a:srgbClr val="003B4F" /></a:solidFill><a:latin typeface="Courier" /></a:rPr><a:t>  )</a:t></a:r><a:br /><a:r><a:rPr><a:solidFill><a:srgbClr val="003B4F" /></a:solidFill><a:latin typeface="Courier" /></a:rPr><a:t>)</a:t></a:r><a:br /><a:br /><a:r><a:rPr><a:solidFill><a:srgbClr val="4758AB" /></a:solidFill><a:latin typeface="Courier" /></a:rPr><a:t>kable</a:t></a:r><a:r><a:rPr><a:solidFill><a:srgbClr val="003B4F" /></a:solidFill><a:latin typeface="Courier" /></a:rPr><a:t>(</a:t></a:r><a:br /><a:r><a:rPr><a:solidFill><a:srgbClr val="003B4F" /></a:solidFill><a:latin typeface="Courier" /></a:rPr><a:t>  d_central,</a:t></a:r><a:br /><a:r><a:rPr><a:solidFill><a:srgbClr val="003B4F" /></a:solidFill><a:latin typeface="Courier" /></a:rPr><a:t>  </a:t></a:r><a:r><a:rPr><a:solidFill><a:srgbClr val="657422" /></a:solidFill><a:latin typeface="Courier" /></a:rPr><a:t>col.names =</a:t></a:r><a:r><a:rPr><a:solidFill><a:srgbClr val="003B4F" /></a:solidFill><a:latin typeface="Courier" /></a:rPr><a:t> </a:t></a:r><a:r><a:rPr><a:solidFill><a:srgbClr val="4758AB" /></a:solidFill><a:latin typeface="Courier" /></a:rPr><a:t>c</a:t></a:r><a:r><a:rPr><a:solidFill><a:srgbClr val="003B4F" /></a:solidFill><a:latin typeface="Courier" /></a:rPr><a:t>(</a:t></a:r><a:br /><a:r><a:rPr><a:solidFill><a:srgbClr val="003B4F" /></a:solidFill><a:latin typeface="Courier" /></a:rPr><a:t>    </a:t></a:r><a:r><a:rPr><a:solidFill><a:srgbClr val="20794D" /></a:solidFill><a:latin typeface="Courier" /></a:rPr><a:t>&quot;$</a:t></a:r><a:r><a:rPr><a:solidFill><a:srgbClr val="5E5E5E" /></a:solidFill><a:latin typeface="Courier" /></a:rPr><a:t>\\</a:t></a:r><a:r><a:rPr><a:solidFill><a:srgbClr val="20794D" /></a:solidFill><a:latin typeface="Courier" /></a:rPr><a:t>bar{x}$&quot;</a:t></a:r><a:r><a:rPr><a:solidFill><a:srgbClr val="003B4F" /></a:solidFill><a:latin typeface="Courier" /></a:rPr><a:t>,</a:t></a:r><a:br /><a:r><a:rPr><a:solidFill><a:srgbClr val="003B4F" /></a:solidFill><a:latin typeface="Courier" /></a:rPr><a:t>    </a:t></a:r><a:r><a:rPr><a:solidFill><a:srgbClr val="20794D" /></a:solidFill><a:latin typeface="Courier" /></a:rPr><a:t>&quot;$</a:t></a:r><a:r><a:rPr><a:solidFill><a:srgbClr val="5E5E5E" /></a:solidFill><a:latin typeface="Courier" /></a:rPr><a:t>\\</a:t></a:r><a:r><a:rPr><a:solidFill><a:srgbClr val="20794D" /></a:solidFill><a:latin typeface="Courier" /></a:rPr><a:t>operatorname{GM}(x)$&quot;</a:t></a:r><a:r><a:rPr><a:solidFill><a:srgbClr val="003B4F" /></a:solidFill><a:latin typeface="Courier" /></a:rPr><a:t>,</a:t></a:r><a:br /><a:r><a:rPr><a:solidFill><a:srgbClr val="003B4F" /></a:solidFill><a:latin typeface="Courier" /></a:rPr><a:t>    </a:t></a:r><a:r><a:rPr><a:solidFill><a:srgbClr val="20794D" /></a:solidFill><a:latin typeface="Courier" /></a:rPr><a:t>&quot;$</a:t></a:r><a:r><a:rPr><a:solidFill><a:srgbClr val="5E5E5E" /></a:solidFill><a:latin typeface="Courier" /></a:rPr><a:t>\\</a:t></a:r><a:r><a:rPr><a:solidFill><a:srgbClr val="20794D" /></a:solidFill><a:latin typeface="Courier" /></a:rPr><a:t>operatorname{HM}(x)$&quot;</a:t></a:r><a:r><a:rPr><a:solidFill><a:srgbClr val="003B4F" /></a:solidFill><a:latin typeface="Courier" /></a:rPr><a:t>,</a:t></a:r><a:br /><a:r><a:rPr><a:solidFill><a:srgbClr val="003B4F" /></a:solidFill><a:latin typeface="Courier" /></a:rPr><a:t>    </a:t></a:r><a:r><a:rPr><a:solidFill><a:srgbClr val="20794D" /></a:solidFill><a:latin typeface="Courier" /></a:rPr><a:t>&quot;$</a:t></a:r><a:r><a:rPr><a:solidFill><a:srgbClr val="5E5E5E" /></a:solidFill><a:latin typeface="Courier" /></a:rPr><a:t>\\</a:t></a:r><a:r><a:rPr><a:solidFill><a:srgbClr val="20794D" /></a:solidFill><a:latin typeface="Courier" /></a:rPr><a:t>operatorname{median}(x)$&quot;</a:t></a:r><a:r><a:rPr><a:solidFill><a:srgbClr val="003B4F" /></a:solidFill><a:latin typeface="Courier" /></a:rPr><a:t>,</a:t></a:r><a:br /><a:r><a:rPr><a:solidFill><a:srgbClr val="003B4F" /></a:solidFill><a:latin typeface="Courier" /></a:rPr><a:t>    </a:t></a:r><a:r><a:rPr><a:solidFill><a:srgbClr val="20794D" /></a:solidFill><a:latin typeface="Courier" /></a:rPr><a:t>&quot;$</a:t></a:r><a:r><a:rPr><a:solidFill><a:srgbClr val="5E5E5E" /></a:solidFill><a:latin typeface="Courier" /></a:rPr><a:t>\\</a:t></a:r><a:r><a:rPr><a:solidFill><a:srgbClr val="20794D" /></a:solidFill><a:latin typeface="Courier" /></a:rPr><a:t>operatorname{mode}(x)$&quot;</a:t></a:r><a:br /><a:r><a:rPr><a:solidFill><a:srgbClr val="003B4F" /></a:solidFill><a:latin typeface="Courier" /></a:rPr><a:t>  ),</a:t></a:r><a:br /><a:r><a:rPr><a:solidFill><a:srgbClr val="003B4F" /></a:solidFill><a:latin typeface="Courier" /></a:rPr><a:t>  </a:t></a:r><a:r><a:rPr><a:solidFill><a:srgbClr val="657422" /></a:solidFill><a:latin typeface="Courier" /></a:rPr><a:t>digits=</a:t></a:r><a:r><a:rPr><a:solidFill><a:srgbClr val="AD0000" /></a:solidFill><a:latin typeface="Courier" /></a:rPr><a:t>5</a:t></a:r><a:br /><a:r><a:rPr><a:solidFill><a:srgbClr val="003B4F" /></a:solidFill><a:latin typeface="Courier" /></a:rPr><a:t>)</a:t></a:r></a:p></p:txBody></p:sp></mc:Choice></mc:AlternateContent><p:graphicFrame><p:nvGraphicFramePr><p:cNvPr id="6" name="Content Placeholder 5" /><p:cNvGraphicFramePr><a:graphicFrameLocks noGrp="1" /></p:cNvGraphicFramePr><p:nvPr><p:ph idx="1" /></p:nvPr></p:nvGraphicFramePr><p:xfrm><a:off x="4775200" y="1447800" /><a:ext cx="5194300" cy="4572000" /></p:xfrm><a:graphic><a:graphicData uri="http://schemas.openxmlformats.org/drawingml/2006/table"><a:tbl><a:tblPr firstRow="1" bandRow="1"><a:tableStyleId>{5C22544A-7EE6-4342-B048-85BDC9FD1C3A}</a:tableStyleId></a:tblPr><a:tblGrid><a:gridCol w="863600" /><a:gridCol w="863600" /><a:gridCol w="863600" /><a:gridCol w="863600" /><a:gridCol w="863600" /><a:gridCol w="863600" /></a:tblGrid><a:tr h="0"><a:tc><a:txBody><a:bodyPr /><a:lstStyle /><a:p><a:endParaRPr /></a:p></a:txBody><a:tcPr /></a:tc><a:tc><a:txBody><a:bodyPr /><a:lstStyle /><a:p><a:pPr lvl="0" indent="0" marL="0" algn="r"><a:buNone /></a:pPr><a14:m><m:oMath xmlns:m="http://schemas.openxmlformats.org/officeDocument/2006/math"><m:acc><m:accPr><m:chr m:val="‾" /></m:accPr><m:e><m:r><m:t>x</m:t></m:r></m:e></m:acc></m:oMath></a14:m></a:p></a:txBody><a:tcPr /></a:tc><a:tc><a:txBody><a:bodyPr /><a:lstStyle /><a:p><a:pPr lvl="0" indent="0" marL="0" algn="r"><a:buNone /></a:pPr><a14:m><m:oMath xmlns:m="http://schemas.openxmlformats.org/officeDocument/2006/math"><m:r><m:rPr><m:sty m:val="p" /></m:rPr><m:t>GM</m:t></m:r><m:d><m:dPr><m:begChr m:val="(" /><m:endChr m:val=")" /><m:sepChr m:val="" /><m:grow /></m:dPr><m:e><m:r><m:t>x</m:t></m:r></m:e></m:d></m:oMath></a14:m></a:p></a:txBody><a:tcPr /></a:tc><a:tc><a:txBody><a:bodyPr /><a:lstStyle /><a:p><a:pPr lvl="0" indent="0" marL="0" algn="r"><a:buNone /></a:pPr><a14:m><m:oMath xmlns:m="http://schemas.openxmlformats.org/officeDocument/2006/math"><m:r><m:rPr><m:sty m:val="p" /></m:rPr><m:t>HM</m:t></m:r><m:d><m:dPr><m:begChr m:val="(" /><m:endChr m:val=")" /><m:sepChr m:val="" /><m:grow /></m:dPr><m:e><m:r><m:t>x</m:t></m:r></m:e></m:d></m:oMath></a14:m></a:p></a:txBody><a:tcPr /></a:tc><a:tc><a:txBody><a:bodyPr /><a:lstStyle /><a:p><a:pPr lvl="0" indent="0" marL="0" algn="r"><a:buNone /></a:pPr><a14:m><m:oMath xmlns:m="http://schemas.openxmlformats.org/officeDocument/2006/math"><m:r><m:rPr><m:sty m:val="p" /></m:rPr><m:t>median</m:t></m:r><m:d><m:dPr><m:begChr m:val="(" /><m:endChr m:val=")" /><m:sepChr m:val="" /><m:grow /></m:dPr><m:e><m:r><m:t>x</m:t></m:r></m:e></m:d></m:oMath></a14:m></a:p></a:txBody><a:tcPr /></a:tc><a:tc><a:txBody><a:bodyPr /><a:lstStyle /><a:p><a:pPr lvl="0" indent="0" marL="0" algn="r"><a:buNone /></a:pPr><a14:m><m:oMath xmlns:m="http://schemas.openxmlformats.org/officeDocument/2006/math"><m:r><m:rPr><m:sty m:val="p" /></m:rPr><m:t>mode</m:t></m:r><m:d><m:dPr><m:begChr m:val="(" /><m:endChr m:val=")" /><m:sepChr m:val="" /><m:grow /></m:dPr><m:e><m:r><m:t>x</m:t></m:r></m:e></m:d></m:oMath></a14:m></a:p></a:txBody><a:tcPr /></a:tc></a:tr><a:tr h="0"><a:tc><a:txBody><a:bodyPr /><a:lstStyle /><a:p><a:pPr lvl="0" indent="0" marL="0" algn="l"><a:buNone /></a:pPr><a:r><a:rPr i="1" /><a:t>ln(GDP)</a:t></a:r></a:p></a:txBody></a:tc><a:tc><a:txBody><a:bodyPr /><a:lstStyle /><a:p><a:pPr lvl="0" indent="0" marL="0" algn="r"><a:buNone /></a:pPr><a:r><a:rPr /><a:t>8.54124</a:t></a:r></a:p></a:txBody></a:tc><a:tc><a:txBody><a:bodyPr /><a:lstStyle /><a:p><a:pPr lvl="0" indent="0" marL="0" algn="r"><a:buNone /></a:pPr><a:r><a:rPr /><a:t>8.42229</a:t></a:r></a:p></a:txBody></a:tc><a:tc><a:txBody><a:bodyPr /><a:lstStyle /><a:p><a:pPr lvl="0" indent="0" marL="0" algn="r"><a:buNone /></a:pPr><a:r><a:rPr /><a:t>8.30248</a:t></a:r></a:p></a:txBody></a:tc><a:tc><a:txBody><a:bodyPr /><a:lstStyle /><a:p><a:pPr lvl="0" indent="0" marL="0" algn="r"><a:buNone /></a:pPr><a:r><a:rPr /><a:t>8.48673</a:t></a:r></a:p></a:txBody></a:tc><a:tc><a:txBody><a:bodyPr /><a:lstStyle /><a:p><a:pPr lvl="0" indent="0" marL="0" algn="r"><a:buNone /></a:pPr><a:r><a:rPr /><a:t>9.23014</a:t></a:r></a:p></a:txBody></a:tc></a:tr><a:tr h="0"><a:tc><a:txBody><a:bodyPr /><a:lstStyle /><a:p><a:pPr lvl="0" indent="0" marL="0" algn="l"><a:buNone /></a:pPr><a:r><a:rPr i="1" /><a:t>Sanitation</a:t></a:r></a:p></a:txBody></a:tc><a:tc><a:txBody><a:bodyPr /><a:lstStyle /><a:p><a:pPr lvl="0" indent="0" marL="0" algn="r"><a:buNone /></a:pPr><a:r><a:rPr /><a:t>72.43857</a:t></a:r></a:p></a:txBody></a:tc><a:tc><a:txBody><a:bodyPr /><a:lstStyle /><a:p><a:pPr lvl="0" indent="0" marL="0" algn="r"><a:buNone /></a:pPr><a:r><a:rPr /><a:t>62.58904</a:t></a:r></a:p></a:txBody></a:tc><a:tc><a:txBody><a:bodyPr /><a:lstStyle /><a:p><a:pPr lvl="0" indent="0" marL="0" algn="r"><a:buNone /></a:pPr><a:r><a:rPr /><a:t>47.61862</a:t></a:r></a:p></a:txBody></a:tc><a:tc><a:txBody><a:bodyPr /><a:lstStyle /><a:p><a:pPr lvl="0" indent="0" marL="0" algn="r"><a:buNone /></a:pPr><a:r><a:rPr /><a:t>85.60000</a:t></a:r></a:p></a:txBody></a:tc><a:tc><a:txBody><a:bodyPr /><a:lstStyle /><a:p><a:pPr lvl="0" indent="0" marL="0" algn="r"><a:buNone /></a:pPr><a:r><a:rPr /><a:t>100.00000</a:t></a:r></a:p></a:txBody></a:tc></a:tr><a:tr h="0"><a:tc><a:txBody><a:bodyPr /><a:lstStyle /><a:p><a:pPr lvl="0" indent="0" marL="0" algn="l"><a:buNone /></a:pPr><a:r><a:rPr i="1" /><a:t>Life Exp.</a:t></a:r></a:p></a:txBody></a:tc><a:tc><a:txBody><a:bodyPr /><a:lstStyle /><a:p><a:pPr lvl="0" indent="0" marL="0" algn="r"><a:buNone /></a:pPr><a:r><a:rPr /><a:t>70.54603</a:t></a:r></a:p></a:txBody></a:tc><a:tc><a:txBody><a:bodyPr /><a:lstStyle /><a:p><a:pPr lvl="0" indent="0" marL="0" algn="r"><a:buNone /></a:pPr><a:r><a:rPr /><a:t>69.95538</a:t></a:r></a:p></a:txBody></a:tc><a:tc><a:txBody><a:bodyPr /><a:lstStyle /><a:p><a:pPr lvl="0" indent="0" marL="0" algn="r"><a:buNone /></a:pPr><a:r><a:rPr /><a:t>69.28316</a:t></a:r></a:p></a:txBody></a:tc><a:tc><a:txBody><a:bodyPr /><a:lstStyle /><a:p><a:pPr lvl="0" indent="0" marL="0" algn="r"><a:buNone /></a:pPr><a:r><a:rPr /><a:t>72.40000</a:t></a:r></a:p></a:txBody></a:tc><a:tc><a:txBody><a:bodyPr /><a:lstStyle /><a:p><a:pPr lvl="0" indent="0" marL="0" algn="r"><a:buNone /></a:pPr><a:r><a:rPr /><a:t>73.20000</a:t></a:r></a:p></a:txBody></a:tc></a:tr></a:tbl></a:graphicData></a:graphic></p:graphicFrame></p:spTree></p:cSld></p:sld>
+\end{aligned}
+$$</a:t></a:r></a:p><a:p><a:pPr lvl="0" indent="0" marL="0"><a:buNone /></a:pPr><a14:m><m:oMathPara xmlns:m="http://schemas.openxmlformats.org/officeDocument/2006/math"><m:oMathParaPr><m:jc m:val="center" /></m:oMathParaPr><m:oMath><m:m><m:mPr><m:baseJc m:val="center" /><m:plcHide m:val="1" /><m:mcs><m:mc><m:mcPr><m:mcJc m:val="right" /><m:count m:val="1" /></m:mcPr></m:mc><m:mc><m:mcPr><m:mcJc m:val="left" /><m:count m:val="1" /></m:mcPr></m:mc><m:mc><m:mcPr><m:mcJc m:val="right" /><m:count m:val="1" /></m:mcPr></m:mc></m:mcs></m:mPr><m:mr><m:e><m:r><m:rPr><m:sty m:val="p" /></m:rPr><m:t>median</m:t></m:r><m:d><m:dPr><m:begChr m:val="(" /><m:endChr m:val=")" /><m:sepChr m:val="" /><m:grow /></m:dPr><m:e><m:r><m:t>x</m:t></m:r></m:e></m:d><m:r><m:rPr><m:sty m:val="p" /></m:rPr><m:t>=</m:t></m:r><m:d><m:dPr><m:begChr m:val="{" /><m:endChr m:val="" /><m:sepChr m:val="" /><m:grow /></m:dPr><m:e><m:m><m:mPr><m:baseJc m:val="center" /><m:plcHide m:val="1" /><m:mcs><m:mc><m:mcPr><m:mcJc m:val="left" /><m:count m:val="1" /></m:mcPr></m:mc><m:mc><m:mcPr><m:mcJc m:val="left" /><m:count m:val="1" /></m:mcPr></m:mc></m:mcs></m:mPr><m:mr><m:e><m:sSub><m:e><m:r><m:t>x</m:t></m:r></m:e><m:sub><m:d><m:dPr><m:begChr m:val="(" /><m:endChr m:val=")" /><m:sepChr m:val="" /><m:grow /></m:dPr><m:e><m:r><m:t>n</m:t></m:r><m:r><m:rPr><m:sty m:val="p" /></m:rPr><m:t>+</m:t></m:r><m:r><m:t>1</m:t></m:r></m:e></m:d><m:r><m:rPr><m:sty m:val="p" /></m:rPr><m:t>/</m:t></m:r><m:r><m:t>2</m:t></m:r></m:sub></m:sSub></m:e><m:e><m:r><m:rPr><m:sty m:val="p" /></m:rPr><m:t>:</m:t></m:r><m:r><m:t>n</m:t></m:r><m:r><m:rPr><m:sty m:val="p" /></m:rPr><m:t>=</m:t></m:r><m:r><m:t>1</m:t></m:r><m:r><m:t> </m:t></m:r><m:r><m:rPr><m:sty m:val="p" /></m:rPr><m:t>mod</m:t></m:r><m:r><m:t> </m:t></m:r><m:r><m:t>2</m:t></m:r></m:e></m:mr><m:mr><m:e><m:f><m:fPr><m:type m:val="bar" /></m:fPr><m:num><m:sSub><m:e><m:r><m:t>x</m:t></m:r></m:e><m:sub><m:d><m:dPr><m:begChr m:val="(" /><m:endChr m:val=")" /><m:sepChr m:val="" /><m:grow /></m:dPr><m:e><m:r><m:t>n</m:t></m:r><m:r><m:rPr><m:sty m:val="p" /></m:rPr><m:t>/</m:t></m:r><m:r><m:t>2</m:t></m:r></m:e></m:d></m:sub></m:sSub><m:r><m:rPr><m:sty m:val="p" /></m:rPr><m:t>+</m:t></m:r><m:sSub><m:e><m:r><m:t>x</m:t></m:r></m:e><m:sub><m:d><m:dPr><m:begChr m:val="(" /><m:endChr m:val=")" /><m:sepChr m:val="" /><m:grow /></m:dPr><m:e><m:d><m:dPr><m:begChr m:val="(" /><m:endChr m:val=")" /><m:sepChr m:val="" /><m:grow /></m:dPr><m:e><m:r><m:t>n</m:t></m:r><m:r><m:rPr><m:sty m:val="p" /></m:rPr><m:t>/</m:t></m:r><m:r><m:t>2</m:t></m:r></m:e></m:d><m:r><m:rPr><m:sty m:val="p" /></m:rPr><m:t>+</m:t></m:r><m:r><m:t>1</m:t></m:r></m:e></m:d></m:sub></m:sSub></m:num><m:den><m:r><m:t>2</m:t></m:r></m:den></m:f></m:e><m:e><m:r><m:rPr><m:sty m:val="p" /></m:rPr><m:t>:</m:t></m:r><m:r><m:t>n</m:t></m:r><m:r><m:rPr><m:sty m:val="p" /></m:rPr><m:t>=</m:t></m:r><m:r><m:t>0</m:t></m:r><m:r><m:t> </m:t></m:r><m:r><m:rPr><m:sty m:val="p" /></m:rPr><m:t>mod</m:t></m:r><m:r><m:t> </m:t></m:r><m:r><m:t>2</m:t></m:r></m:e></m:mr></m:m></m:e></m:d></m:e><m:e /><m:e><m:r><m:rPr><m:sty m:val="p" /></m:rPr><m:t>mode</m:t></m:r><m:d><m:dPr><m:begChr m:val="(" /><m:endChr m:val=")" /><m:sepChr m:val="" /><m:grow /></m:dPr><m:e><m:r><m:t>x</m:t></m:r></m:e></m:d><m:r><m:rPr><m:sty m:val="p" /></m:rPr><m:t>=</m:t></m:r><m:sSub><m:e><m:r><m:t>x</m:t></m:r></m:e><m:sub><m:d><m:dPr><m:begChr m:val="(" /><m:endChr m:val=")" /><m:sepChr m:val="" /><m:grow /></m:dPr><m:e><m:r><m:t>n</m:t></m:r></m:e></m:d></m:sub></m:sSub></m:e></m:mr></m:m></m:oMath></m:oMathPara></a14:m></a:p><a:p><a:pPr lvl="0" indent="0"><a:buNone /></a:pPr><a:r><a:rPr><a:solidFill><a:srgbClr val="003B4F" /></a:solidFill><a:latin typeface="Courier" /></a:rPr><a:t>getmode &lt;- function(v) {</a:t></a:r><a:br /><a:r><a:rPr><a:solidFill><a:srgbClr val="003B4F" /></a:solidFill><a:latin typeface="Courier" /></a:rPr><a:t> uniqv &lt;- </a:t></a:r><a:r><a:rPr><a:solidFill><a:srgbClr val="4758AB" /></a:solidFill><a:latin typeface="Courier" /></a:rPr><a:t>unique</a:t></a:r><a:r><a:rPr><a:solidFill><a:srgbClr val="003B4F" /></a:solidFill><a:latin typeface="Courier" /></a:rPr><a:t>(v)</a:t></a:r><a:br /><a:r><a:rPr><a:solidFill><a:srgbClr val="003B4F" /></a:solidFill><a:latin typeface="Courier" /></a:rPr><a:t> freq = </a:t></a:r><a:r><a:rPr><a:solidFill><a:srgbClr val="4758AB" /></a:solidFill><a:latin typeface="Courier" /></a:rPr><a:t>max</a:t></a:r><a:r><a:rPr><a:solidFill><a:srgbClr val="003B4F" /></a:solidFill><a:latin typeface="Courier" /></a:rPr><a:t>(</a:t></a:r><a:r><a:rPr><a:solidFill><a:srgbClr val="4758AB" /></a:solidFill><a:latin typeface="Courier" /></a:rPr><a:t>tabulate</a:t></a:r><a:r><a:rPr><a:solidFill><a:srgbClr val="003B4F" /></a:solidFill><a:latin typeface="Courier" /></a:rPr><a:t>(</a:t></a:r><a:r><a:rPr><a:solidFill><a:srgbClr val="4758AB" /></a:solidFill><a:latin typeface="Courier" /></a:rPr><a:t>match</a:t></a:r><a:r><a:rPr><a:solidFill><a:srgbClr val="003B4F" /></a:solidFill><a:latin typeface="Courier" /></a:rPr><a:t>(v, uniqv)))</a:t></a:r><a:br /><a:r><a:rPr><a:solidFill><a:srgbClr val="003B4F" /></a:solidFill><a:latin typeface="Courier" /></a:rPr><a:t> res = uniqv[</a:t></a:r><a:r><a:rPr><a:solidFill><a:srgbClr val="4758AB" /></a:solidFill><a:latin typeface="Courier" /></a:rPr><a:t>which.max</a:t></a:r><a:r><a:rPr><a:solidFill><a:srgbClr val="003B4F" /></a:solidFill><a:latin typeface="Courier" /></a:rPr><a:t>(</a:t></a:r><a:r><a:rPr><a:solidFill><a:srgbClr val="4758AB" /></a:solidFill><a:latin typeface="Courier" /></a:rPr><a:t>tabulate</a:t></a:r><a:r><a:rPr><a:solidFill><a:srgbClr val="003B4F" /></a:solidFill><a:latin typeface="Courier" /></a:rPr><a:t>(</a:t></a:r><a:r><a:rPr><a:solidFill><a:srgbClr val="4758AB" /></a:solidFill><a:latin typeface="Courier" /></a:rPr><a:t>match</a:t></a:r><a:r><a:rPr><a:solidFill><a:srgbClr val="003B4F" /></a:solidFill><a:latin typeface="Courier" /></a:rPr><a:t>(v, uniqv)))]</a:t></a:r><a:br /><a:r><a:rPr><a:solidFill><a:srgbClr val="003B4F" /></a:solidFill><a:latin typeface="Courier" /></a:rPr><a:t> if (freq </a:t></a:r><a:r><a:rPr><a:solidFill><a:srgbClr val="5E5E5E" /></a:solidFill><a:latin typeface="Courier" /></a:rPr><a:t>==</a:t></a:r><a:r><a:rPr><a:solidFill><a:srgbClr val="003B4F" /></a:solidFill><a:latin typeface="Courier" /></a:rPr><a:t> </a:t></a:r><a:r><a:rPr><a:solidFill><a:srgbClr val="AD0000" /></a:solidFill><a:latin typeface="Courier" /></a:rPr><a:t>1</a:t></a:r><a:r><a:rPr><a:solidFill><a:srgbClr val="003B4F" /></a:solidFill><a:latin typeface="Courier" /></a:rPr><a:t>) res = </a:t></a:r><a:r><a:rPr><a:solidFill><a:srgbClr val="8F5902" /></a:solidFill><a:latin typeface="Courier" /></a:rPr><a:t>NULL</a:t></a:r><a:br /><a:r><a:rPr><a:solidFill><a:srgbClr val="003B4F" /></a:solidFill><a:latin typeface="Courier" /></a:rPr><a:t> </a:t></a:r><a:r><a:rPr><a:solidFill><a:srgbClr val="4758AB" /></a:solidFill><a:latin typeface="Courier" /></a:rPr><a:t>return</a:t></a:r><a:r><a:rPr><a:solidFill><a:srgbClr val="003B4F" /></a:solidFill><a:latin typeface="Courier" /></a:rPr><a:t>(res)</a:t></a:r><a:br /><a:r><a:rPr><a:solidFill><a:srgbClr val="003B4F" /></a:solidFill><a:latin typeface="Courier" /></a:rPr><a:t>}</a:t></a:r><a:br /><a:br /><a:r><a:rPr><a:solidFill><a:srgbClr val="003B4F" /></a:solidFill><a:latin typeface="Courier" /></a:rPr><a:t>d_central = </a:t></a:r><a:r><a:rPr><a:solidFill><a:srgbClr val="4758AB" /></a:solidFill><a:latin typeface="Courier" /></a:rPr><a:t>data.frame</a:t></a:r><a:r><a:rPr><a:solidFill><a:srgbClr val="003B4F" /></a:solidFill><a:latin typeface="Courier" /></a:rPr><a:t>(</a:t></a:r><a:br /><a:r><a:rPr><a:solidFill><a:srgbClr val="003B4F" /></a:solidFill><a:latin typeface="Courier" /></a:rPr><a:t>  </a:t></a:r><a:r><a:rPr><a:solidFill><a:srgbClr val="657422" /></a:solidFill><a:latin typeface="Courier" /></a:rPr><a:t>row.names =</a:t></a:r><a:r><a:rPr><a:solidFill><a:srgbClr val="003B4F" /></a:solidFill><a:latin typeface="Courier" /></a:rPr><a:t> </a:t></a:r><a:r><a:rPr><a:solidFill><a:srgbClr val="20794D" /></a:solidFill><a:latin typeface="Courier" /></a:rPr><a:t>&quot;Variable&quot;</a:t></a:r><a:r><a:rPr><a:solidFill><a:srgbClr val="003B4F" /></a:solidFill><a:latin typeface="Courier" /></a:rPr><a:t>,</a:t></a:r><a:br /><a:r><a:rPr><a:solidFill><a:srgbClr val="003B4F" /></a:solidFill><a:latin typeface="Courier" /></a:rPr><a:t>  </a:t></a:r><a:r><a:rPr><a:solidFill><a:srgbClr val="657422" /></a:solidFill><a:latin typeface="Courier" /></a:rPr><a:t>Variable =</a:t></a:r><a:r><a:rPr><a:solidFill><a:srgbClr val="003B4F" /></a:solidFill><a:latin typeface="Courier" /></a:rPr><a:t> </a:t></a:r><a:r><a:rPr><a:solidFill><a:srgbClr val="4758AB" /></a:solidFill><a:latin typeface="Courier" /></a:rPr><a:t>c</a:t></a:r><a:r><a:rPr><a:solidFill><a:srgbClr val="003B4F" /></a:solidFill><a:latin typeface="Courier" /></a:rPr><a:t>(</a:t></a:r><a:br /><a:r><a:rPr><a:solidFill><a:srgbClr val="003B4F" /></a:solidFill><a:latin typeface="Courier" /></a:rPr><a:t>    </a:t></a:r><a:r><a:rPr><a:solidFill><a:srgbClr val="20794D" /></a:solidFill><a:latin typeface="Courier" /></a:rPr><a:t>&quot;*ln(GDP)*&quot;</a:t></a:r><a:r><a:rPr><a:solidFill><a:srgbClr val="003B4F" /></a:solidFill><a:latin typeface="Courier" /></a:rPr><a:t>,</a:t></a:r><a:br /><a:r><a:rPr><a:solidFill><a:srgbClr val="003B4F" /></a:solidFill><a:latin typeface="Courier" /></a:rPr><a:t>    </a:t></a:r><a:r><a:rPr><a:solidFill><a:srgbClr val="20794D" /></a:solidFill><a:latin typeface="Courier" /></a:rPr><a:t>&quot;*Sanitation*&quot;</a:t></a:r><a:r><a:rPr><a:solidFill><a:srgbClr val="003B4F" /></a:solidFill><a:latin typeface="Courier" /></a:rPr><a:t>,</a:t></a:r><a:br /><a:r><a:rPr><a:solidFill><a:srgbClr val="003B4F" /></a:solidFill><a:latin typeface="Courier" /></a:rPr><a:t>    </a:t></a:r><a:r><a:rPr><a:solidFill><a:srgbClr val="20794D" /></a:solidFill><a:latin typeface="Courier" /></a:rPr><a:t>&quot;*Life Exp.*&quot;</a:t></a:r><a:br /><a:r><a:rPr><a:solidFill><a:srgbClr val="003B4F" /></a:solidFill><a:latin typeface="Courier" /></a:rPr><a:t>  ),</a:t></a:r><a:br /><a:r><a:rPr><a:solidFill><a:srgbClr val="003B4F" /></a:solidFill><a:latin typeface="Courier" /></a:rPr><a:t>  </a:t></a:r><a:r><a:rPr><a:solidFill><a:srgbClr val="657422" /></a:solidFill><a:latin typeface="Courier" /></a:rPr><a:t>Mean =</a:t></a:r><a:r><a:rPr><a:solidFill><a:srgbClr val="003B4F" /></a:solidFill><a:latin typeface="Courier" /></a:rPr><a:t> </a:t></a:r><a:r><a:rPr><a:solidFill><a:srgbClr val="4758AB" /></a:solidFill><a:latin typeface="Courier" /></a:rPr><a:t>c</a:t></a:r><a:r><a:rPr><a:solidFill><a:srgbClr val="003B4F" /></a:solidFill><a:latin typeface="Courier" /></a:rPr><a:t>(</a:t></a:r><a:br /><a:r><a:rPr><a:solidFill><a:srgbClr val="003B4F" /></a:solidFill><a:latin typeface="Courier" /></a:rPr><a:t>    </a:t></a:r><a:r><a:rPr><a:solidFill><a:srgbClr val="4758AB" /></a:solidFill><a:latin typeface="Courier" /></a:rPr><a:t>mean</a:t></a:r><a:r><a:rPr><a:solidFill><a:srgbClr val="003B4F" /></a:solidFill><a:latin typeface="Courier" /></a:rPr><a:t>(d</a:t></a:r><a:r><a:rPr><a:solidFill><a:srgbClr val="5E5E5E" /></a:solidFill><a:latin typeface="Courier" /></a:rPr><a:t>$</a:t></a:r><a:r><a:rPr><a:solidFill><a:srgbClr val="003B4F" /></a:solidFill><a:latin typeface="Courier" /></a:rPr><a:t>lngdp),</a:t></a:r><a:br /><a:r><a:rPr><a:solidFill><a:srgbClr val="003B4F" /></a:solidFill><a:latin typeface="Courier" /></a:rPr><a:t>    </a:t></a:r><a:r><a:rPr><a:solidFill><a:srgbClr val="4758AB" /></a:solidFill><a:latin typeface="Courier" /></a:rPr><a:t>mean</a:t></a:r><a:r><a:rPr><a:solidFill><a:srgbClr val="003B4F" /></a:solidFill><a:latin typeface="Courier" /></a:rPr><a:t>(d</a:t></a:r><a:r><a:rPr><a:solidFill><a:srgbClr val="5E5E5E" /></a:solidFill><a:latin typeface="Courier" /></a:rPr><a:t>$</a:t></a:r><a:r><a:rPr><a:solidFill><a:srgbClr val="003B4F" /></a:solidFill><a:latin typeface="Courier" /></a:rPr><a:t>snt),</a:t></a:r><a:br /><a:r><a:rPr><a:solidFill><a:srgbClr val="003B4F" /></a:solidFill><a:latin typeface="Courier" /></a:rPr><a:t>    </a:t></a:r><a:r><a:rPr><a:solidFill><a:srgbClr val="4758AB" /></a:solidFill><a:latin typeface="Courier" /></a:rPr><a:t>mean</a:t></a:r><a:r><a:rPr><a:solidFill><a:srgbClr val="003B4F" /></a:solidFill><a:latin typeface="Courier" /></a:rPr><a:t>(d</a:t></a:r><a:r><a:rPr><a:solidFill><a:srgbClr val="5E5E5E" /></a:solidFill><a:latin typeface="Courier" /></a:rPr><a:t>$</a:t></a:r><a:r><a:rPr><a:solidFill><a:srgbClr val="003B4F" /></a:solidFill><a:latin typeface="Courier" /></a:rPr><a:t>lfx)</a:t></a:r><a:br /><a:r><a:rPr><a:solidFill><a:srgbClr val="003B4F" /></a:solidFill><a:latin typeface="Courier" /></a:rPr><a:t>  ),</a:t></a:r><a:br /><a:r><a:rPr><a:solidFill><a:srgbClr val="003B4F" /></a:solidFill><a:latin typeface="Courier" /></a:rPr><a:t>  </a:t></a:r><a:r><a:rPr><a:solidFill><a:srgbClr val="657422" /></a:solidFill><a:latin typeface="Courier" /></a:rPr><a:t>GM =</a:t></a:r><a:r><a:rPr><a:solidFill><a:srgbClr val="003B4F" /></a:solidFill><a:latin typeface="Courier" /></a:rPr><a:t> </a:t></a:r><a:r><a:rPr><a:solidFill><a:srgbClr val="4758AB" /></a:solidFill><a:latin typeface="Courier" /></a:rPr><a:t>c</a:t></a:r><a:r><a:rPr><a:solidFill><a:srgbClr val="003B4F" /></a:solidFill><a:latin typeface="Courier" /></a:rPr><a:t>(</a:t></a:r><a:br /><a:r><a:rPr><a:solidFill><a:srgbClr val="003B4F" /></a:solidFill><a:latin typeface="Courier" /></a:rPr><a:t>    </a:t></a:r><a:r><a:rPr><a:solidFill><a:srgbClr val="4758AB" /></a:solidFill><a:latin typeface="Courier" /></a:rPr><a:t>geometric.mean</a:t></a:r><a:r><a:rPr><a:solidFill><a:srgbClr val="003B4F" /></a:solidFill><a:latin typeface="Courier" /></a:rPr><a:t>(d</a:t></a:r><a:r><a:rPr><a:solidFill><a:srgbClr val="5E5E5E" /></a:solidFill><a:latin typeface="Courier" /></a:rPr><a:t>$</a:t></a:r><a:r><a:rPr><a:solidFill><a:srgbClr val="003B4F" /></a:solidFill><a:latin typeface="Courier" /></a:rPr><a:t>lngdp),</a:t></a:r><a:br /><a:r><a:rPr><a:solidFill><a:srgbClr val="003B4F" /></a:solidFill><a:latin typeface="Courier" /></a:rPr><a:t>    </a:t></a:r><a:r><a:rPr><a:solidFill><a:srgbClr val="4758AB" /></a:solidFill><a:latin typeface="Courier" /></a:rPr><a:t>geometric.mean</a:t></a:r><a:r><a:rPr><a:solidFill><a:srgbClr val="003B4F" /></a:solidFill><a:latin typeface="Courier" /></a:rPr><a:t>(d</a:t></a:r><a:r><a:rPr><a:solidFill><a:srgbClr val="5E5E5E" /></a:solidFill><a:latin typeface="Courier" /></a:rPr><a:t>$</a:t></a:r><a:r><a:rPr><a:solidFill><a:srgbClr val="003B4F" /></a:solidFill><a:latin typeface="Courier" /></a:rPr><a:t>snt),</a:t></a:r><a:br /><a:r><a:rPr><a:solidFill><a:srgbClr val="003B4F" /></a:solidFill><a:latin typeface="Courier" /></a:rPr><a:t>    </a:t></a:r><a:r><a:rPr><a:solidFill><a:srgbClr val="4758AB" /></a:solidFill><a:latin typeface="Courier" /></a:rPr><a:t>geometric.mean</a:t></a:r><a:r><a:rPr><a:solidFill><a:srgbClr val="003B4F" /></a:solidFill><a:latin typeface="Courier" /></a:rPr><a:t>(d</a:t></a:r><a:r><a:rPr><a:solidFill><a:srgbClr val="5E5E5E" /></a:solidFill><a:latin typeface="Courier" /></a:rPr><a:t>$</a:t></a:r><a:r><a:rPr><a:solidFill><a:srgbClr val="003B4F" /></a:solidFill><a:latin typeface="Courier" /></a:rPr><a:t>lfx)</a:t></a:r><a:br /><a:r><a:rPr><a:solidFill><a:srgbClr val="003B4F" /></a:solidFill><a:latin typeface="Courier" /></a:rPr><a:t>  ),</a:t></a:r><a:br /><a:r><a:rPr><a:solidFill><a:srgbClr val="003B4F" /></a:solidFill><a:latin typeface="Courier" /></a:rPr><a:t>  </a:t></a:r><a:r><a:rPr><a:solidFill><a:srgbClr val="657422" /></a:solidFill><a:latin typeface="Courier" /></a:rPr><a:t>HM =</a:t></a:r><a:r><a:rPr><a:solidFill><a:srgbClr val="003B4F" /></a:solidFill><a:latin typeface="Courier" /></a:rPr><a:t> </a:t></a:r><a:r><a:rPr><a:solidFill><a:srgbClr val="4758AB" /></a:solidFill><a:latin typeface="Courier" /></a:rPr><a:t>c</a:t></a:r><a:r><a:rPr><a:solidFill><a:srgbClr val="003B4F" /></a:solidFill><a:latin typeface="Courier" /></a:rPr><a:t>(</a:t></a:r><a:br /><a:r><a:rPr><a:solidFill><a:srgbClr val="003B4F" /></a:solidFill><a:latin typeface="Courier" /></a:rPr><a:t>    </a:t></a:r><a:r><a:rPr><a:solidFill><a:srgbClr val="4758AB" /></a:solidFill><a:latin typeface="Courier" /></a:rPr><a:t>harmonic.mean</a:t></a:r><a:r><a:rPr><a:solidFill><a:srgbClr val="003B4F" /></a:solidFill><a:latin typeface="Courier" /></a:rPr><a:t>(d</a:t></a:r><a:r><a:rPr><a:solidFill><a:srgbClr val="5E5E5E" /></a:solidFill><a:latin typeface="Courier" /></a:rPr><a:t>$</a:t></a:r><a:r><a:rPr><a:solidFill><a:srgbClr val="003B4F" /></a:solidFill><a:latin typeface="Courier" /></a:rPr><a:t>lngdp),</a:t></a:r><a:br /><a:r><a:rPr><a:solidFill><a:srgbClr val="003B4F" /></a:solidFill><a:latin typeface="Courier" /></a:rPr><a:t>    </a:t></a:r><a:r><a:rPr><a:solidFill><a:srgbClr val="4758AB" /></a:solidFill><a:latin typeface="Courier" /></a:rPr><a:t>harmonic.mean</a:t></a:r><a:r><a:rPr><a:solidFill><a:srgbClr val="003B4F" /></a:solidFill><a:latin typeface="Courier" /></a:rPr><a:t>(d</a:t></a:r><a:r><a:rPr><a:solidFill><a:srgbClr val="5E5E5E" /></a:solidFill><a:latin typeface="Courier" /></a:rPr><a:t>$</a:t></a:r><a:r><a:rPr><a:solidFill><a:srgbClr val="003B4F" /></a:solidFill><a:latin typeface="Courier" /></a:rPr><a:t>snt),</a:t></a:r><a:br /><a:r><a:rPr><a:solidFill><a:srgbClr val="003B4F" /></a:solidFill><a:latin typeface="Courier" /></a:rPr><a:t>    </a:t></a:r><a:r><a:rPr><a:solidFill><a:srgbClr val="4758AB" /></a:solidFill><a:latin typeface="Courier" /></a:rPr><a:t>harmonic.mean</a:t></a:r><a:r><a:rPr><a:solidFill><a:srgbClr val="003B4F" /></a:solidFill><a:latin typeface="Courier" /></a:rPr><a:t>(d</a:t></a:r><a:r><a:rPr><a:solidFill><a:srgbClr val="5E5E5E" /></a:solidFill><a:latin typeface="Courier" /></a:rPr><a:t>$</a:t></a:r><a:r><a:rPr><a:solidFill><a:srgbClr val="003B4F" /></a:solidFill><a:latin typeface="Courier" /></a:rPr><a:t>lfx)</a:t></a:r><a:br /><a:r><a:rPr><a:solidFill><a:srgbClr val="003B4F" /></a:solidFill><a:latin typeface="Courier" /></a:rPr><a:t>  ),</a:t></a:r><a:br /><a:r><a:rPr><a:solidFill><a:srgbClr val="003B4F" /></a:solidFill><a:latin typeface="Courier" /></a:rPr><a:t>  </a:t></a:r><a:r><a:rPr><a:solidFill><a:srgbClr val="657422" /></a:solidFill><a:latin typeface="Courier" /></a:rPr><a:t>Median =</a:t></a:r><a:r><a:rPr><a:solidFill><a:srgbClr val="003B4F" /></a:solidFill><a:latin typeface="Courier" /></a:rPr><a:t> </a:t></a:r><a:r><a:rPr><a:solidFill><a:srgbClr val="4758AB" /></a:solidFill><a:latin typeface="Courier" /></a:rPr><a:t>c</a:t></a:r><a:r><a:rPr><a:solidFill><a:srgbClr val="003B4F" /></a:solidFill><a:latin typeface="Courier" /></a:rPr><a:t>(</a:t></a:r><a:br /><a:r><a:rPr><a:solidFill><a:srgbClr val="003B4F" /></a:solidFill><a:latin typeface="Courier" /></a:rPr><a:t>    </a:t></a:r><a:r><a:rPr><a:solidFill><a:srgbClr val="4758AB" /></a:solidFill><a:latin typeface="Courier" /></a:rPr><a:t>median</a:t></a:r><a:r><a:rPr><a:solidFill><a:srgbClr val="003B4F" /></a:solidFill><a:latin typeface="Courier" /></a:rPr><a:t>(d</a:t></a:r><a:r><a:rPr><a:solidFill><a:srgbClr val="5E5E5E" /></a:solidFill><a:latin typeface="Courier" /></a:rPr><a:t>$</a:t></a:r><a:r><a:rPr><a:solidFill><a:srgbClr val="003B4F" /></a:solidFill><a:latin typeface="Courier" /></a:rPr><a:t>lngdp),</a:t></a:r><a:br /><a:r><a:rPr><a:solidFill><a:srgbClr val="003B4F" /></a:solidFill><a:latin typeface="Courier" /></a:rPr><a:t>    </a:t></a:r><a:r><a:rPr><a:solidFill><a:srgbClr val="4758AB" /></a:solidFill><a:latin typeface="Courier" /></a:rPr><a:t>median</a:t></a:r><a:r><a:rPr><a:solidFill><a:srgbClr val="003B4F" /></a:solidFill><a:latin typeface="Courier" /></a:rPr><a:t>(d</a:t></a:r><a:r><a:rPr><a:solidFill><a:srgbClr val="5E5E5E" /></a:solidFill><a:latin typeface="Courier" /></a:rPr><a:t>$</a:t></a:r><a:r><a:rPr><a:solidFill><a:srgbClr val="003B4F" /></a:solidFill><a:latin typeface="Courier" /></a:rPr><a:t>snt),</a:t></a:r><a:br /><a:r><a:rPr><a:solidFill><a:srgbClr val="003B4F" /></a:solidFill><a:latin typeface="Courier" /></a:rPr><a:t>    </a:t></a:r><a:r><a:rPr><a:solidFill><a:srgbClr val="4758AB" /></a:solidFill><a:latin typeface="Courier" /></a:rPr><a:t>median</a:t></a:r><a:r><a:rPr><a:solidFill><a:srgbClr val="003B4F" /></a:solidFill><a:latin typeface="Courier" /></a:rPr><a:t>(d</a:t></a:r><a:r><a:rPr><a:solidFill><a:srgbClr val="5E5E5E" /></a:solidFill><a:latin typeface="Courier" /></a:rPr><a:t>$</a:t></a:r><a:r><a:rPr><a:solidFill><a:srgbClr val="003B4F" /></a:solidFill><a:latin typeface="Courier" /></a:rPr><a:t>lfx)</a:t></a:r><a:br /><a:r><a:rPr><a:solidFill><a:srgbClr val="003B4F" /></a:solidFill><a:latin typeface="Courier" /></a:rPr><a:t>  ),</a:t></a:r><a:br /><a:r><a:rPr><a:solidFill><a:srgbClr val="003B4F" /></a:solidFill><a:latin typeface="Courier" /></a:rPr><a:t>  </a:t></a:r><a:r><a:rPr><a:solidFill><a:srgbClr val="657422" /></a:solidFill><a:latin typeface="Courier" /></a:rPr><a:t>Mode =</a:t></a:r><a:r><a:rPr><a:solidFill><a:srgbClr val="003B4F" /></a:solidFill><a:latin typeface="Courier" /></a:rPr><a:t> </a:t></a:r><a:r><a:rPr><a:solidFill><a:srgbClr val="4758AB" /></a:solidFill><a:latin typeface="Courier" /></a:rPr><a:t>c</a:t></a:r><a:r><a:rPr><a:solidFill><a:srgbClr val="003B4F" /></a:solidFill><a:latin typeface="Courier" /></a:rPr><a:t>(</a:t></a:r><a:br /><a:r><a:rPr><a:solidFill><a:srgbClr val="003B4F" /></a:solidFill><a:latin typeface="Courier" /></a:rPr><a:t>    </a:t></a:r><a:r><a:rPr><a:solidFill><a:srgbClr val="4758AB" /></a:solidFill><a:latin typeface="Courier" /></a:rPr><a:t>getmode</a:t></a:r><a:r><a:rPr><a:solidFill><a:srgbClr val="003B4F" /></a:solidFill><a:latin typeface="Courier" /></a:rPr><a:t>(d</a:t></a:r><a:r><a:rPr><a:solidFill><a:srgbClr val="5E5E5E" /></a:solidFill><a:latin typeface="Courier" /></a:rPr><a:t>$</a:t></a:r><a:r><a:rPr><a:solidFill><a:srgbClr val="003B4F" /></a:solidFill><a:latin typeface="Courier" /></a:rPr><a:t>lngdp),</a:t></a:r><a:br /><a:r><a:rPr><a:solidFill><a:srgbClr val="003B4F" /></a:solidFill><a:latin typeface="Courier" /></a:rPr><a:t>    </a:t></a:r><a:r><a:rPr><a:solidFill><a:srgbClr val="4758AB" /></a:solidFill><a:latin typeface="Courier" /></a:rPr><a:t>getmode</a:t></a:r><a:r><a:rPr><a:solidFill><a:srgbClr val="003B4F" /></a:solidFill><a:latin typeface="Courier" /></a:rPr><a:t>(d</a:t></a:r><a:r><a:rPr><a:solidFill><a:srgbClr val="5E5E5E" /></a:solidFill><a:latin typeface="Courier" /></a:rPr><a:t>$</a:t></a:r><a:r><a:rPr><a:solidFill><a:srgbClr val="003B4F" /></a:solidFill><a:latin typeface="Courier" /></a:rPr><a:t>snt),</a:t></a:r><a:br /><a:r><a:rPr><a:solidFill><a:srgbClr val="003B4F" /></a:solidFill><a:latin typeface="Courier" /></a:rPr><a:t>    </a:t></a:r><a:r><a:rPr><a:solidFill><a:srgbClr val="4758AB" /></a:solidFill><a:latin typeface="Courier" /></a:rPr><a:t>getmode</a:t></a:r><a:r><a:rPr><a:solidFill><a:srgbClr val="003B4F" /></a:solidFill><a:latin typeface="Courier" /></a:rPr><a:t>(d</a:t></a:r><a:r><a:rPr><a:solidFill><a:srgbClr val="5E5E5E" /></a:solidFill><a:latin typeface="Courier" /></a:rPr><a:t>$</a:t></a:r><a:r><a:rPr><a:solidFill><a:srgbClr val="003B4F" /></a:solidFill><a:latin typeface="Courier" /></a:rPr><a:t>lfx)</a:t></a:r><a:br /><a:r><a:rPr><a:solidFill><a:srgbClr val="003B4F" /></a:solidFill><a:latin typeface="Courier" /></a:rPr><a:t>  )</a:t></a:r><a:br /><a:r><a:rPr><a:solidFill><a:srgbClr val="003B4F" /></a:solidFill><a:latin typeface="Courier" /></a:rPr><a:t>)</a:t></a:r><a:br /><a:br /><a:r><a:rPr><a:solidFill><a:srgbClr val="4758AB" /></a:solidFill><a:latin typeface="Courier" /></a:rPr><a:t>kable</a:t></a:r><a:r><a:rPr><a:solidFill><a:srgbClr val="003B4F" /></a:solidFill><a:latin typeface="Courier" /></a:rPr><a:t>(</a:t></a:r><a:br /><a:r><a:rPr><a:solidFill><a:srgbClr val="003B4F" /></a:solidFill><a:latin typeface="Courier" /></a:rPr><a:t>  d_central,</a:t></a:r><a:br /><a:r><a:rPr><a:solidFill><a:srgbClr val="003B4F" /></a:solidFill><a:latin typeface="Courier" /></a:rPr><a:t>  </a:t></a:r><a:r><a:rPr><a:solidFill><a:srgbClr val="657422" /></a:solidFill><a:latin typeface="Courier" /></a:rPr><a:t>col.names =</a:t></a:r><a:r><a:rPr><a:solidFill><a:srgbClr val="003B4F" /></a:solidFill><a:latin typeface="Courier" /></a:rPr><a:t> </a:t></a:r><a:r><a:rPr><a:solidFill><a:srgbClr val="4758AB" /></a:solidFill><a:latin typeface="Courier" /></a:rPr><a:t>c</a:t></a:r><a:r><a:rPr><a:solidFill><a:srgbClr val="003B4F" /></a:solidFill><a:latin typeface="Courier" /></a:rPr><a:t>(</a:t></a:r><a:br /><a:r><a:rPr><a:solidFill><a:srgbClr val="003B4F" /></a:solidFill><a:latin typeface="Courier" /></a:rPr><a:t>    </a:t></a:r><a:r><a:rPr><a:solidFill><a:srgbClr val="20794D" /></a:solidFill><a:latin typeface="Courier" /></a:rPr><a:t>&quot;$</a:t></a:r><a:r><a:rPr><a:solidFill><a:srgbClr val="5E5E5E" /></a:solidFill><a:latin typeface="Courier" /></a:rPr><a:t>\\</a:t></a:r><a:r><a:rPr><a:solidFill><a:srgbClr val="20794D" /></a:solidFill><a:latin typeface="Courier" /></a:rPr><a:t>bar{x}$&quot;</a:t></a:r><a:r><a:rPr><a:solidFill><a:srgbClr val="003B4F" /></a:solidFill><a:latin typeface="Courier" /></a:rPr><a:t>,</a:t></a:r><a:br /><a:r><a:rPr><a:solidFill><a:srgbClr val="003B4F" /></a:solidFill><a:latin typeface="Courier" /></a:rPr><a:t>    </a:t></a:r><a:r><a:rPr><a:solidFill><a:srgbClr val="20794D" /></a:solidFill><a:latin typeface="Courier" /></a:rPr><a:t>&quot;$</a:t></a:r><a:r><a:rPr><a:solidFill><a:srgbClr val="5E5E5E" /></a:solidFill><a:latin typeface="Courier" /></a:rPr><a:t>\\</a:t></a:r><a:r><a:rPr><a:solidFill><a:srgbClr val="20794D" /></a:solidFill><a:latin typeface="Courier" /></a:rPr><a:t>operatorname{GM}(x)$&quot;</a:t></a:r><a:r><a:rPr><a:solidFill><a:srgbClr val="003B4F" /></a:solidFill><a:latin typeface="Courier" /></a:rPr><a:t>,</a:t></a:r><a:br /><a:r><a:rPr><a:solidFill><a:srgbClr val="003B4F" /></a:solidFill><a:latin typeface="Courier" /></a:rPr><a:t>    </a:t></a:r><a:r><a:rPr><a:solidFill><a:srgbClr val="20794D" /></a:solidFill><a:latin typeface="Courier" /></a:rPr><a:t>&quot;$</a:t></a:r><a:r><a:rPr><a:solidFill><a:srgbClr val="5E5E5E" /></a:solidFill><a:latin typeface="Courier" /></a:rPr><a:t>\\</a:t></a:r><a:r><a:rPr><a:solidFill><a:srgbClr val="20794D" /></a:solidFill><a:latin typeface="Courier" /></a:rPr><a:t>operatorname{HM}(x)$&quot;</a:t></a:r><a:r><a:rPr><a:solidFill><a:srgbClr val="003B4F" /></a:solidFill><a:latin typeface="Courier" /></a:rPr><a:t>,</a:t></a:r><a:br /><a:r><a:rPr><a:solidFill><a:srgbClr val="003B4F" /></a:solidFill><a:latin typeface="Courier" /></a:rPr><a:t>    </a:t></a:r><a:r><a:rPr><a:solidFill><a:srgbClr val="20794D" /></a:solidFill><a:latin typeface="Courier" /></a:rPr><a:t>&quot;$</a:t></a:r><a:r><a:rPr><a:solidFill><a:srgbClr val="5E5E5E" /></a:solidFill><a:latin typeface="Courier" /></a:rPr><a:t>\\</a:t></a:r><a:r><a:rPr><a:solidFill><a:srgbClr val="20794D" /></a:solidFill><a:latin typeface="Courier" /></a:rPr><a:t>operatorname{median}(x)$&quot;</a:t></a:r><a:r><a:rPr><a:solidFill><a:srgbClr val="003B4F" /></a:solidFill><a:latin typeface="Courier" /></a:rPr><a:t>,</a:t></a:r><a:br /><a:r><a:rPr><a:solidFill><a:srgbClr val="003B4F" /></a:solidFill><a:latin typeface="Courier" /></a:rPr><a:t>    </a:t></a:r><a:r><a:rPr><a:solidFill><a:srgbClr val="20794D" /></a:solidFill><a:latin typeface="Courier" /></a:rPr><a:t>&quot;$</a:t></a:r><a:r><a:rPr><a:solidFill><a:srgbClr val="5E5E5E" /></a:solidFill><a:latin typeface="Courier" /></a:rPr><a:t>\\</a:t></a:r><a:r><a:rPr><a:solidFill><a:srgbClr val="20794D" /></a:solidFill><a:latin typeface="Courier" /></a:rPr><a:t>operatorname{mode}(x)$&quot;</a:t></a:r><a:br /><a:r><a:rPr><a:solidFill><a:srgbClr val="003B4F" /></a:solidFill><a:latin typeface="Courier" /></a:rPr><a:t>  ),</a:t></a:r><a:br /><a:r><a:rPr><a:solidFill><a:srgbClr val="003B4F" /></a:solidFill><a:latin typeface="Courier" /></a:rPr><a:t>  </a:t></a:r><a:r><a:rPr><a:solidFill><a:srgbClr val="657422" /></a:solidFill><a:latin typeface="Courier" /></a:rPr><a:t>digits=</a:t></a:r><a:r><a:rPr><a:solidFill><a:srgbClr val="AD0000" /></a:solidFill><a:latin typeface="Courier" /></a:rPr><a:t>5</a:t></a:r><a:br /><a:r><a:rPr><a:solidFill><a:srgbClr val="003B4F" /></a:solidFill><a:latin typeface="Courier" /></a:rPr><a:t>)</a:t></a:r></a:p></p:txBody></p:sp></mc:Choice></mc:AlternateContent><p:graphicFrame><p:nvGraphicFramePr><p:cNvPr id="6" name="Content Placeholder 5" /><p:cNvGraphicFramePr><a:graphicFrameLocks noGrp="1" /></p:cNvGraphicFramePr><p:nvPr><p:ph idx="1" /></p:nvPr></p:nvGraphicFramePr><p:xfrm><a:off x="4775200" y="1447800" /><a:ext cx="5194300" cy="4572000" /></p:xfrm><a:graphic><a:graphicData uri="http://schemas.openxmlformats.org/drawingml/2006/table"><a:tbl><a:tblPr firstRow="1" bandRow="1"><a:tableStyleId>{5C22544A-7EE6-4342-B048-85BDC9FD1C3A}</a:tableStyleId></a:tblPr><a:tblGrid><a:gridCol w="863600" /><a:gridCol w="863600" /><a:gridCol w="863600" /><a:gridCol w="863600" /><a:gridCol w="863600" /><a:gridCol w="863600" /></a:tblGrid><a:tr h="0"><a:tc><a:txBody><a:bodyPr /><a:lstStyle /><a:p><a:endParaRPr /></a:p></a:txBody><a:tcPr /></a:tc><a:tc><a:txBody><a:bodyPr /><a:lstStyle /><a:p><a:pPr lvl="0" indent="0" marL="0" algn="r"><a:buNone /></a:pPr><a14:m><m:oMath xmlns:m="http://schemas.openxmlformats.org/officeDocument/2006/math"><m:acc><m:accPr><m:chr m:val="‾" /></m:accPr><m:e><m:r><m:t>x</m:t></m:r></m:e></m:acc></m:oMath></a14:m></a:p></a:txBody><a:tcPr /></a:tc><a:tc><a:txBody><a:bodyPr /><a:lstStyle /><a:p><a:pPr lvl="0" indent="0" marL="0" algn="r"><a:buNone /></a:pPr><a14:m><m:oMath xmlns:m="http://schemas.openxmlformats.org/officeDocument/2006/math"><m:r><m:rPr><m:sty m:val="p" /></m:rPr><m:t>GM</m:t></m:r><m:d><m:dPr><m:begChr m:val="(" /><m:endChr m:val=")" /><m:sepChr m:val="" /><m:grow /></m:dPr><m:e><m:r><m:t>x</m:t></m:r></m:e></m:d></m:oMath></a14:m></a:p></a:txBody><a:tcPr /></a:tc><a:tc><a:txBody><a:bodyPr /><a:lstStyle /><a:p><a:pPr lvl="0" indent="0" marL="0" algn="r"><a:buNone /></a:pPr><a14:m><m:oMath xmlns:m="http://schemas.openxmlformats.org/officeDocument/2006/math"><m:r><m:rPr><m:sty m:val="p" /></m:rPr><m:t>HM</m:t></m:r><m:d><m:dPr><m:begChr m:val="(" /><m:endChr m:val=")" /><m:sepChr m:val="" /><m:grow /></m:dPr><m:e><m:r><m:t>x</m:t></m:r></m:e></m:d></m:oMath></a14:m></a:p></a:txBody><a:tcPr /></a:tc><a:tc><a:txBody><a:bodyPr /><a:lstStyle /><a:p><a:pPr lvl="0" indent="0" marL="0" algn="r"><a:buNone /></a:pPr><a14:m><m:oMath xmlns:m="http://schemas.openxmlformats.org/officeDocument/2006/math"><m:r><m:rPr><m:sty m:val="p" /></m:rPr><m:t>median</m:t></m:r><m:d><m:dPr><m:begChr m:val="(" /><m:endChr m:val=")" /><m:sepChr m:val="" /><m:grow /></m:dPr><m:e><m:r><m:t>x</m:t></m:r></m:e></m:d></m:oMath></a14:m></a:p></a:txBody><a:tcPr /></a:tc><a:tc><a:txBody><a:bodyPr /><a:lstStyle /><a:p><a:pPr lvl="0" indent="0" marL="0" algn="r"><a:buNone /></a:pPr><a14:m><m:oMath xmlns:m="http://schemas.openxmlformats.org/officeDocument/2006/math"><m:r><m:rPr><m:sty m:val="p" /></m:rPr><m:t>mode</m:t></m:r><m:d><m:dPr><m:begChr m:val="(" /><m:endChr m:val=")" /><m:sepChr m:val="" /><m:grow /></m:dPr><m:e><m:r><m:t>x</m:t></m:r></m:e></m:d></m:oMath></a14:m></a:p></a:txBody><a:tcPr /></a:tc></a:tr><a:tr h="0"><a:tc><a:txBody><a:bodyPr /><a:lstStyle /><a:p><a:pPr lvl="0" indent="0" marL="0" algn="l"><a:buNone /></a:pPr><a:r><a:rPr i="1" /><a:t>ln(GDP)</a:t></a:r></a:p></a:txBody></a:tc><a:tc><a:txBody><a:bodyPr /><a:lstStyle /><a:p><a:pPr lvl="0" indent="0" marL="0" algn="r"><a:buNone /></a:pPr><a:r><a:rPr /><a:t>8.54124</a:t></a:r></a:p></a:txBody></a:tc><a:tc><a:txBody><a:bodyPr /><a:lstStyle /><a:p><a:pPr lvl="0" indent="0" marL="0" algn="r"><a:buNone /></a:pPr><a:r><a:rPr /><a:t>8.42229</a:t></a:r></a:p></a:txBody></a:tc><a:tc><a:txBody><a:bodyPr /><a:lstStyle /><a:p><a:pPr lvl="0" indent="0" marL="0" algn="r"><a:buNone /></a:pPr><a:r><a:rPr /><a:t>8.30248</a:t></a:r></a:p></a:txBody></a:tc><a:tc><a:txBody><a:bodyPr /><a:lstStyle /><a:p><a:pPr lvl="0" indent="0" marL="0" algn="r"><a:buNone /></a:pPr><a:r><a:rPr /><a:t>8.48673</a:t></a:r></a:p></a:txBody></a:tc><a:tc><a:txBody><a:bodyPr /><a:lstStyle /><a:p><a:pPr lvl="0" indent="0" marL="0" algn="r"><a:buNone /></a:pPr><a:r><a:rPr /><a:t>9.23014</a:t></a:r></a:p></a:txBody></a:tc></a:tr><a:tr h="0"><a:tc><a:txBody><a:bodyPr /><a:lstStyle /><a:p><a:pPr lvl="0" indent="0" marL="0" algn="l"><a:buNone /></a:pPr><a:r><a:rPr i="1" /><a:t>Sanitation</a:t></a:r></a:p></a:txBody></a:tc><a:tc><a:txBody><a:bodyPr /><a:lstStyle /><a:p><a:pPr lvl="0" indent="0" marL="0" algn="r"><a:buNone /></a:pPr><a:r><a:rPr /><a:t>72.43857</a:t></a:r></a:p></a:txBody></a:tc><a:tc><a:txBody><a:bodyPr /><a:lstStyle /><a:p><a:pPr lvl="0" indent="0" marL="0" algn="r"><a:buNone /></a:pPr><a:r><a:rPr /><a:t>62.58904</a:t></a:r></a:p></a:txBody></a:tc><a:tc><a:txBody><a:bodyPr /><a:lstStyle /><a:p><a:pPr lvl="0" indent="0" marL="0" algn="r"><a:buNone /></a:pPr><a:r><a:rPr /><a:t>47.61862</a:t></a:r></a:p></a:txBody></a:tc><a:tc><a:txBody><a:bodyPr /><a:lstStyle /><a:p><a:pPr lvl="0" indent="0" marL="0" algn="r"><a:buNone /></a:pPr><a:r><a:rPr /><a:t>85.60000</a:t></a:r></a:p></a:txBody></a:tc><a:tc><a:txBody><a:bodyPr /><a:lstStyle /><a:p><a:pPr lvl="0" indent="0" marL="0" algn="r"><a:buNone /></a:pPr><a:r><a:rPr /><a:t>100.00000</a:t></a:r></a:p></a:txBody></a:tc></a:tr><a:tr h="0"><a:tc><a:txBody><a:bodyPr /><a:lstStyle /><a:p><a:pPr lvl="0" indent="0" marL="0" algn="l"><a:buNone /></a:pPr><a:r><a:rPr i="1" /><a:t>Life Exp.</a:t></a:r></a:p></a:txBody></a:tc><a:tc><a:txBody><a:bodyPr /><a:lstStyle /><a:p><a:pPr lvl="0" indent="0" marL="0" algn="r"><a:buNone /></a:pPr><a:r><a:rPr /><a:t>70.54603</a:t></a:r></a:p></a:txBody></a:tc><a:tc><a:txBody><a:bodyPr /><a:lstStyle /><a:p><a:pPr lvl="0" indent="0" marL="0" algn="r"><a:buNone /></a:pPr><a:r><a:rPr /><a:t>69.95538</a:t></a:r></a:p></a:txBody></a:tc><a:tc><a:txBody><a:bodyPr /><a:lstStyle /><a:p><a:pPr lvl="0" indent="0" marL="0" algn="r"><a:buNone /></a:pPr><a:r><a:rPr /><a:t>69.28316</a:t></a:r></a:p></a:txBody></a:tc><a:tc><a:txBody><a:bodyPr /><a:lstStyle /><a:p><a:pPr lvl="0" indent="0" marL="0" algn="r"><a:buNone /></a:pPr><a:r><a:rPr /><a:t>72.40000</a:t></a:r></a:p></a:txBody></a:tc><a:tc><a:txBody><a:bodyPr /><a:lstStyle /><a:p><a:pPr lvl="0" indent="0" marL="0" algn="r"><a:buNone /></a:pPr><a:r><a:rPr /><a:t>73.20000</a:t></a:r></a:p></a:txBody></a:tc></a:tr></a:tbl></a:graphicData></a:graphic></p:graphicFrame></p:spTree></p:cSld></p:sld>
 </file>
 
-<file path=ppt/slides/slide5.xml><?xml version="1.0" encoding="UTF-8"?><p:sld xmlns:a="http://schemas.openxmlformats.org/drawingml/2006/main" xmlns:r="http://schemas.openxmlformats.org/officeDocument/2006/relationships" xmlns:p="http://schemas.openxmlformats.org/presentationml/2006/main"><p:cSld><p:spTree><p:nvGrpSpPr><p:cNvPr id="1" name="" /><p:cNvGrpSpPr /><p:nvPr /></p:nvGrpSpPr><p:grpSpPr><a:xfrm><a:off x="0" y="0" /><a:ext cx="0" cy="0" /><a:chOff x="0" y="0" /><a:chExt cx="0" cy="0" /></a:xfrm></p:grpSpPr><mc:AlternateContent xmlns:mc="http://schemas.openxmlformats.org/markup-compatibility/2006"><mc:Choice xmlns:a14="http://schemas.microsoft.com/office/drawing/2010/main" Requires="a14"><p:sp><p:nvSpPr><p:cNvPr id="4" name="Text Placeholder 3" /><p:cNvSpPr><a:spLocks noGrp="1" /></p:cNvSpPr><p:nvPr><p:ph idx="2" sz="half" type="body" /></p:nvPr></p:nvSpPr><p:spPr /><p:txBody><a:bodyPr /><a:lstStyle /><a:p><a:pPr lvl="0" indent="0" marL="0"><a:buNone /></a:pPr><a:r><a:rPr /><a:t>Note: </a:t></a:r><a14:m><m:oMath xmlns:m="http://schemas.openxmlformats.org/officeDocument/2006/math"><m:sSub><m:e><m:r><m:t>x</m:t></m:r></m:e><m:sub><m:r><m:t>i</m:t></m:r></m:sub></m:sSub></m:oMath></a14:m><a:r><a:rPr /><a:t> is the ith observation. </a:t></a:r><a14:m><m:oMath xmlns:m="http://schemas.openxmlformats.org/officeDocument/2006/math"><m:sSub><m:e><m:r><m:t>x</m:t></m:r></m:e><m:sub><m:d><m:dPr><m:begChr m:val="(" /><m:endChr m:val=")" /><m:sepChr m:val="" /><m:grow /></m:dPr><m:e><m:r><m:t>i</m:t></m:r></m:e></m:d></m:sub></m:sSub></m:oMath></a14:m><a:r><a:rPr /><a:t> is the ith largest observation.</a:t></a:r></a:p><a:p><a:pPr lvl="0" indent="0" marL="0"><a:spcBef><a:spcPts val="3000" /></a:spcBef><a:buNone /></a:pPr><a:r><a:rPr b="1" /><a:t>Measures of Dispersion</a:t></a:r></a:p><a:p><a:pPr lvl="0" indent="0" marL="0"><a:buNone /></a:pPr><a:r><a:rPr /><a:t>Range(x), Semi-int</a:t></a:r><a:r><a:rPr><a:latin typeface="Courier" /></a:rPr><a:t>..</a:t></a:r><a:r><a:rPr /><a:t> SIR(x), Mean Deviation about x’ </a:t></a:r><a14:m><m:oMath xmlns:m="http://schemas.openxmlformats.org/officeDocument/2006/math"><m:sSub><m:e><m:r><m:rPr><m:sty m:val="p" /></m:rPr><m:t>MD</m:t></m:r></m:e><m:sub><m:d><m:dPr><m:begChr m:val="(" /><m:endChr m:val=")" /><m:sepChr m:val="" /><m:grow /></m:dPr><m:e><m:r><m:t>x</m:t></m:r><m:r><m:rPr><m:sty m:val="p" /></m:rPr><m:t>′</m:t></m:r></m:e></m:d></m:sub></m:sSub><m:d><m:dPr><m:begChr m:val="(" /><m:endChr m:val=")" /><m:sepChr m:val="" /><m:grow /></m:dPr><m:e><m:r><m:t>x</m:t></m:r></m:e></m:d></m:oMath></a14:m><a:r><a:rPr /><a:t>, Variance </a:t></a:r><a14:m><m:oMath xmlns:m="http://schemas.openxmlformats.org/officeDocument/2006/math"><m:sSubSup><m:e><m:r><m:t>s</m:t></m:r></m:e><m:sub><m:r><m:t>x</m:t></m:r></m:sub><m:sup><m:r><m:t>2</m:t></m:r></m:sup></m:sSubSup></m:oMath></a14:m><a:r><a:rPr /><a:t>, Standard Deviation </a:t></a:r><a14:m><m:oMath xmlns:m="http://schemas.openxmlformats.org/officeDocument/2006/math"><m:sSub><m:e><m:r><m:t>s</m:t></m:r></m:e><m:sub><m:r><m:t>x</m:t></m:r></m:sub></m:sSub></m:oMath></a14:m><a:r><a:rPr /><a:t> </a:t></a:r><a:r><a:rPr><a:latin typeface="Courier" /></a:rPr><a:t>...</a:t></a:r></a:p><a:p><a:pPr lvl="0" indent="0" marL="0"><a:buNone /></a:pPr><a:r><a:rPr /><a:t>$$
+<file path=ppt/slides/slide5.xml><?xml version="1.0" encoding="UTF-8"?><p:sld xmlns:a="http://schemas.openxmlformats.org/drawingml/2006/main" xmlns:r="http://schemas.openxmlformats.org/officeDocument/2006/relationships" xmlns:p="http://schemas.openxmlformats.org/presentationml/2006/main"><p:cSld><p:spTree><p:nvGrpSpPr><p:cNvPr id="1" name="" /><p:cNvGrpSpPr /><p:nvPr /></p:nvGrpSpPr><p:grpSpPr><a:xfrm><a:off x="0" y="0" /><a:ext cx="0" cy="0" /><a:chOff x="0" y="0" /><a:chExt cx="0" cy="0" /></a:xfrm></p:grpSpPr><mc:AlternateContent xmlns:mc="http://schemas.openxmlformats.org/markup-compatibility/2006"><mc:Choice xmlns:a14="http://schemas.microsoft.com/office/drawing/2010/main" Requires="a14"><p:sp><p:nvSpPr><p:cNvPr id="4" name="Text Placeholder 3" /><p:cNvSpPr><a:spLocks noGrp="1" /></p:cNvSpPr><p:nvPr><p:ph idx="2" sz="half" type="body" /></p:nvPr></p:nvSpPr><p:spPr /><p:txBody><a:bodyPr /><a:lstStyle /><a:p><a:pPr lvl="0" indent="0" marL="0"><a:buNone /></a:pPr><a:r><a:rPr /><a:t>Note: </a:t></a:r><a14:m><m:oMath xmlns:m="http://schemas.openxmlformats.org/officeDocument/2006/math"><m:sSub><m:e><m:r><m:t>x</m:t></m:r></m:e><m:sub><m:r><m:t>i</m:t></m:r></m:sub></m:sSub></m:oMath></a14:m><a:r><a:rPr /><a:t> is the ith observation. </a:t></a:r><a14:m><m:oMath xmlns:m="http://schemas.openxmlformats.org/officeDocument/2006/math"><m:sSub><m:e><m:r><m:t>x</m:t></m:r></m:e><m:sub><m:d><m:dPr><m:begChr m:val="(" /><m:endChr m:val=")" /><m:sepChr m:val="" /><m:grow /></m:dPr><m:e><m:r><m:t>i</m:t></m:r></m:e></m:d></m:sub></m:sSub></m:oMath></a14:m><a:r><a:rPr /><a:t> is the ith largest observation.</a:t></a:r></a:p><a:p><a:pPr lvl="0" indent="0" marL="0"><a:spcBef><a:spcPts val="3000" /></a:spcBef><a:buNone /></a:pPr><a:r><a:rPr b="1" /><a:t>Measures of Dispersion</a:t></a:r></a:p><a:p><a:pPr lvl="0" indent="0" marL="0"><a:buNone /></a:pPr><a:r><a:rPr /><a:t>Range(x), Semi-int</a:t></a:r><a:r><a:rPr><a:latin typeface="Courier" /></a:rPr><a:t>..</a:t></a:r><a:r><a:rPr /><a:t> SIR(x), Mean Deviation about x’ </a:t></a:r><a14:m><m:oMath xmlns:m="http://schemas.openxmlformats.org/officeDocument/2006/math"><m:sSub><m:e><m:r><m:rPr><m:sty m:val="p" /></m:rPr><m:t>MD</m:t></m:r></m:e><m:sub><m:d><m:dPr><m:begChr m:val="(" /><m:endChr m:val=")" /><m:sepChr m:val="" /><m:grow /></m:dPr><m:e><m:r><m:t>x</m:t></m:r><m:r><m:rPr><m:sty m:val="p" /></m:rPr><m:t>′</m:t></m:r></m:e></m:d></m:sub></m:sSub><m:d><m:dPr><m:begChr m:val="(" /><m:endChr m:val=")" /><m:sepChr m:val="" /><m:grow /></m:dPr><m:e><m:r><m:t>x</m:t></m:r></m:e></m:d></m:oMath></a14:m><a:r><a:rPr /><a:t>, Variance </a:t></a:r><a14:m><m:oMath xmlns:m="http://schemas.openxmlformats.org/officeDocument/2006/math"><m:sSubSup><m:e><m:r><m:t>s</m:t></m:r></m:e><m:sub><m:r><m:t>x</m:t></m:r></m:sub><m:sup><m:r><m:t>2</m:t></m:r></m:sup></m:sSubSup></m:oMath></a14:m><a:r><a:rPr /><a:t>, Standard Deviation </a:t></a:r><a14:m><m:oMath xmlns:m="http://schemas.openxmlformats.org/officeDocument/2006/math"><m:sSub><m:e><m:r><m:t>s</m:t></m:r></m:e><m:sub><m:r><m:t>x</m:t></m:r></m:sub></m:sSub></m:oMath></a14:m><a:r><a:rPr /><a:t> are some measures of </a:t></a:r><a:r><a:rPr i="1" /><a:t>dispersion</a:t></a:r><a:r><a:rPr /><a:t> in the sample.</a:t></a:r></a:p><a:p><a:pPr lvl="0" indent="0" marL="0"><a:buNone /></a:pPr><a:r><a:rPr /><a:t>$$
 \small
-\begin{align}
+\begin{aligned}
 \operatorname{Range}(x)=|x_{(n)} - x_{(1)}| &amp;&amp;
 \ Q_1 = \operatorname{median}(x_{(1)}, \ldots ,x_{(\lfloor \frac{n}{2} \rfloor)}) &amp;&amp;
 \ Q_3 = \operatorname{median}(x_{(\lfloor \frac{n}{2} \rfloor + 1)}, \ldots , x_{(n)})
-\end{align}
+\end{aligned}
 $$</a:t></a:r></a:p><a:p><a:pPr lvl="0" indent="0" marL="0"><a:buNone /></a:pPr><a:r><a:rPr /><a:t>$$
 \small
-\begin{align}
+\begin{aligned}
 \operatorname{MD}_{(x&#39;)}(x) = \frac{\sum_{i=1}^n |x_i-x&#39;|}{n} &amp;&amp;
 \operatorname{SIR}(x)=\frac{|Q_1-Q_3|}{2} &amp;&amp;
 s_x = \sqrt{\frac{\sum_{i=1}^{n} \left(x_i - \bar{x}\right)^2}{n}} &amp;&amp;
 s^2_x= (s_x)^2
-\end{align}
+\end{aligned}
 $$</a:t></a:r></a:p><a:p><a:pPr lvl="0" indent="0"><a:buNone /></a:pPr><a:r><a:rPr><a:solidFill><a:srgbClr val="003B4F" /></a:solidFill><a:latin typeface="Courier" /></a:rPr><a:t>getmd = function(x, </a:t></a:r><a:r><a:rPr><a:solidFill><a:srgbClr val="657422" /></a:solidFill><a:latin typeface="Courier" /></a:rPr><a:t>center =</a:t></a:r><a:r><a:rPr><a:solidFill><a:srgbClr val="003B4F" /></a:solidFill><a:latin typeface="Courier" /></a:rPr><a:t> </a:t></a:r><a:r><a:rPr><a:solidFill><a:srgbClr val="4758AB" /></a:solidFill><a:latin typeface="Courier" /></a:rPr><a:t>mean</a:t></a:r><a:r><a:rPr><a:solidFill><a:srgbClr val="003B4F" /></a:solidFill><a:latin typeface="Courier" /></a:rPr><a:t>(x)){</a:t></a:r><a:br /><a:r><a:rPr><a:solidFill><a:srgbClr val="003B4F" /></a:solidFill><a:latin typeface="Courier" /></a:rPr><a:t>  md = </a:t></a:r><a:r><a:rPr><a:solidFill><a:srgbClr val="4758AB" /></a:solidFill><a:latin typeface="Courier" /></a:rPr><a:t>mean</a:t></a:r><a:r><a:rPr><a:solidFill><a:srgbClr val="003B4F" /></a:solidFill><a:latin typeface="Courier" /></a:rPr><a:t>(</a:t></a:r><a:br /><a:r><a:rPr><a:solidFill><a:srgbClr val="003B4F" /></a:solidFill><a:latin typeface="Courier" /></a:rPr><a:t>    </a:t></a:r><a:r><a:rPr><a:solidFill><a:srgbClr val="4758AB" /></a:solidFill><a:latin typeface="Courier" /></a:rPr><a:t>abs</a:t></a:r><a:r><a:rPr><a:solidFill><a:srgbClr val="003B4F" /></a:solidFill><a:latin typeface="Courier" /></a:rPr><a:t>(</a:t></a:r><a:br /><a:r><a:rPr><a:solidFill><a:srgbClr val="003B4F" /></a:solidFill><a:latin typeface="Courier" /></a:rPr><a:t>      x </a:t></a:r><a:r><a:rPr><a:solidFill><a:srgbClr val="5E5E5E" /></a:solidFill><a:latin typeface="Courier" /></a:rPr><a:t>-</a:t></a:r><a:r><a:rPr><a:solidFill><a:srgbClr val="003B4F" /></a:solidFill><a:latin typeface="Courier" /></a:rPr><a:t> </a:t></a:r><a:r><a:rPr><a:solidFill><a:srgbClr val="4758AB" /></a:solidFill><a:latin typeface="Courier" /></a:rPr><a:t>rep</a:t></a:r><a:r><a:rPr><a:solidFill><a:srgbClr val="003B4F" /></a:solidFill><a:latin typeface="Courier" /></a:rPr><a:t>(center, </a:t></a:r><a:r><a:rPr><a:solidFill><a:srgbClr val="4758AB" /></a:solidFill><a:latin typeface="Courier" /></a:rPr><a:t>length</a:t></a:r><a:r><a:rPr><a:solidFill><a:srgbClr val="003B4F" /></a:solidFill><a:latin typeface="Courier" /></a:rPr><a:t>(x))</a:t></a:r><a:br /><a:r><a:rPr><a:solidFill><a:srgbClr val="003B4F" /></a:solidFill><a:latin typeface="Courier" /></a:rPr><a:t>      )</a:t></a:r><a:br /><a:r><a:rPr><a:solidFill><a:srgbClr val="003B4F" /></a:solidFill><a:latin typeface="Courier" /></a:rPr><a:t>    )</a:t></a:r><a:br /><a:r><a:rPr><a:solidFill><a:srgbClr val="003B4F" /></a:solidFill><a:latin typeface="Courier" /></a:rPr><a:t>  </a:t></a:r><a:r><a:rPr><a:solidFill><a:srgbClr val="4758AB" /></a:solidFill><a:latin typeface="Courier" /></a:rPr><a:t>return</a:t></a:r><a:r><a:rPr><a:solidFill><a:srgbClr val="003B4F" /></a:solidFill><a:latin typeface="Courier" /></a:rPr><a:t>(md)</a:t></a:r><a:br /><a:r><a:rPr><a:solidFill><a:srgbClr val="003B4F" /></a:solidFill><a:latin typeface="Courier" /></a:rPr><a:t>}</a:t></a:r><a:br /><a:r><a:rPr><a:solidFill><a:srgbClr val="003B4F" /></a:solidFill><a:latin typeface="Courier" /></a:rPr><a:t>d_disp = </a:t></a:r><a:r><a:rPr><a:solidFill><a:srgbClr val="4758AB" /></a:solidFill><a:latin typeface="Courier" /></a:rPr><a:t>data.frame</a:t></a:r><a:r><a:rPr><a:solidFill><a:srgbClr val="003B4F" /></a:solidFill><a:latin typeface="Courier" /></a:rPr><a:t>(</a:t></a:r><a:br /><a:r><a:rPr><a:solidFill><a:srgbClr val="003B4F" /></a:solidFill><a:latin typeface="Courier" /></a:rPr><a:t>  </a:t></a:r><a:r><a:rPr><a:solidFill><a:srgbClr val="657422" /></a:solidFill><a:latin typeface="Courier" /></a:rPr><a:t>row.names =</a:t></a:r><a:r><a:rPr><a:solidFill><a:srgbClr val="003B4F" /></a:solidFill><a:latin typeface="Courier" /></a:rPr><a:t> </a:t></a:r><a:r><a:rPr><a:solidFill><a:srgbClr val="20794D" /></a:solidFill><a:latin typeface="Courier" /></a:rPr><a:t>&quot;Variable&quot;</a:t></a:r><a:r><a:rPr><a:solidFill><a:srgbClr val="003B4F" /></a:solidFill><a:latin typeface="Courier" /></a:rPr><a:t>,</a:t></a:r><a:br /><a:r><a:rPr><a:solidFill><a:srgbClr val="003B4F" /></a:solidFill><a:latin typeface="Courier" /></a:rPr><a:t>  </a:t></a:r><a:r><a:rPr><a:solidFill><a:srgbClr val="657422" /></a:solidFill><a:latin typeface="Courier" /></a:rPr><a:t>Variable =</a:t></a:r><a:r><a:rPr><a:solidFill><a:srgbClr val="003B4F" /></a:solidFill><a:latin typeface="Courier" /></a:rPr><a:t> </a:t></a:r><a:r><a:rPr><a:solidFill><a:srgbClr val="4758AB" /></a:solidFill><a:latin typeface="Courier" /></a:rPr><a:t>c</a:t></a:r><a:r><a:rPr><a:solidFill><a:srgbClr val="003B4F" /></a:solidFill><a:latin typeface="Courier" /></a:rPr><a:t>(</a:t></a:r><a:br /><a:r><a:rPr><a:solidFill><a:srgbClr val="003B4F" /></a:solidFill><a:latin typeface="Courier" /></a:rPr><a:t>    </a:t></a:r><a:r><a:rPr><a:solidFill><a:srgbClr val="20794D" /></a:solidFill><a:latin typeface="Courier" /></a:rPr><a:t>&quot;*ln(GDP)*&quot;</a:t></a:r><a:r><a:rPr><a:solidFill><a:srgbClr val="003B4F" /></a:solidFill><a:latin typeface="Courier" /></a:rPr><a:t>,</a:t></a:r><a:br /><a:r><a:rPr><a:solidFill><a:srgbClr val="003B4F" /></a:solidFill><a:latin typeface="Courier" /></a:rPr><a:t>    </a:t></a:r><a:r><a:rPr><a:solidFill><a:srgbClr val="20794D" /></a:solidFill><a:latin typeface="Courier" /></a:rPr><a:t>&quot;*Sanitation*&quot;</a:t></a:r><a:r><a:rPr><a:solidFill><a:srgbClr val="003B4F" /></a:solidFill><a:latin typeface="Courier" /></a:rPr><a:t>,</a:t></a:r><a:br /><a:r><a:rPr><a:solidFill><a:srgbClr val="003B4F" /></a:solidFill><a:latin typeface="Courier" /></a:rPr><a:t>    </a:t></a:r><a:r><a:rPr><a:solidFill><a:srgbClr val="20794D" /></a:solidFill><a:latin typeface="Courier" /></a:rPr><a:t>&quot;*Life Exp.*&quot;</a:t></a:r><a:br /><a:r><a:rPr><a:solidFill><a:srgbClr val="003B4F" /></a:solidFill><a:latin typeface="Courier" /></a:rPr><a:t>  ),</a:t></a:r><a:br /><a:r><a:rPr><a:solidFill><a:srgbClr val="003B4F" /></a:solidFill><a:latin typeface="Courier" /></a:rPr><a:t>  </a:t></a:r><a:r><a:rPr><a:solidFill><a:srgbClr val="657422" /></a:solidFill><a:latin typeface="Courier" /></a:rPr><a:t>Range =</a:t></a:r><a:r><a:rPr><a:solidFill><a:srgbClr val="003B4F" /></a:solidFill><a:latin typeface="Courier" /></a:rPr><a:t> </a:t></a:r><a:r><a:rPr><a:solidFill><a:srgbClr val="4758AB" /></a:solidFill><a:latin typeface="Courier" /></a:rPr><a:t>c</a:t></a:r><a:r><a:rPr><a:solidFill><a:srgbClr val="003B4F" /></a:solidFill><a:latin typeface="Courier" /></a:rPr><a:t>(</a:t></a:r><a:br /><a:r><a:rPr><a:solidFill><a:srgbClr val="003B4F" /></a:solidFill><a:latin typeface="Courier" /></a:rPr><a:t>    </a:t></a:r><a:r><a:rPr><a:solidFill><a:srgbClr val="4758AB" /></a:solidFill><a:latin typeface="Courier" /></a:rPr><a:t>max</a:t></a:r><a:r><a:rPr><a:solidFill><a:srgbClr val="003B4F" /></a:solidFill><a:latin typeface="Courier" /></a:rPr><a:t>(d</a:t></a:r><a:r><a:rPr><a:solidFill><a:srgbClr val="5E5E5E" /></a:solidFill><a:latin typeface="Courier" /></a:rPr><a:t>$</a:t></a:r><a:r><a:rPr><a:solidFill><a:srgbClr val="003B4F" /></a:solidFill><a:latin typeface="Courier" /></a:rPr><a:t>lngdp) </a:t></a:r><a:r><a:rPr><a:solidFill><a:srgbClr val="5E5E5E" /></a:solidFill><a:latin typeface="Courier" /></a:rPr><a:t>-</a:t></a:r><a:r><a:rPr><a:solidFill><a:srgbClr val="003B4F" /></a:solidFill><a:latin typeface="Courier" /></a:rPr><a:t> </a:t></a:r><a:r><a:rPr><a:solidFill><a:srgbClr val="4758AB" /></a:solidFill><a:latin typeface="Courier" /></a:rPr><a:t>min</a:t></a:r><a:r><a:rPr><a:solidFill><a:srgbClr val="003B4F" /></a:solidFill><a:latin typeface="Courier" /></a:rPr><a:t>(d</a:t></a:r><a:r><a:rPr><a:solidFill><a:srgbClr val="5E5E5E" /></a:solidFill><a:latin typeface="Courier" /></a:rPr><a:t>$</a:t></a:r><a:r><a:rPr><a:solidFill><a:srgbClr val="003B4F" /></a:solidFill><a:latin typeface="Courier" /></a:rPr><a:t>lngdp),</a:t></a:r><a:br /><a:r><a:rPr><a:solidFill><a:srgbClr val="003B4F" /></a:solidFill><a:latin typeface="Courier" /></a:rPr><a:t>    </a:t></a:r><a:r><a:rPr><a:solidFill><a:srgbClr val="4758AB" /></a:solidFill><a:latin typeface="Courier" /></a:rPr><a:t>max</a:t></a:r><a:r><a:rPr><a:solidFill><a:srgbClr val="003B4F" /></a:solidFill><a:latin typeface="Courier" /></a:rPr><a:t>(d</a:t></a:r><a:r><a:rPr><a:solidFill><a:srgbClr val="5E5E5E" /></a:solidFill><a:latin typeface="Courier" /></a:rPr><a:t>$</a:t></a:r><a:r><a:rPr><a:solidFill><a:srgbClr val="003B4F" /></a:solidFill><a:latin typeface="Courier" /></a:rPr><a:t>snt) </a:t></a:r><a:r><a:rPr><a:solidFill><a:srgbClr val="5E5E5E" /></a:solidFill><a:latin typeface="Courier" /></a:rPr><a:t>-</a:t></a:r><a:r><a:rPr><a:solidFill><a:srgbClr val="003B4F" /></a:solidFill><a:latin typeface="Courier" /></a:rPr><a:t> </a:t></a:r><a:r><a:rPr><a:solidFill><a:srgbClr val="4758AB" /></a:solidFill><a:latin typeface="Courier" /></a:rPr><a:t>min</a:t></a:r><a:r><a:rPr><a:solidFill><a:srgbClr val="003B4F" /></a:solidFill><a:latin typeface="Courier" /></a:rPr><a:t>(d</a:t></a:r><a:r><a:rPr><a:solidFill><a:srgbClr val="5E5E5E" /></a:solidFill><a:latin typeface="Courier" /></a:rPr><a:t>$</a:t></a:r><a:r><a:rPr><a:solidFill><a:srgbClr val="003B4F" /></a:solidFill><a:latin typeface="Courier" /></a:rPr><a:t>snt),</a:t></a:r><a:br /><a:r><a:rPr><a:solidFill><a:srgbClr val="003B4F" /></a:solidFill><a:latin typeface="Courier" /></a:rPr><a:t>    </a:t></a:r><a:r><a:rPr><a:solidFill><a:srgbClr val="4758AB" /></a:solidFill><a:latin typeface="Courier" /></a:rPr><a:t>max</a:t></a:r><a:r><a:rPr><a:solidFill><a:srgbClr val="003B4F" /></a:solidFill><a:latin typeface="Courier" /></a:rPr><a:t>(d</a:t></a:r><a:r><a:rPr><a:solidFill><a:srgbClr val="5E5E5E" /></a:solidFill><a:latin typeface="Courier" /></a:rPr><a:t>$</a:t></a:r><a:r><a:rPr><a:solidFill><a:srgbClr val="003B4F" /></a:solidFill><a:latin typeface="Courier" /></a:rPr><a:t>lfx) </a:t></a:r><a:r><a:rPr><a:solidFill><a:srgbClr val="5E5E5E" /></a:solidFill><a:latin typeface="Courier" /></a:rPr><a:t>-</a:t></a:r><a:r><a:rPr><a:solidFill><a:srgbClr val="003B4F" /></a:solidFill><a:latin typeface="Courier" /></a:rPr><a:t> </a:t></a:r><a:r><a:rPr><a:solidFill><a:srgbClr val="4758AB" /></a:solidFill><a:latin typeface="Courier" /></a:rPr><a:t>min</a:t></a:r><a:r><a:rPr><a:solidFill><a:srgbClr val="003B4F" /></a:solidFill><a:latin typeface="Courier" /></a:rPr><a:t>(d</a:t></a:r><a:r><a:rPr><a:solidFill><a:srgbClr val="5E5E5E" /></a:solidFill><a:latin typeface="Courier" /></a:rPr><a:t>$</a:t></a:r><a:r><a:rPr><a:solidFill><a:srgbClr val="003B4F" /></a:solidFill><a:latin typeface="Courier" /></a:rPr><a:t>lfx)</a:t></a:r><a:br /><a:r><a:rPr><a:solidFill><a:srgbClr val="003B4F" /></a:solidFill><a:latin typeface="Courier" /></a:rPr><a:t>  ),</a:t></a:r><a:br /><a:r><a:rPr><a:solidFill><a:srgbClr val="003B4F" /></a:solidFill><a:latin typeface="Courier" /></a:rPr><a:t>  </a:t></a:r><a:r><a:rPr><a:solidFill><a:srgbClr val="657422" /></a:solidFill><a:latin typeface="Courier" /></a:rPr><a:t>SIR =</a:t></a:r><a:r><a:rPr><a:solidFill><a:srgbClr val="003B4F" /></a:solidFill><a:latin typeface="Courier" /></a:rPr><a:t> </a:t></a:r><a:r><a:rPr><a:solidFill><a:srgbClr val="4758AB" /></a:solidFill><a:latin typeface="Courier" /></a:rPr><a:t>c</a:t></a:r><a:r><a:rPr><a:solidFill><a:srgbClr val="003B4F" /></a:solidFill><a:latin typeface="Courier" /></a:rPr><a:t>(</a:t></a:r><a:br /><a:r><a:rPr><a:solidFill><a:srgbClr val="003B4F" /></a:solidFill><a:latin typeface="Courier" /></a:rPr><a:t>    </a:t></a:r><a:r><a:rPr><a:solidFill><a:srgbClr val="4758AB" /></a:solidFill><a:latin typeface="Courier" /></a:rPr><a:t>IQR</a:t></a:r><a:r><a:rPr><a:solidFill><a:srgbClr val="003B4F" /></a:solidFill><a:latin typeface="Courier" /></a:rPr><a:t>(d</a:t></a:r><a:r><a:rPr><a:solidFill><a:srgbClr val="5E5E5E" /></a:solidFill><a:latin typeface="Courier" /></a:rPr><a:t>$</a:t></a:r><a:r><a:rPr><a:solidFill><a:srgbClr val="003B4F" /></a:solidFill><a:latin typeface="Courier" /></a:rPr><a:t>lngdp)</a:t></a:r><a:r><a:rPr><a:solidFill><a:srgbClr val="5E5E5E" /></a:solidFill><a:latin typeface="Courier" /></a:rPr><a:t>/</a:t></a:r><a:r><a:rPr><a:solidFill><a:srgbClr val="AD0000" /></a:solidFill><a:latin typeface="Courier" /></a:rPr><a:t>2</a:t></a:r><a:r><a:rPr><a:solidFill><a:srgbClr val="003B4F" /></a:solidFill><a:latin typeface="Courier" /></a:rPr><a:t>,</a:t></a:r><a:br /><a:r><a:rPr><a:solidFill><a:srgbClr val="003B4F" /></a:solidFill><a:latin typeface="Courier" /></a:rPr><a:t>    </a:t></a:r><a:r><a:rPr><a:solidFill><a:srgbClr val="4758AB" /></a:solidFill><a:latin typeface="Courier" /></a:rPr><a:t>IQR</a:t></a:r><a:r><a:rPr><a:solidFill><a:srgbClr val="003B4F" /></a:solidFill><a:latin typeface="Courier" /></a:rPr><a:t>(d</a:t></a:r><a:r><a:rPr><a:solidFill><a:srgbClr val="5E5E5E" /></a:solidFill><a:latin typeface="Courier" /></a:rPr><a:t>$</a:t></a:r><a:r><a:rPr><a:solidFill><a:srgbClr val="003B4F" /></a:solidFill><a:latin typeface="Courier" /></a:rPr><a:t>snt)</a:t></a:r><a:r><a:rPr><a:solidFill><a:srgbClr val="5E5E5E" /></a:solidFill><a:latin typeface="Courier" /></a:rPr><a:t>/</a:t></a:r><a:r><a:rPr><a:solidFill><a:srgbClr val="AD0000" /></a:solidFill><a:latin typeface="Courier" /></a:rPr><a:t>2</a:t></a:r><a:r><a:rPr><a:solidFill><a:srgbClr val="003B4F" /></a:solidFill><a:latin typeface="Courier" /></a:rPr><a:t>,</a:t></a:r><a:br /><a:r><a:rPr><a:solidFill><a:srgbClr val="003B4F" /></a:solidFill><a:latin typeface="Courier" /></a:rPr><a:t>    </a:t></a:r><a:r><a:rPr><a:solidFill><a:srgbClr val="4758AB" /></a:solidFill><a:latin typeface="Courier" /></a:rPr><a:t>IQR</a:t></a:r><a:r><a:rPr><a:solidFill><a:srgbClr val="003B4F" /></a:solidFill><a:latin typeface="Courier" /></a:rPr><a:t>(d</a:t></a:r><a:r><a:rPr><a:solidFill><a:srgbClr val="5E5E5E" /></a:solidFill><a:latin typeface="Courier" /></a:rPr><a:t>$</a:t></a:r><a:r><a:rPr><a:solidFill><a:srgbClr val="003B4F" /></a:solidFill><a:latin typeface="Courier" /></a:rPr><a:t>lfx)</a:t></a:r><a:r><a:rPr><a:solidFill><a:srgbClr val="5E5E5E" /></a:solidFill><a:latin typeface="Courier" /></a:rPr><a:t>/</a:t></a:r><a:r><a:rPr><a:solidFill><a:srgbClr val="AD0000" /></a:solidFill><a:latin typeface="Courier" /></a:rPr><a:t>2</a:t></a:r><a:br /><a:r><a:rPr><a:solidFill><a:srgbClr val="003B4F" /></a:solidFill><a:latin typeface="Courier" /></a:rPr><a:t>  ),</a:t></a:r><a:br /><a:r><a:rPr><a:solidFill><a:srgbClr val="003B4F" /></a:solidFill><a:latin typeface="Courier" /></a:rPr><a:t>  </a:t></a:r><a:r><a:rPr><a:solidFill><a:srgbClr val="657422" /></a:solidFill><a:latin typeface="Courier" /></a:rPr><a:t>MD =</a:t></a:r><a:r><a:rPr><a:solidFill><a:srgbClr val="003B4F" /></a:solidFill><a:latin typeface="Courier" /></a:rPr><a:t> </a:t></a:r><a:r><a:rPr><a:solidFill><a:srgbClr val="4758AB" /></a:solidFill><a:latin typeface="Courier" /></a:rPr><a:t>c</a:t></a:r><a:r><a:rPr><a:solidFill><a:srgbClr val="003B4F" /></a:solidFill><a:latin typeface="Courier" /></a:rPr><a:t>(</a:t></a:r><a:br /><a:r><a:rPr><a:solidFill><a:srgbClr val="003B4F" /></a:solidFill><a:latin typeface="Courier" /></a:rPr><a:t>    </a:t></a:r><a:r><a:rPr><a:solidFill><a:srgbClr val="4758AB" /></a:solidFill><a:latin typeface="Courier" /></a:rPr><a:t>getmd</a:t></a:r><a:r><a:rPr><a:solidFill><a:srgbClr val="003B4F" /></a:solidFill><a:latin typeface="Courier" /></a:rPr><a:t>(d</a:t></a:r><a:r><a:rPr><a:solidFill><a:srgbClr val="5E5E5E" /></a:solidFill><a:latin typeface="Courier" /></a:rPr><a:t>$</a:t></a:r><a:r><a:rPr><a:solidFill><a:srgbClr val="003B4F" /></a:solidFill><a:latin typeface="Courier" /></a:rPr><a:t>lngdp),</a:t></a:r><a:br /><a:r><a:rPr><a:solidFill><a:srgbClr val="003B4F" /></a:solidFill><a:latin typeface="Courier" /></a:rPr><a:t>    </a:t></a:r><a:r><a:rPr><a:solidFill><a:srgbClr val="4758AB" /></a:solidFill><a:latin typeface="Courier" /></a:rPr><a:t>getmd</a:t></a:r><a:r><a:rPr><a:solidFill><a:srgbClr val="003B4F" /></a:solidFill><a:latin typeface="Courier" /></a:rPr><a:t>(d</a:t></a:r><a:r><a:rPr><a:solidFill><a:srgbClr val="5E5E5E" /></a:solidFill><a:latin typeface="Courier" /></a:rPr><a:t>$</a:t></a:r><a:r><a:rPr><a:solidFill><a:srgbClr val="003B4F" /></a:solidFill><a:latin typeface="Courier" /></a:rPr><a:t>snt),</a:t></a:r><a:br /><a:r><a:rPr><a:solidFill><a:srgbClr val="003B4F" /></a:solidFill><a:latin typeface="Courier" /></a:rPr><a:t>    </a:t></a:r><a:r><a:rPr><a:solidFill><a:srgbClr val="4758AB" /></a:solidFill><a:latin typeface="Courier" /></a:rPr><a:t>getmd</a:t></a:r><a:r><a:rPr><a:solidFill><a:srgbClr val="003B4F" /></a:solidFill><a:latin typeface="Courier" /></a:rPr><a:t>(d</a:t></a:r><a:r><a:rPr><a:solidFill><a:srgbClr val="5E5E5E" /></a:solidFill><a:latin typeface="Courier" /></a:rPr><a:t>$</a:t></a:r><a:r><a:rPr><a:solidFill><a:srgbClr val="003B4F" /></a:solidFill><a:latin typeface="Courier" /></a:rPr><a:t>lfx)</a:t></a:r><a:br /><a:r><a:rPr><a:solidFill><a:srgbClr val="003B4F" /></a:solidFill><a:latin typeface="Courier" /></a:rPr><a:t>  ),</a:t></a:r><a:br /><a:r><a:rPr><a:solidFill><a:srgbClr val="003B4F" /></a:solidFill><a:latin typeface="Courier" /></a:rPr><a:t>  </a:t></a:r><a:r><a:rPr><a:solidFill><a:srgbClr val="657422" /></a:solidFill><a:latin typeface="Courier" /></a:rPr><a:t>variance =</a:t></a:r><a:r><a:rPr><a:solidFill><a:srgbClr val="003B4F" /></a:solidFill><a:latin typeface="Courier" /></a:rPr><a:t> </a:t></a:r><a:r><a:rPr><a:solidFill><a:srgbClr val="4758AB" /></a:solidFill><a:latin typeface="Courier" /></a:rPr><a:t>c</a:t></a:r><a:r><a:rPr><a:solidFill><a:srgbClr val="003B4F" /></a:solidFill><a:latin typeface="Courier" /></a:rPr><a:t>(</a:t></a:r><a:br /><a:r><a:rPr><a:solidFill><a:srgbClr val="003B4F" /></a:solidFill><a:latin typeface="Courier" /></a:rPr><a:t>    (</a:t></a:r><a:r><a:rPr><a:solidFill><a:srgbClr val="4758AB" /></a:solidFill><a:latin typeface="Courier" /></a:rPr><a:t>sd</a:t></a:r><a:r><a:rPr><a:solidFill><a:srgbClr val="003B4F" /></a:solidFill><a:latin typeface="Courier" /></a:rPr><a:t>(d</a:t></a:r><a:r><a:rPr><a:solidFill><a:srgbClr val="5E5E5E" /></a:solidFill><a:latin typeface="Courier" /></a:rPr><a:t>$</a:t></a:r><a:r><a:rPr><a:solidFill><a:srgbClr val="003B4F" /></a:solidFill><a:latin typeface="Courier" /></a:rPr><a:t>lngdp))</a:t></a:r><a:r><a:rPr><a:solidFill><a:srgbClr val="5E5E5E" /></a:solidFill><a:latin typeface="Courier" /></a:rPr><a:t>^</a:t></a:r><a:r><a:rPr><a:solidFill><a:srgbClr val="AD0000" /></a:solidFill><a:latin typeface="Courier" /></a:rPr><a:t>2</a:t></a:r><a:r><a:rPr><a:solidFill><a:srgbClr val="003B4F" /></a:solidFill><a:latin typeface="Courier" /></a:rPr><a:t>,</a:t></a:r><a:br /><a:r><a:rPr><a:solidFill><a:srgbClr val="003B4F" /></a:solidFill><a:latin typeface="Courier" /></a:rPr><a:t>    (</a:t></a:r><a:r><a:rPr><a:solidFill><a:srgbClr val="4758AB" /></a:solidFill><a:latin typeface="Courier" /></a:rPr><a:t>sd</a:t></a:r><a:r><a:rPr><a:solidFill><a:srgbClr val="003B4F" /></a:solidFill><a:latin typeface="Courier" /></a:rPr><a:t>(d</a:t></a:r><a:r><a:rPr><a:solidFill><a:srgbClr val="5E5E5E" /></a:solidFill><a:latin typeface="Courier" /></a:rPr><a:t>$</a:t></a:r><a:r><a:rPr><a:solidFill><a:srgbClr val="003B4F" /></a:solidFill><a:latin typeface="Courier" /></a:rPr><a:t>snt))</a:t></a:r><a:r><a:rPr><a:solidFill><a:srgbClr val="5E5E5E" /></a:solidFill><a:latin typeface="Courier" /></a:rPr><a:t>^</a:t></a:r><a:r><a:rPr><a:solidFill><a:srgbClr val="AD0000" /></a:solidFill><a:latin typeface="Courier" /></a:rPr><a:t>2</a:t></a:r><a:r><a:rPr><a:solidFill><a:srgbClr val="003B4F" /></a:solidFill><a:latin typeface="Courier" /></a:rPr><a:t>,</a:t></a:r><a:br /><a:r><a:rPr><a:solidFill><a:srgbClr val="003B4F" /></a:solidFill><a:latin typeface="Courier" /></a:rPr><a:t>    (</a:t></a:r><a:r><a:rPr><a:solidFill><a:srgbClr val="4758AB" /></a:solidFill><a:latin typeface="Courier" /></a:rPr><a:t>sd</a:t></a:r><a:r><a:rPr><a:solidFill><a:srgbClr val="003B4F" /></a:solidFill><a:latin typeface="Courier" /></a:rPr><a:t>(d</a:t></a:r><a:r><a:rPr><a:solidFill><a:srgbClr val="5E5E5E" /></a:solidFill><a:latin typeface="Courier" /></a:rPr><a:t>$</a:t></a:r><a:r><a:rPr><a:solidFill><a:srgbClr val="003B4F" /></a:solidFill><a:latin typeface="Courier" /></a:rPr><a:t>lfx))</a:t></a:r><a:r><a:rPr><a:solidFill><a:srgbClr val="5E5E5E" /></a:solidFill><a:latin typeface="Courier" /></a:rPr><a:t>^</a:t></a:r><a:r><a:rPr><a:solidFill><a:srgbClr val="AD0000" /></a:solidFill><a:latin typeface="Courier" /></a:rPr><a:t>2</a:t></a:r><a:br /><a:r><a:rPr><a:solidFill><a:srgbClr val="003B4F" /></a:solidFill><a:latin typeface="Courier" /></a:rPr><a:t>  ),</a:t></a:r><a:br /><a:r><a:rPr><a:solidFill><a:srgbClr val="003B4F" /></a:solidFill><a:latin typeface="Courier" /></a:rPr><a:t>  </a:t></a:r><a:r><a:rPr><a:solidFill><a:srgbClr val="657422" /></a:solidFill><a:latin typeface="Courier" /></a:rPr><a:t>SD =</a:t></a:r><a:r><a:rPr><a:solidFill><a:srgbClr val="003B4F" /></a:solidFill><a:latin typeface="Courier" /></a:rPr><a:t> </a:t></a:r><a:r><a:rPr><a:solidFill><a:srgbClr val="4758AB" /></a:solidFill><a:latin typeface="Courier" /></a:rPr><a:t>c</a:t></a:r><a:r><a:rPr><a:solidFill><a:srgbClr val="003B4F" /></a:solidFill><a:latin typeface="Courier" /></a:rPr><a:t>(</a:t></a:r><a:br /><a:r><a:rPr><a:solidFill><a:srgbClr val="003B4F" /></a:solidFill><a:latin typeface="Courier" /></a:rPr><a:t>    </a:t></a:r><a:r><a:rPr><a:solidFill><a:srgbClr val="4758AB" /></a:solidFill><a:latin typeface="Courier" /></a:rPr><a:t>sd</a:t></a:r><a:r><a:rPr><a:solidFill><a:srgbClr val="003B4F" /></a:solidFill><a:latin typeface="Courier" /></a:rPr><a:t>(d</a:t></a:r><a:r><a:rPr><a:solidFill><a:srgbClr val="5E5E5E" /></a:solidFill><a:latin typeface="Courier" /></a:rPr><a:t>$</a:t></a:r><a:r><a:rPr><a:solidFill><a:srgbClr val="003B4F" /></a:solidFill><a:latin typeface="Courier" /></a:rPr><a:t>lngdp),</a:t></a:r><a:br /><a:r><a:rPr><a:solidFill><a:srgbClr val="003B4F" /></a:solidFill><a:latin typeface="Courier" /></a:rPr><a:t>    </a:t></a:r><a:r><a:rPr><a:solidFill><a:srgbClr val="4758AB" /></a:solidFill><a:latin typeface="Courier" /></a:rPr><a:t>sd</a:t></a:r><a:r><a:rPr><a:solidFill><a:srgbClr val="003B4F" /></a:solidFill><a:latin typeface="Courier" /></a:rPr><a:t>(d</a:t></a:r><a:r><a:rPr><a:solidFill><a:srgbClr val="5E5E5E" /></a:solidFill><a:latin typeface="Courier" /></a:rPr><a:t>$</a:t></a:r><a:r><a:rPr><a:solidFill><a:srgbClr val="003B4F" /></a:solidFill><a:latin typeface="Courier" /></a:rPr><a:t>snt),</a:t></a:r><a:br /><a:r><a:rPr><a:solidFill><a:srgbClr val="003B4F" /></a:solidFill><a:latin typeface="Courier" /></a:rPr><a:t>    </a:t></a:r><a:r><a:rPr><a:solidFill><a:srgbClr val="4758AB" /></a:solidFill><a:latin typeface="Courier" /></a:rPr><a:t>sd</a:t></a:r><a:r><a:rPr><a:solidFill><a:srgbClr val="003B4F" /></a:solidFill><a:latin typeface="Courier" /></a:rPr><a:t>(d</a:t></a:r><a:r><a:rPr><a:solidFill><a:srgbClr val="5E5E5E" /></a:solidFill><a:latin typeface="Courier" /></a:rPr><a:t>$</a:t></a:r><a:r><a:rPr><a:solidFill><a:srgbClr val="003B4F" /></a:solidFill><a:latin typeface="Courier" /></a:rPr><a:t>lfx)</a:t></a:r><a:br /><a:r><a:rPr><a:solidFill><a:srgbClr val="003B4F" /></a:solidFill><a:latin typeface="Courier" /></a:rPr><a:t>  )</a:t></a:r><a:br /><a:r><a:rPr><a:solidFill><a:srgbClr val="003B4F" /></a:solidFill><a:latin typeface="Courier" /></a:rPr><a:t>)</a:t></a:r><a:br /><a:br /><a:r><a:rPr><a:solidFill><a:srgbClr val="4758AB" /></a:solidFill><a:latin typeface="Courier" /></a:rPr><a:t>kable</a:t></a:r><a:r><a:rPr><a:solidFill><a:srgbClr val="003B4F" /></a:solidFill><a:latin typeface="Courier" /></a:rPr><a:t>(</a:t></a:r><a:br /><a:r><a:rPr><a:solidFill><a:srgbClr val="003B4F" /></a:solidFill><a:latin typeface="Courier" /></a:rPr><a:t>  d_disp,</a:t></a:r><a:br /><a:r><a:rPr><a:solidFill><a:srgbClr val="003B4F" /></a:solidFill><a:latin typeface="Courier" /></a:rPr><a:t>  </a:t></a:r><a:r><a:rPr><a:solidFill><a:srgbClr val="657422" /></a:solidFill><a:latin typeface="Courier" /></a:rPr><a:t>col.names =</a:t></a:r><a:r><a:rPr><a:solidFill><a:srgbClr val="003B4F" /></a:solidFill><a:latin typeface="Courier" /></a:rPr><a:t> </a:t></a:r><a:r><a:rPr><a:solidFill><a:srgbClr val="4758AB" /></a:solidFill><a:latin typeface="Courier" /></a:rPr><a:t>c</a:t></a:r><a:r><a:rPr><a:solidFill><a:srgbClr val="003B4F" /></a:solidFill><a:latin typeface="Courier" /></a:rPr><a:t>(</a:t></a:r><a:br /><a:r><a:rPr><a:solidFill><a:srgbClr val="003B4F" /></a:solidFill><a:latin typeface="Courier" /></a:rPr><a:t>    </a:t></a:r><a:r><a:rPr><a:solidFill><a:srgbClr val="20794D" /></a:solidFill><a:latin typeface="Courier" /></a:rPr><a:t>&quot;$</a:t></a:r><a:r><a:rPr><a:solidFill><a:srgbClr val="5E5E5E" /></a:solidFill><a:latin typeface="Courier" /></a:rPr><a:t>\\</a:t></a:r><a:r><a:rPr><a:solidFill><a:srgbClr val="20794D" /></a:solidFill><a:latin typeface="Courier" /></a:rPr><a:t>operatorname{Range}(x)$&quot;</a:t></a:r><a:r><a:rPr><a:solidFill><a:srgbClr val="003B4F" /></a:solidFill><a:latin typeface="Courier" /></a:rPr><a:t>,</a:t></a:r><a:br /><a:r><a:rPr><a:solidFill><a:srgbClr val="003B4F" /></a:solidFill><a:latin typeface="Courier" /></a:rPr><a:t>    </a:t></a:r><a:r><a:rPr><a:solidFill><a:srgbClr val="20794D" /></a:solidFill><a:latin typeface="Courier" /></a:rPr><a:t>&quot;$</a:t></a:r><a:r><a:rPr><a:solidFill><a:srgbClr val="5E5E5E" /></a:solidFill><a:latin typeface="Courier" /></a:rPr><a:t>\\</a:t></a:r><a:r><a:rPr><a:solidFill><a:srgbClr val="20794D" /></a:solidFill><a:latin typeface="Courier" /></a:rPr><a:t>operatorname{SIR}(x)$&quot;</a:t></a:r><a:r><a:rPr><a:solidFill><a:srgbClr val="003B4F" /></a:solidFill><a:latin typeface="Courier" /></a:rPr><a:t>,</a:t></a:r><a:br /><a:r><a:rPr><a:solidFill><a:srgbClr val="003B4F" /></a:solidFill><a:latin typeface="Courier" /></a:rPr><a:t>    </a:t></a:r><a:r><a:rPr><a:solidFill><a:srgbClr val="20794D" /></a:solidFill><a:latin typeface="Courier" /></a:rPr><a:t>&quot;$</a:t></a:r><a:r><a:rPr><a:solidFill><a:srgbClr val="5E5E5E" /></a:solidFill><a:latin typeface="Courier" /></a:rPr><a:t>\\</a:t></a:r><a:r><a:rPr><a:solidFill><a:srgbClr val="20794D" /></a:solidFill><a:latin typeface="Courier" /></a:rPr><a:t>operatorname{MD}_{(</a:t></a:r><a:r><a:rPr><a:solidFill><a:srgbClr val="5E5E5E" /></a:solidFill><a:latin typeface="Courier" /></a:rPr><a:t>\\</a:t></a:r><a:r><a:rPr><a:solidFill><a:srgbClr val="20794D" /></a:solidFill><a:latin typeface="Courier" /></a:rPr><a:t>bar{x})}(x)$&quot;</a:t></a:r><a:r><a:rPr><a:solidFill><a:srgbClr val="003B4F" /></a:solidFill><a:latin typeface="Courier" /></a:rPr><a:t>,</a:t></a:r><a:br /><a:r><a:rPr><a:solidFill><a:srgbClr val="003B4F" /></a:solidFill><a:latin typeface="Courier" /></a:rPr><a:t>    </a:t></a:r><a:r><a:rPr><a:solidFill><a:srgbClr val="20794D" /></a:solidFill><a:latin typeface="Courier" /></a:rPr><a:t>&quot;$</a:t></a:r><a:r><a:rPr><a:solidFill><a:srgbClr val="5E5E5E" /></a:solidFill><a:latin typeface="Courier" /></a:rPr><a:t>\\</a:t></a:r><a:r><a:rPr><a:solidFill><a:srgbClr val="20794D" /></a:solidFill><a:latin typeface="Courier" /></a:rPr><a:t>quad s_x^2$&quot;</a:t></a:r><a:r><a:rPr><a:solidFill><a:srgbClr val="003B4F" /></a:solidFill><a:latin typeface="Courier" /></a:rPr><a:t>,</a:t></a:r><a:br /><a:r><a:rPr><a:solidFill><a:srgbClr val="003B4F" /></a:solidFill><a:latin typeface="Courier" /></a:rPr><a:t>    </a:t></a:r><a:r><a:rPr><a:solidFill><a:srgbClr val="20794D" /></a:solidFill><a:latin typeface="Courier" /></a:rPr><a:t>&quot;$</a:t></a:r><a:r><a:rPr><a:solidFill><a:srgbClr val="5E5E5E" /></a:solidFill><a:latin typeface="Courier" /></a:rPr><a:t>\\</a:t></a:r><a:r><a:rPr><a:solidFill><a:srgbClr val="20794D" /></a:solidFill><a:latin typeface="Courier" /></a:rPr><a:t>quad s_x$&quot;</a:t></a:r><a:br /><a:r><a:rPr><a:solidFill><a:srgbClr val="003B4F" /></a:solidFill><a:latin typeface="Courier" /></a:rPr><a:t>  ),</a:t></a:r><a:br /><a:r><a:rPr><a:solidFill><a:srgbClr val="003B4F" /></a:solidFill><a:latin typeface="Courier" /></a:rPr><a:t>  </a:t></a:r><a:r><a:rPr><a:solidFill><a:srgbClr val="657422" /></a:solidFill><a:latin typeface="Courier" /></a:rPr><a:t>digits=</a:t></a:r><a:r><a:rPr><a:solidFill><a:srgbClr val="AD0000" /></a:solidFill><a:latin typeface="Courier" /></a:rPr><a:t>5</a:t></a:r><a:br /><a:r><a:rPr><a:solidFill><a:srgbClr val="003B4F" /></a:solidFill><a:latin typeface="Courier" /></a:rPr><a:t>)</a:t></a:r></a:p></p:txBody></p:sp></mc:Choice></mc:AlternateContent><p:graphicFrame><p:nvGraphicFramePr><p:cNvPr id="6" name="Content Placeholder 5" /><p:cNvGraphicFramePr><a:graphicFrameLocks noGrp="1" /></p:cNvGraphicFramePr><p:nvPr><p:ph idx="1" /></p:nvPr></p:nvGraphicFramePr><p:xfrm><a:off x="4775200" y="1447800" /><a:ext cx="5194300" cy="4572000" /></p:xfrm><a:graphic><a:graphicData uri="http://schemas.openxmlformats.org/drawingml/2006/table"><a:tbl><a:tblPr firstRow="1" bandRow="1"><a:tableStyleId>{5C22544A-7EE6-4342-B048-85BDC9FD1C3A}</a:tableStyleId></a:tblPr><a:tblGrid><a:gridCol w="863600" /><a:gridCol w="863600" /><a:gridCol w="863600" /><a:gridCol w="863600" /><a:gridCol w="863600" /><a:gridCol w="863600" /></a:tblGrid><a:tr h="0"><a:tc><a:txBody><a:bodyPr /><a:lstStyle /><a:p><a:endParaRPr /></a:p></a:txBody><a:tcPr /></a:tc><a:tc><a:txBody><a:bodyPr /><a:lstStyle /><a:p><a:pPr lvl="0" indent="0" marL="0" algn="r"><a:buNone /></a:pPr><a14:m><m:oMath xmlns:m="http://schemas.openxmlformats.org/officeDocument/2006/math"><m:r><m:rPr><m:sty m:val="p" /></m:rPr><m:t>Range</m:t></m:r><m:d><m:dPr><m:begChr m:val="(" /><m:endChr m:val=")" /><m:sepChr m:val="" /><m:grow /></m:dPr><m:e><m:r><m:t>x</m:t></m:r></m:e></m:d></m:oMath></a14:m></a:p></a:txBody><a:tcPr /></a:tc><a:tc><a:txBody><a:bodyPr /><a:lstStyle /><a:p><a:pPr lvl="0" indent="0" marL="0" algn="r"><a:buNone /></a:pPr><a14:m><m:oMath xmlns:m="http://schemas.openxmlformats.org/officeDocument/2006/math"><m:r><m:rPr><m:sty m:val="p" /></m:rPr><m:t>SIR</m:t></m:r><m:d><m:dPr><m:begChr m:val="(" /><m:endChr m:val=")" /><m:sepChr m:val="" /><m:grow /></m:dPr><m:e><m:r><m:t>x</m:t></m:r></m:e></m:d></m:oMath></a14:m></a:p></a:txBody><a:tcPr /></a:tc><a:tc><a:txBody><a:bodyPr /><a:lstStyle /><a:p><a:pPr lvl="0" indent="0" marL="0" algn="r"><a:buNone /></a:pPr><a14:m><m:oMath xmlns:m="http://schemas.openxmlformats.org/officeDocument/2006/math"><m:sSub><m:e><m:r><m:rPr><m:sty m:val="p" /></m:rPr><m:t>MD</m:t></m:r></m:e><m:sub><m:d><m:dPr><m:begChr m:val="(" /><m:endChr m:val=")" /><m:sepChr m:val="" /><m:grow /></m:dPr><m:e><m:acc><m:accPr><m:chr m:val="‾" /></m:accPr><m:e><m:r><m:t>x</m:t></m:r></m:e></m:acc></m:e></m:d></m:sub></m:sSub><m:d><m:dPr><m:begChr m:val="(" /><m:endChr m:val=")" /><m:sepChr m:val="" /><m:grow /></m:dPr><m:e><m:r><m:t>x</m:t></m:r></m:e></m:d></m:oMath></a14:m></a:p></a:txBody><a:tcPr /></a:tc><a:tc><a:txBody><a:bodyPr /><a:lstStyle /><a:p><a:pPr lvl="0" indent="0" marL="0" algn="r"><a:buNone /></a:pPr><a14:m><m:oMath xmlns:m="http://schemas.openxmlformats.org/officeDocument/2006/math"><m:r><m:t> </m:t></m:r><m:sSubSup><m:e><m:r><m:t>s</m:t></m:r></m:e><m:sub><m:r><m:t>x</m:t></m:r></m:sub><m:sup><m:r><m:t>2</m:t></m:r></m:sup></m:sSubSup></m:oMath></a14:m></a:p></a:txBody><a:tcPr /></a:tc><a:tc><a:txBody><a:bodyPr /><a:lstStyle /><a:p><a:pPr lvl="0" indent="0" marL="0" algn="r"><a:buNone /></a:pPr><a14:m><m:oMath xmlns:m="http://schemas.openxmlformats.org/officeDocument/2006/math"><m:r><m:t> </m:t></m:r><m:sSub><m:e><m:r><m:t>s</m:t></m:r></m:e><m:sub><m:r><m:t>x</m:t></m:r></m:sub></m:sSub></m:oMath></a14:m></a:p></a:txBody><a:tcPr /></a:tc></a:tr><a:tr h="0"><a:tc><a:txBody><a:bodyPr /><a:lstStyle /><a:p><a:pPr lvl="0" indent="0" marL="0" algn="l"><a:buNone /></a:pPr><a:r><a:rPr i="1" /><a:t>ln(GDP)</a:t></a:r></a:p></a:txBody></a:tc><a:tc><a:txBody><a:bodyPr /><a:lstStyle /><a:p><a:pPr lvl="0" indent="0" marL="0" algn="r"><a:buNone /></a:pPr><a:r><a:rPr /><a:t>6.04435</a:t></a:r></a:p></a:txBody></a:tc><a:tc><a:txBody><a:bodyPr /><a:lstStyle /><a:p><a:pPr lvl="0" indent="0" marL="0" algn="r"><a:buNone /></a:pPr><a:r><a:rPr /><a:t>1.06914</a:t></a:r></a:p></a:txBody></a:tc><a:tc><a:txBody><a:bodyPr /><a:lstStyle /><a:p><a:pPr lvl="0" indent="0" marL="0" algn="r"><a:buNone /></a:pPr><a:r><a:rPr /><a:t>1.17229</a:t></a:r></a:p></a:txBody></a:tc><a:tc><a:txBody><a:bodyPr /><a:lstStyle /><a:p><a:pPr lvl="0" indent="0" marL="0" algn="r"><a:buNone /></a:pPr><a:r><a:rPr /><a:t>2.01791</a:t></a:r></a:p></a:txBody></a:tc><a:tc><a:txBody><a:bodyPr /><a:lstStyle /><a:p><a:pPr lvl="0" indent="0" marL="0" algn="r"><a:buNone /></a:pPr><a:r><a:rPr /><a:t>1.42053</a:t></a:r></a:p></a:txBody></a:tc></a:tr><a:tr h="0"><a:tc><a:txBody><a:bodyPr /><a:lstStyle /><a:p><a:pPr lvl="0" indent="0" marL="0" algn="l"><a:buNone /></a:pPr><a:r><a:rPr i="1" /><a:t>Sanitation</a:t></a:r></a:p></a:txBody></a:tc><a:tc><a:txBody><a:bodyPr /><a:lstStyle /><a:p><a:pPr lvl="0" indent="0" marL="0" algn="r"><a:buNone /></a:pPr><a:r><a:rPr /><a:t>94.03000</a:t></a:r></a:p></a:txBody></a:tc><a:tc><a:txBody><a:bodyPr /><a:lstStyle /><a:p><a:pPr lvl="0" indent="0" marL="0" algn="r"><a:buNone /></a:pPr><a:r><a:rPr /><a:t>24.65000</a:t></a:r></a:p></a:txBody></a:tc><a:tc><a:txBody><a:bodyPr /><a:lstStyle /><a:p><a:pPr lvl="0" indent="0" marL="0" algn="r"><a:buNone /></a:pPr><a:r><a:rPr /><a:t>25.50487</a:t></a:r></a:p></a:txBody></a:tc><a:tc><a:txBody><a:bodyPr /><a:lstStyle /><a:p><a:pPr lvl="0" indent="0" marL="0" algn="r"><a:buNone /></a:pPr><a:r><a:rPr /><a:t>872.29346</a:t></a:r></a:p></a:txBody></a:tc><a:tc><a:txBody><a:bodyPr /><a:lstStyle /><a:p><a:pPr lvl="0" indent="0" marL="0" algn="r"><a:buNone /></a:pPr><a:r><a:rPr /><a:t>29.53461</a:t></a:r></a:p></a:txBody></a:tc></a:tr><a:tr h="0"><a:tc><a:txBody><a:bodyPr /><a:lstStyle /><a:p><a:pPr lvl="0" indent="0" marL="0" algn="l"><a:buNone /></a:pPr><a:r><a:rPr i="1" /><a:t>Life Exp.</a:t></a:r></a:p></a:txBody></a:tc><a:tc><a:txBody><a:bodyPr /><a:lstStyle /><a:p><a:pPr lvl="0" indent="0" marL="0" algn="r"><a:buNone /></a:pPr><a:r><a:rPr /><a:t>50.80000</a:t></a:r></a:p></a:txBody></a:tc><a:tc><a:txBody><a:bodyPr /><a:lstStyle /><a:p><a:pPr lvl="0" indent="0" marL="0" algn="r"><a:buNone /></a:pPr><a:r><a:rPr /><a:t>6.00000</a:t></a:r></a:p></a:txBody></a:tc><a:tc><a:txBody><a:bodyPr /><a:lstStyle /><a:p><a:pPr lvl="0" indent="0" marL="0" algn="r"><a:buNone /></a:pPr><a:r><a:rPr /><a:t>6.98712</a:t></a:r></a:p></a:txBody></a:tc><a:tc><a:txBody><a:bodyPr /><a:lstStyle /><a:p><a:pPr lvl="0" indent="0" marL="0" algn="r"><a:buNone /></a:pPr><a:r><a:rPr /><a:t>75.33494</a:t></a:r></a:p></a:txBody></a:tc><a:tc><a:txBody><a:bodyPr /><a:lstStyle /><a:p><a:pPr lvl="0" indent="0" marL="0" algn="r"><a:buNone /></a:pPr><a:r><a:rPr /><a:t>8.67957</a:t></a:r></a:p></a:txBody></a:tc></a:tr></a:tbl></a:graphicData></a:graphic></p:graphicFrame></p:spTree></p:cSld></p:sld>
 </file>
 
@@ -13063,16 +13054,44 @@
                 </a:solidFill>
                 <a:latin typeface="Courier"/>
               </a:rPr>
-              <a:t>14</a:t>
-            </a:r>
-            <a:r>
-              <a:rPr>
-                <a:solidFill>
-                  <a:srgbClr val="003B4F"/>
-                </a:solidFill>
-                <a:latin typeface="Courier"/>
-              </a:rPr>
-              <a:t>))</a:t>
+              <a:t>36</a:t>
+            </a:r>
+            <a:r>
+              <a:rPr>
+                <a:solidFill>
+                  <a:srgbClr val="003B4F"/>
+                </a:solidFill>
+                <a:latin typeface="Courier"/>
+              </a:rPr>
+              <a:t> </a:t>
+            </a:r>
+            <a:r>
+              <a:rPr>
+                <a:solidFill>
+                  <a:srgbClr val="5E5E5E"/>
+                </a:solidFill>
+                <a:latin typeface="Courier"/>
+              </a:rPr>
+              <a:t>/</a:t>
+            </a:r>
+            <a:r>
+              <a:rPr>
+                <a:solidFill>
+                  <a:srgbClr val="003B4F"/>
+                </a:solidFill>
+                <a:latin typeface="Courier"/>
+              </a:rPr>
+              <a:t> .pt)</a:t>
+            </a:r>
+            <a:br/>
+            <a:r>
+              <a:rPr>
+                <a:solidFill>
+                  <a:srgbClr val="003B4F"/>
+                </a:solidFill>
+                <a:latin typeface="Courier"/>
+              </a:rPr>
+              <a:t>  )</a:t>
             </a:r>
           </a:p>
         </p:txBody>

--- a/Formal/PPT_powerpoint.pptx
+++ b/Formal/PPT_powerpoint.pptx
@@ -12075,16 +12075,28 @@
 \operatorname{GM}(x) = \sqrt[n]{\prod_{i=1}^n} a_i &amp;&amp;
 \operatorname{HM}(x)= n\sum_{i=1}^n x_i^{-1}
 \end{aligned}
-$$</a:t></a:r></a:p><a:p><a:pPr lvl="0" indent="0" marL="0"><a:buNone /></a:pPr><a14:m><m:oMathPara xmlns:m="http://schemas.openxmlformats.org/officeDocument/2006/math"><m:oMathParaPr><m:jc m:val="center" /></m:oMathParaPr><m:oMath><m:m><m:mPr><m:baseJc m:val="center" /><m:plcHide m:val="1" /><m:mcs><m:mc><m:mcPr><m:mcJc m:val="right" /><m:count m:val="1" /></m:mcPr></m:mc><m:mc><m:mcPr><m:mcJc m:val="left" /><m:count m:val="1" /></m:mcPr></m:mc><m:mc><m:mcPr><m:mcJc m:val="right" /><m:count m:val="1" /></m:mcPr></m:mc></m:mcs></m:mPr><m:mr><m:e><m:r><m:rPr><m:sty m:val="p" /></m:rPr><m:t>median</m:t></m:r><m:d><m:dPr><m:begChr m:val="(" /><m:endChr m:val=")" /><m:sepChr m:val="" /><m:grow /></m:dPr><m:e><m:r><m:t>x</m:t></m:r></m:e></m:d><m:r><m:rPr><m:sty m:val="p" /></m:rPr><m:t>=</m:t></m:r><m:d><m:dPr><m:begChr m:val="{" /><m:endChr m:val="" /><m:sepChr m:val="" /><m:grow /></m:dPr><m:e><m:m><m:mPr><m:baseJc m:val="center" /><m:plcHide m:val="1" /><m:mcs><m:mc><m:mcPr><m:mcJc m:val="left" /><m:count m:val="1" /></m:mcPr></m:mc><m:mc><m:mcPr><m:mcJc m:val="left" /><m:count m:val="1" /></m:mcPr></m:mc></m:mcs></m:mPr><m:mr><m:e><m:sSub><m:e><m:r><m:t>x</m:t></m:r></m:e><m:sub><m:d><m:dPr><m:begChr m:val="(" /><m:endChr m:val=")" /><m:sepChr m:val="" /><m:grow /></m:dPr><m:e><m:r><m:t>n</m:t></m:r><m:r><m:rPr><m:sty m:val="p" /></m:rPr><m:t>+</m:t></m:r><m:r><m:t>1</m:t></m:r></m:e></m:d><m:r><m:rPr><m:sty m:val="p" /></m:rPr><m:t>/</m:t></m:r><m:r><m:t>2</m:t></m:r></m:sub></m:sSub></m:e><m:e><m:r><m:rPr><m:sty m:val="p" /></m:rPr><m:t>:</m:t></m:r><m:r><m:t>n</m:t></m:r><m:r><m:rPr><m:sty m:val="p" /></m:rPr><m:t>=</m:t></m:r><m:r><m:t>1</m:t></m:r><m:r><m:t> </m:t></m:r><m:r><m:rPr><m:sty m:val="p" /></m:rPr><m:t>mod</m:t></m:r><m:r><m:t> </m:t></m:r><m:r><m:t>2</m:t></m:r></m:e></m:mr><m:mr><m:e><m:f><m:fPr><m:type m:val="bar" /></m:fPr><m:num><m:sSub><m:e><m:r><m:t>x</m:t></m:r></m:e><m:sub><m:d><m:dPr><m:begChr m:val="(" /><m:endChr m:val=")" /><m:sepChr m:val="" /><m:grow /></m:dPr><m:e><m:r><m:t>n</m:t></m:r><m:r><m:rPr><m:sty m:val="p" /></m:rPr><m:t>/</m:t></m:r><m:r><m:t>2</m:t></m:r></m:e></m:d></m:sub></m:sSub><m:r><m:rPr><m:sty m:val="p" /></m:rPr><m:t>+</m:t></m:r><m:sSub><m:e><m:r><m:t>x</m:t></m:r></m:e><m:sub><m:d><m:dPr><m:begChr m:val="(" /><m:endChr m:val=")" /><m:sepChr m:val="" /><m:grow /></m:dPr><m:e><m:d><m:dPr><m:begChr m:val="(" /><m:endChr m:val=")" /><m:sepChr m:val="" /><m:grow /></m:dPr><m:e><m:r><m:t>n</m:t></m:r><m:r><m:rPr><m:sty m:val="p" /></m:rPr><m:t>/</m:t></m:r><m:r><m:t>2</m:t></m:r></m:e></m:d><m:r><m:rPr><m:sty m:val="p" /></m:rPr><m:t>+</m:t></m:r><m:r><m:t>1</m:t></m:r></m:e></m:d></m:sub></m:sSub></m:num><m:den><m:r><m:t>2</m:t></m:r></m:den></m:f></m:e><m:e><m:r><m:rPr><m:sty m:val="p" /></m:rPr><m:t>:</m:t></m:r><m:r><m:t>n</m:t></m:r><m:r><m:rPr><m:sty m:val="p" /></m:rPr><m:t>=</m:t></m:r><m:r><m:t>0</m:t></m:r><m:r><m:t> </m:t></m:r><m:r><m:rPr><m:sty m:val="p" /></m:rPr><m:t>mod</m:t></m:r><m:r><m:t> </m:t></m:r><m:r><m:t>2</m:t></m:r></m:e></m:mr></m:m></m:e></m:d></m:e><m:e /><m:e><m:r><m:rPr><m:sty m:val="p" /></m:rPr><m:t>mode</m:t></m:r><m:d><m:dPr><m:begChr m:val="(" /><m:endChr m:val=")" /><m:sepChr m:val="" /><m:grow /></m:dPr><m:e><m:r><m:t>x</m:t></m:r></m:e></m:d><m:r><m:rPr><m:sty m:val="p" /></m:rPr><m:t>=</m:t></m:r><m:sSub><m:e><m:r><m:t>x</m:t></m:r></m:e><m:sub><m:d><m:dPr><m:begChr m:val="(" /><m:endChr m:val=")" /><m:sepChr m:val="" /><m:grow /></m:dPr><m:e><m:r><m:t>n</m:t></m:r></m:e></m:d></m:sub></m:sSub></m:e></m:mr></m:m></m:oMath></m:oMathPara></a14:m></a:p><a:p><a:pPr lvl="0" indent="0"><a:buNone /></a:pPr><a:r><a:rPr><a:solidFill><a:srgbClr val="003B4F" /></a:solidFill><a:latin typeface="Courier" /></a:rPr><a:t>getmode &lt;- function(v) {</a:t></a:r><a:br /><a:r><a:rPr><a:solidFill><a:srgbClr val="003B4F" /></a:solidFill><a:latin typeface="Courier" /></a:rPr><a:t> uniqv &lt;- </a:t></a:r><a:r><a:rPr><a:solidFill><a:srgbClr val="4758AB" /></a:solidFill><a:latin typeface="Courier" /></a:rPr><a:t>unique</a:t></a:r><a:r><a:rPr><a:solidFill><a:srgbClr val="003B4F" /></a:solidFill><a:latin typeface="Courier" /></a:rPr><a:t>(v)</a:t></a:r><a:br /><a:r><a:rPr><a:solidFill><a:srgbClr val="003B4F" /></a:solidFill><a:latin typeface="Courier" /></a:rPr><a:t> freq = </a:t></a:r><a:r><a:rPr><a:solidFill><a:srgbClr val="4758AB" /></a:solidFill><a:latin typeface="Courier" /></a:rPr><a:t>max</a:t></a:r><a:r><a:rPr><a:solidFill><a:srgbClr val="003B4F" /></a:solidFill><a:latin typeface="Courier" /></a:rPr><a:t>(</a:t></a:r><a:r><a:rPr><a:solidFill><a:srgbClr val="4758AB" /></a:solidFill><a:latin typeface="Courier" /></a:rPr><a:t>tabulate</a:t></a:r><a:r><a:rPr><a:solidFill><a:srgbClr val="003B4F" /></a:solidFill><a:latin typeface="Courier" /></a:rPr><a:t>(</a:t></a:r><a:r><a:rPr><a:solidFill><a:srgbClr val="4758AB" /></a:solidFill><a:latin typeface="Courier" /></a:rPr><a:t>match</a:t></a:r><a:r><a:rPr><a:solidFill><a:srgbClr val="003B4F" /></a:solidFill><a:latin typeface="Courier" /></a:rPr><a:t>(v, uniqv)))</a:t></a:r><a:br /><a:r><a:rPr><a:solidFill><a:srgbClr val="003B4F" /></a:solidFill><a:latin typeface="Courier" /></a:rPr><a:t> res = uniqv[</a:t></a:r><a:r><a:rPr><a:solidFill><a:srgbClr val="4758AB" /></a:solidFill><a:latin typeface="Courier" /></a:rPr><a:t>which.max</a:t></a:r><a:r><a:rPr><a:solidFill><a:srgbClr val="003B4F" /></a:solidFill><a:latin typeface="Courier" /></a:rPr><a:t>(</a:t></a:r><a:r><a:rPr><a:solidFill><a:srgbClr val="4758AB" /></a:solidFill><a:latin typeface="Courier" /></a:rPr><a:t>tabulate</a:t></a:r><a:r><a:rPr><a:solidFill><a:srgbClr val="003B4F" /></a:solidFill><a:latin typeface="Courier" /></a:rPr><a:t>(</a:t></a:r><a:r><a:rPr><a:solidFill><a:srgbClr val="4758AB" /></a:solidFill><a:latin typeface="Courier" /></a:rPr><a:t>match</a:t></a:r><a:r><a:rPr><a:solidFill><a:srgbClr val="003B4F" /></a:solidFill><a:latin typeface="Courier" /></a:rPr><a:t>(v, uniqv)))]</a:t></a:r><a:br /><a:r><a:rPr><a:solidFill><a:srgbClr val="003B4F" /></a:solidFill><a:latin typeface="Courier" /></a:rPr><a:t> if (freq </a:t></a:r><a:r><a:rPr><a:solidFill><a:srgbClr val="5E5E5E" /></a:solidFill><a:latin typeface="Courier" /></a:rPr><a:t>==</a:t></a:r><a:r><a:rPr><a:solidFill><a:srgbClr val="003B4F" /></a:solidFill><a:latin typeface="Courier" /></a:rPr><a:t> </a:t></a:r><a:r><a:rPr><a:solidFill><a:srgbClr val="AD0000" /></a:solidFill><a:latin typeface="Courier" /></a:rPr><a:t>1</a:t></a:r><a:r><a:rPr><a:solidFill><a:srgbClr val="003B4F" /></a:solidFill><a:latin typeface="Courier" /></a:rPr><a:t>) res = </a:t></a:r><a:r><a:rPr><a:solidFill><a:srgbClr val="8F5902" /></a:solidFill><a:latin typeface="Courier" /></a:rPr><a:t>NULL</a:t></a:r><a:br /><a:r><a:rPr><a:solidFill><a:srgbClr val="003B4F" /></a:solidFill><a:latin typeface="Courier" /></a:rPr><a:t> </a:t></a:r><a:r><a:rPr><a:solidFill><a:srgbClr val="4758AB" /></a:solidFill><a:latin typeface="Courier" /></a:rPr><a:t>return</a:t></a:r><a:r><a:rPr><a:solidFill><a:srgbClr val="003B4F" /></a:solidFill><a:latin typeface="Courier" /></a:rPr><a:t>(res)</a:t></a:r><a:br /><a:r><a:rPr><a:solidFill><a:srgbClr val="003B4F" /></a:solidFill><a:latin typeface="Courier" /></a:rPr><a:t>}</a:t></a:r><a:br /><a:br /><a:r><a:rPr><a:solidFill><a:srgbClr val="003B4F" /></a:solidFill><a:latin typeface="Courier" /></a:rPr><a:t>d_central = </a:t></a:r><a:r><a:rPr><a:solidFill><a:srgbClr val="4758AB" /></a:solidFill><a:latin typeface="Courier" /></a:rPr><a:t>data.frame</a:t></a:r><a:r><a:rPr><a:solidFill><a:srgbClr val="003B4F" /></a:solidFill><a:latin typeface="Courier" /></a:rPr><a:t>(</a:t></a:r><a:br /><a:r><a:rPr><a:solidFill><a:srgbClr val="003B4F" /></a:solidFill><a:latin typeface="Courier" /></a:rPr><a:t>  </a:t></a:r><a:r><a:rPr><a:solidFill><a:srgbClr val="657422" /></a:solidFill><a:latin typeface="Courier" /></a:rPr><a:t>row.names =</a:t></a:r><a:r><a:rPr><a:solidFill><a:srgbClr val="003B4F" /></a:solidFill><a:latin typeface="Courier" /></a:rPr><a:t> </a:t></a:r><a:r><a:rPr><a:solidFill><a:srgbClr val="20794D" /></a:solidFill><a:latin typeface="Courier" /></a:rPr><a:t>&quot;Variable&quot;</a:t></a:r><a:r><a:rPr><a:solidFill><a:srgbClr val="003B4F" /></a:solidFill><a:latin typeface="Courier" /></a:rPr><a:t>,</a:t></a:r><a:br /><a:r><a:rPr><a:solidFill><a:srgbClr val="003B4F" /></a:solidFill><a:latin typeface="Courier" /></a:rPr><a:t>  </a:t></a:r><a:r><a:rPr><a:solidFill><a:srgbClr val="657422" /></a:solidFill><a:latin typeface="Courier" /></a:rPr><a:t>Variable =</a:t></a:r><a:r><a:rPr><a:solidFill><a:srgbClr val="003B4F" /></a:solidFill><a:latin typeface="Courier" /></a:rPr><a:t> </a:t></a:r><a:r><a:rPr><a:solidFill><a:srgbClr val="4758AB" /></a:solidFill><a:latin typeface="Courier" /></a:rPr><a:t>c</a:t></a:r><a:r><a:rPr><a:solidFill><a:srgbClr val="003B4F" /></a:solidFill><a:latin typeface="Courier" /></a:rPr><a:t>(</a:t></a:r><a:br /><a:r><a:rPr><a:solidFill><a:srgbClr val="003B4F" /></a:solidFill><a:latin typeface="Courier" /></a:rPr><a:t>    </a:t></a:r><a:r><a:rPr><a:solidFill><a:srgbClr val="20794D" /></a:solidFill><a:latin typeface="Courier" /></a:rPr><a:t>&quot;*ln(GDP)*&quot;</a:t></a:r><a:r><a:rPr><a:solidFill><a:srgbClr val="003B4F" /></a:solidFill><a:latin typeface="Courier" /></a:rPr><a:t>,</a:t></a:r><a:br /><a:r><a:rPr><a:solidFill><a:srgbClr val="003B4F" /></a:solidFill><a:latin typeface="Courier" /></a:rPr><a:t>    </a:t></a:r><a:r><a:rPr><a:solidFill><a:srgbClr val="20794D" /></a:solidFill><a:latin typeface="Courier" /></a:rPr><a:t>&quot;*Sanitation*&quot;</a:t></a:r><a:r><a:rPr><a:solidFill><a:srgbClr val="003B4F" /></a:solidFill><a:latin typeface="Courier" /></a:rPr><a:t>,</a:t></a:r><a:br /><a:r><a:rPr><a:solidFill><a:srgbClr val="003B4F" /></a:solidFill><a:latin typeface="Courier" /></a:rPr><a:t>    </a:t></a:r><a:r><a:rPr><a:solidFill><a:srgbClr val="20794D" /></a:solidFill><a:latin typeface="Courier" /></a:rPr><a:t>&quot;*Life Exp.*&quot;</a:t></a:r><a:br /><a:r><a:rPr><a:solidFill><a:srgbClr val="003B4F" /></a:solidFill><a:latin typeface="Courier" /></a:rPr><a:t>  ),</a:t></a:r><a:br /><a:r><a:rPr><a:solidFill><a:srgbClr val="003B4F" /></a:solidFill><a:latin typeface="Courier" /></a:rPr><a:t>  </a:t></a:r><a:r><a:rPr><a:solidFill><a:srgbClr val="657422" /></a:solidFill><a:latin typeface="Courier" /></a:rPr><a:t>Mean =</a:t></a:r><a:r><a:rPr><a:solidFill><a:srgbClr val="003B4F" /></a:solidFill><a:latin typeface="Courier" /></a:rPr><a:t> </a:t></a:r><a:r><a:rPr><a:solidFill><a:srgbClr val="4758AB" /></a:solidFill><a:latin typeface="Courier" /></a:rPr><a:t>c</a:t></a:r><a:r><a:rPr><a:solidFill><a:srgbClr val="003B4F" /></a:solidFill><a:latin typeface="Courier" /></a:rPr><a:t>(</a:t></a:r><a:br /><a:r><a:rPr><a:solidFill><a:srgbClr val="003B4F" /></a:solidFill><a:latin typeface="Courier" /></a:rPr><a:t>    </a:t></a:r><a:r><a:rPr><a:solidFill><a:srgbClr val="4758AB" /></a:solidFill><a:latin typeface="Courier" /></a:rPr><a:t>mean</a:t></a:r><a:r><a:rPr><a:solidFill><a:srgbClr val="003B4F" /></a:solidFill><a:latin typeface="Courier" /></a:rPr><a:t>(d</a:t></a:r><a:r><a:rPr><a:solidFill><a:srgbClr val="5E5E5E" /></a:solidFill><a:latin typeface="Courier" /></a:rPr><a:t>$</a:t></a:r><a:r><a:rPr><a:solidFill><a:srgbClr val="003B4F" /></a:solidFill><a:latin typeface="Courier" /></a:rPr><a:t>lngdp),</a:t></a:r><a:br /><a:r><a:rPr><a:solidFill><a:srgbClr val="003B4F" /></a:solidFill><a:latin typeface="Courier" /></a:rPr><a:t>    </a:t></a:r><a:r><a:rPr><a:solidFill><a:srgbClr val="4758AB" /></a:solidFill><a:latin typeface="Courier" /></a:rPr><a:t>mean</a:t></a:r><a:r><a:rPr><a:solidFill><a:srgbClr val="003B4F" /></a:solidFill><a:latin typeface="Courier" /></a:rPr><a:t>(d</a:t></a:r><a:r><a:rPr><a:solidFill><a:srgbClr val="5E5E5E" /></a:solidFill><a:latin typeface="Courier" /></a:rPr><a:t>$</a:t></a:r><a:r><a:rPr><a:solidFill><a:srgbClr val="003B4F" /></a:solidFill><a:latin typeface="Courier" /></a:rPr><a:t>snt),</a:t></a:r><a:br /><a:r><a:rPr><a:solidFill><a:srgbClr val="003B4F" /></a:solidFill><a:latin typeface="Courier" /></a:rPr><a:t>    </a:t></a:r><a:r><a:rPr><a:solidFill><a:srgbClr val="4758AB" /></a:solidFill><a:latin typeface="Courier" /></a:rPr><a:t>mean</a:t></a:r><a:r><a:rPr><a:solidFill><a:srgbClr val="003B4F" /></a:solidFill><a:latin typeface="Courier" /></a:rPr><a:t>(d</a:t></a:r><a:r><a:rPr><a:solidFill><a:srgbClr val="5E5E5E" /></a:solidFill><a:latin typeface="Courier" /></a:rPr><a:t>$</a:t></a:r><a:r><a:rPr><a:solidFill><a:srgbClr val="003B4F" /></a:solidFill><a:latin typeface="Courier" /></a:rPr><a:t>lfx)</a:t></a:r><a:br /><a:r><a:rPr><a:solidFill><a:srgbClr val="003B4F" /></a:solidFill><a:latin typeface="Courier" /></a:rPr><a:t>  ),</a:t></a:r><a:br /><a:r><a:rPr><a:solidFill><a:srgbClr val="003B4F" /></a:solidFill><a:latin typeface="Courier" /></a:rPr><a:t>  </a:t></a:r><a:r><a:rPr><a:solidFill><a:srgbClr val="657422" /></a:solidFill><a:latin typeface="Courier" /></a:rPr><a:t>GM =</a:t></a:r><a:r><a:rPr><a:solidFill><a:srgbClr val="003B4F" /></a:solidFill><a:latin typeface="Courier" /></a:rPr><a:t> </a:t></a:r><a:r><a:rPr><a:solidFill><a:srgbClr val="4758AB" /></a:solidFill><a:latin typeface="Courier" /></a:rPr><a:t>c</a:t></a:r><a:r><a:rPr><a:solidFill><a:srgbClr val="003B4F" /></a:solidFill><a:latin typeface="Courier" /></a:rPr><a:t>(</a:t></a:r><a:br /><a:r><a:rPr><a:solidFill><a:srgbClr val="003B4F" /></a:solidFill><a:latin typeface="Courier" /></a:rPr><a:t>    </a:t></a:r><a:r><a:rPr><a:solidFill><a:srgbClr val="4758AB" /></a:solidFill><a:latin typeface="Courier" /></a:rPr><a:t>geometric.mean</a:t></a:r><a:r><a:rPr><a:solidFill><a:srgbClr val="003B4F" /></a:solidFill><a:latin typeface="Courier" /></a:rPr><a:t>(d</a:t></a:r><a:r><a:rPr><a:solidFill><a:srgbClr val="5E5E5E" /></a:solidFill><a:latin typeface="Courier" /></a:rPr><a:t>$</a:t></a:r><a:r><a:rPr><a:solidFill><a:srgbClr val="003B4F" /></a:solidFill><a:latin typeface="Courier" /></a:rPr><a:t>lngdp),</a:t></a:r><a:br /><a:r><a:rPr><a:solidFill><a:srgbClr val="003B4F" /></a:solidFill><a:latin typeface="Courier" /></a:rPr><a:t>    </a:t></a:r><a:r><a:rPr><a:solidFill><a:srgbClr val="4758AB" /></a:solidFill><a:latin typeface="Courier" /></a:rPr><a:t>geometric.mean</a:t></a:r><a:r><a:rPr><a:solidFill><a:srgbClr val="003B4F" /></a:solidFill><a:latin typeface="Courier" /></a:rPr><a:t>(d</a:t></a:r><a:r><a:rPr><a:solidFill><a:srgbClr val="5E5E5E" /></a:solidFill><a:latin typeface="Courier" /></a:rPr><a:t>$</a:t></a:r><a:r><a:rPr><a:solidFill><a:srgbClr val="003B4F" /></a:solidFill><a:latin typeface="Courier" /></a:rPr><a:t>snt),</a:t></a:r><a:br /><a:r><a:rPr><a:solidFill><a:srgbClr val="003B4F" /></a:solidFill><a:latin typeface="Courier" /></a:rPr><a:t>    </a:t></a:r><a:r><a:rPr><a:solidFill><a:srgbClr val="4758AB" /></a:solidFill><a:latin typeface="Courier" /></a:rPr><a:t>geometric.mean</a:t></a:r><a:r><a:rPr><a:solidFill><a:srgbClr val="003B4F" /></a:solidFill><a:latin typeface="Courier" /></a:rPr><a:t>(d</a:t></a:r><a:r><a:rPr><a:solidFill><a:srgbClr val="5E5E5E" /></a:solidFill><a:latin typeface="Courier" /></a:rPr><a:t>$</a:t></a:r><a:r><a:rPr><a:solidFill><a:srgbClr val="003B4F" /></a:solidFill><a:latin typeface="Courier" /></a:rPr><a:t>lfx)</a:t></a:r><a:br /><a:r><a:rPr><a:solidFill><a:srgbClr val="003B4F" /></a:solidFill><a:latin typeface="Courier" /></a:rPr><a:t>  ),</a:t></a:r><a:br /><a:r><a:rPr><a:solidFill><a:srgbClr val="003B4F" /></a:solidFill><a:latin typeface="Courier" /></a:rPr><a:t>  </a:t></a:r><a:r><a:rPr><a:solidFill><a:srgbClr val="657422" /></a:solidFill><a:latin typeface="Courier" /></a:rPr><a:t>HM =</a:t></a:r><a:r><a:rPr><a:solidFill><a:srgbClr val="003B4F" /></a:solidFill><a:latin typeface="Courier" /></a:rPr><a:t> </a:t></a:r><a:r><a:rPr><a:solidFill><a:srgbClr val="4758AB" /></a:solidFill><a:latin typeface="Courier" /></a:rPr><a:t>c</a:t></a:r><a:r><a:rPr><a:solidFill><a:srgbClr val="003B4F" /></a:solidFill><a:latin typeface="Courier" /></a:rPr><a:t>(</a:t></a:r><a:br /><a:r><a:rPr><a:solidFill><a:srgbClr val="003B4F" /></a:solidFill><a:latin typeface="Courier" /></a:rPr><a:t>    </a:t></a:r><a:r><a:rPr><a:solidFill><a:srgbClr val="4758AB" /></a:solidFill><a:latin typeface="Courier" /></a:rPr><a:t>harmonic.mean</a:t></a:r><a:r><a:rPr><a:solidFill><a:srgbClr val="003B4F" /></a:solidFill><a:latin typeface="Courier" /></a:rPr><a:t>(d</a:t></a:r><a:r><a:rPr><a:solidFill><a:srgbClr val="5E5E5E" /></a:solidFill><a:latin typeface="Courier" /></a:rPr><a:t>$</a:t></a:r><a:r><a:rPr><a:solidFill><a:srgbClr val="003B4F" /></a:solidFill><a:latin typeface="Courier" /></a:rPr><a:t>lngdp),</a:t></a:r><a:br /><a:r><a:rPr><a:solidFill><a:srgbClr val="003B4F" /></a:solidFill><a:latin typeface="Courier" /></a:rPr><a:t>    </a:t></a:r><a:r><a:rPr><a:solidFill><a:srgbClr val="4758AB" /></a:solidFill><a:latin typeface="Courier" /></a:rPr><a:t>harmonic.mean</a:t></a:r><a:r><a:rPr><a:solidFill><a:srgbClr val="003B4F" /></a:solidFill><a:latin typeface="Courier" /></a:rPr><a:t>(d</a:t></a:r><a:r><a:rPr><a:solidFill><a:srgbClr val="5E5E5E" /></a:solidFill><a:latin typeface="Courier" /></a:rPr><a:t>$</a:t></a:r><a:r><a:rPr><a:solidFill><a:srgbClr val="003B4F" /></a:solidFill><a:latin typeface="Courier" /></a:rPr><a:t>snt),</a:t></a:r><a:br /><a:r><a:rPr><a:solidFill><a:srgbClr val="003B4F" /></a:solidFill><a:latin typeface="Courier" /></a:rPr><a:t>    </a:t></a:r><a:r><a:rPr><a:solidFill><a:srgbClr val="4758AB" /></a:solidFill><a:latin typeface="Courier" /></a:rPr><a:t>harmonic.mean</a:t></a:r><a:r><a:rPr><a:solidFill><a:srgbClr val="003B4F" /></a:solidFill><a:latin typeface="Courier" /></a:rPr><a:t>(d</a:t></a:r><a:r><a:rPr><a:solidFill><a:srgbClr val="5E5E5E" /></a:solidFill><a:latin typeface="Courier" /></a:rPr><a:t>$</a:t></a:r><a:r><a:rPr><a:solidFill><a:srgbClr val="003B4F" /></a:solidFill><a:latin typeface="Courier" /></a:rPr><a:t>lfx)</a:t></a:r><a:br /><a:r><a:rPr><a:solidFill><a:srgbClr val="003B4F" /></a:solidFill><a:latin typeface="Courier" /></a:rPr><a:t>  ),</a:t></a:r><a:br /><a:r><a:rPr><a:solidFill><a:srgbClr val="003B4F" /></a:solidFill><a:latin typeface="Courier" /></a:rPr><a:t>  </a:t></a:r><a:r><a:rPr><a:solidFill><a:srgbClr val="657422" /></a:solidFill><a:latin typeface="Courier" /></a:rPr><a:t>Median =</a:t></a:r><a:r><a:rPr><a:solidFill><a:srgbClr val="003B4F" /></a:solidFill><a:latin typeface="Courier" /></a:rPr><a:t> </a:t></a:r><a:r><a:rPr><a:solidFill><a:srgbClr val="4758AB" /></a:solidFill><a:latin typeface="Courier" /></a:rPr><a:t>c</a:t></a:r><a:r><a:rPr><a:solidFill><a:srgbClr val="003B4F" /></a:solidFill><a:latin typeface="Courier" /></a:rPr><a:t>(</a:t></a:r><a:br /><a:r><a:rPr><a:solidFill><a:srgbClr val="003B4F" /></a:solidFill><a:latin typeface="Courier" /></a:rPr><a:t>    </a:t></a:r><a:r><a:rPr><a:solidFill><a:srgbClr val="4758AB" /></a:solidFill><a:latin typeface="Courier" /></a:rPr><a:t>median</a:t></a:r><a:r><a:rPr><a:solidFill><a:srgbClr val="003B4F" /></a:solidFill><a:latin typeface="Courier" /></a:rPr><a:t>(d</a:t></a:r><a:r><a:rPr><a:solidFill><a:srgbClr val="5E5E5E" /></a:solidFill><a:latin typeface="Courier" /></a:rPr><a:t>$</a:t></a:r><a:r><a:rPr><a:solidFill><a:srgbClr val="003B4F" /></a:solidFill><a:latin typeface="Courier" /></a:rPr><a:t>lngdp),</a:t></a:r><a:br /><a:r><a:rPr><a:solidFill><a:srgbClr val="003B4F" /></a:solidFill><a:latin typeface="Courier" /></a:rPr><a:t>    </a:t></a:r><a:r><a:rPr><a:solidFill><a:srgbClr val="4758AB" /></a:solidFill><a:latin typeface="Courier" /></a:rPr><a:t>median</a:t></a:r><a:r><a:rPr><a:solidFill><a:srgbClr val="003B4F" /></a:solidFill><a:latin typeface="Courier" /></a:rPr><a:t>(d</a:t></a:r><a:r><a:rPr><a:solidFill><a:srgbClr val="5E5E5E" /></a:solidFill><a:latin typeface="Courier" /></a:rPr><a:t>$</a:t></a:r><a:r><a:rPr><a:solidFill><a:srgbClr val="003B4F" /></a:solidFill><a:latin typeface="Courier" /></a:rPr><a:t>snt),</a:t></a:r><a:br /><a:r><a:rPr><a:solidFill><a:srgbClr val="003B4F" /></a:solidFill><a:latin typeface="Courier" /></a:rPr><a:t>    </a:t></a:r><a:r><a:rPr><a:solidFill><a:srgbClr val="4758AB" /></a:solidFill><a:latin typeface="Courier" /></a:rPr><a:t>median</a:t></a:r><a:r><a:rPr><a:solidFill><a:srgbClr val="003B4F" /></a:solidFill><a:latin typeface="Courier" /></a:rPr><a:t>(d</a:t></a:r><a:r><a:rPr><a:solidFill><a:srgbClr val="5E5E5E" /></a:solidFill><a:latin typeface="Courier" /></a:rPr><a:t>$</a:t></a:r><a:r><a:rPr><a:solidFill><a:srgbClr val="003B4F" /></a:solidFill><a:latin typeface="Courier" /></a:rPr><a:t>lfx)</a:t></a:r><a:br /><a:r><a:rPr><a:solidFill><a:srgbClr val="003B4F" /></a:solidFill><a:latin typeface="Courier" /></a:rPr><a:t>  ),</a:t></a:r><a:br /><a:r><a:rPr><a:solidFill><a:srgbClr val="003B4F" /></a:solidFill><a:latin typeface="Courier" /></a:rPr><a:t>  </a:t></a:r><a:r><a:rPr><a:solidFill><a:srgbClr val="657422" /></a:solidFill><a:latin typeface="Courier" /></a:rPr><a:t>Mode =</a:t></a:r><a:r><a:rPr><a:solidFill><a:srgbClr val="003B4F" /></a:solidFill><a:latin typeface="Courier" /></a:rPr><a:t> </a:t></a:r><a:r><a:rPr><a:solidFill><a:srgbClr val="4758AB" /></a:solidFill><a:latin typeface="Courier" /></a:rPr><a:t>c</a:t></a:r><a:r><a:rPr><a:solidFill><a:srgbClr val="003B4F" /></a:solidFill><a:latin typeface="Courier" /></a:rPr><a:t>(</a:t></a:r><a:br /><a:r><a:rPr><a:solidFill><a:srgbClr val="003B4F" /></a:solidFill><a:latin typeface="Courier" /></a:rPr><a:t>    </a:t></a:r><a:r><a:rPr><a:solidFill><a:srgbClr val="4758AB" /></a:solidFill><a:latin typeface="Courier" /></a:rPr><a:t>getmode</a:t></a:r><a:r><a:rPr><a:solidFill><a:srgbClr val="003B4F" /></a:solidFill><a:latin typeface="Courier" /></a:rPr><a:t>(d</a:t></a:r><a:r><a:rPr><a:solidFill><a:srgbClr val="5E5E5E" /></a:solidFill><a:latin typeface="Courier" /></a:rPr><a:t>$</a:t></a:r><a:r><a:rPr><a:solidFill><a:srgbClr val="003B4F" /></a:solidFill><a:latin typeface="Courier" /></a:rPr><a:t>lngdp),</a:t></a:r><a:br /><a:r><a:rPr><a:solidFill><a:srgbClr val="003B4F" /></a:solidFill><a:latin typeface="Courier" /></a:rPr><a:t>    </a:t></a:r><a:r><a:rPr><a:solidFill><a:srgbClr val="4758AB" /></a:solidFill><a:latin typeface="Courier" /></a:rPr><a:t>getmode</a:t></a:r><a:r><a:rPr><a:solidFill><a:srgbClr val="003B4F" /></a:solidFill><a:latin typeface="Courier" /></a:rPr><a:t>(d</a:t></a:r><a:r><a:rPr><a:solidFill><a:srgbClr val="5E5E5E" /></a:solidFill><a:latin typeface="Courier" /></a:rPr><a:t>$</a:t></a:r><a:r><a:rPr><a:solidFill><a:srgbClr val="003B4F" /></a:solidFill><a:latin typeface="Courier" /></a:rPr><a:t>snt),</a:t></a:r><a:br /><a:r><a:rPr><a:solidFill><a:srgbClr val="003B4F" /></a:solidFill><a:latin typeface="Courier" /></a:rPr><a:t>    </a:t></a:r><a:r><a:rPr><a:solidFill><a:srgbClr val="4758AB" /></a:solidFill><a:latin typeface="Courier" /></a:rPr><a:t>getmode</a:t></a:r><a:r><a:rPr><a:solidFill><a:srgbClr val="003B4F" /></a:solidFill><a:latin typeface="Courier" /></a:rPr><a:t>(d</a:t></a:r><a:r><a:rPr><a:solidFill><a:srgbClr val="5E5E5E" /></a:solidFill><a:latin typeface="Courier" /></a:rPr><a:t>$</a:t></a:r><a:r><a:rPr><a:solidFill><a:srgbClr val="003B4F" /></a:solidFill><a:latin typeface="Courier" /></a:rPr><a:t>lfx)</a:t></a:r><a:br /><a:r><a:rPr><a:solidFill><a:srgbClr val="003B4F" /></a:solidFill><a:latin typeface="Courier" /></a:rPr><a:t>  )</a:t></a:r><a:br /><a:r><a:rPr><a:solidFill><a:srgbClr val="003B4F" /></a:solidFill><a:latin typeface="Courier" /></a:rPr><a:t>)</a:t></a:r><a:br /><a:br /><a:r><a:rPr><a:solidFill><a:srgbClr val="4758AB" /></a:solidFill><a:latin typeface="Courier" /></a:rPr><a:t>kable</a:t></a:r><a:r><a:rPr><a:solidFill><a:srgbClr val="003B4F" /></a:solidFill><a:latin typeface="Courier" /></a:rPr><a:t>(</a:t></a:r><a:br /><a:r><a:rPr><a:solidFill><a:srgbClr val="003B4F" /></a:solidFill><a:latin typeface="Courier" /></a:rPr><a:t>  d_central,</a:t></a:r><a:br /><a:r><a:rPr><a:solidFill><a:srgbClr val="003B4F" /></a:solidFill><a:latin typeface="Courier" /></a:rPr><a:t>  </a:t></a:r><a:r><a:rPr><a:solidFill><a:srgbClr val="657422" /></a:solidFill><a:latin typeface="Courier" /></a:rPr><a:t>col.names =</a:t></a:r><a:r><a:rPr><a:solidFill><a:srgbClr val="003B4F" /></a:solidFill><a:latin typeface="Courier" /></a:rPr><a:t> </a:t></a:r><a:r><a:rPr><a:solidFill><a:srgbClr val="4758AB" /></a:solidFill><a:latin typeface="Courier" /></a:rPr><a:t>c</a:t></a:r><a:r><a:rPr><a:solidFill><a:srgbClr val="003B4F" /></a:solidFill><a:latin typeface="Courier" /></a:rPr><a:t>(</a:t></a:r><a:br /><a:r><a:rPr><a:solidFill><a:srgbClr val="003B4F" /></a:solidFill><a:latin typeface="Courier" /></a:rPr><a:t>    </a:t></a:r><a:r><a:rPr><a:solidFill><a:srgbClr val="20794D" /></a:solidFill><a:latin typeface="Courier" /></a:rPr><a:t>&quot;$</a:t></a:r><a:r><a:rPr><a:solidFill><a:srgbClr val="5E5E5E" /></a:solidFill><a:latin typeface="Courier" /></a:rPr><a:t>\\</a:t></a:r><a:r><a:rPr><a:solidFill><a:srgbClr val="20794D" /></a:solidFill><a:latin typeface="Courier" /></a:rPr><a:t>bar{x}$&quot;</a:t></a:r><a:r><a:rPr><a:solidFill><a:srgbClr val="003B4F" /></a:solidFill><a:latin typeface="Courier" /></a:rPr><a:t>,</a:t></a:r><a:br /><a:r><a:rPr><a:solidFill><a:srgbClr val="003B4F" /></a:solidFill><a:latin typeface="Courier" /></a:rPr><a:t>    </a:t></a:r><a:r><a:rPr><a:solidFill><a:srgbClr val="20794D" /></a:solidFill><a:latin typeface="Courier" /></a:rPr><a:t>&quot;$</a:t></a:r><a:r><a:rPr><a:solidFill><a:srgbClr val="5E5E5E" /></a:solidFill><a:latin typeface="Courier" /></a:rPr><a:t>\\</a:t></a:r><a:r><a:rPr><a:solidFill><a:srgbClr val="20794D" /></a:solidFill><a:latin typeface="Courier" /></a:rPr><a:t>operatorname{GM}(x)$&quot;</a:t></a:r><a:r><a:rPr><a:solidFill><a:srgbClr val="003B4F" /></a:solidFill><a:latin typeface="Courier" /></a:rPr><a:t>,</a:t></a:r><a:br /><a:r><a:rPr><a:solidFill><a:srgbClr val="003B4F" /></a:solidFill><a:latin typeface="Courier" /></a:rPr><a:t>    </a:t></a:r><a:r><a:rPr><a:solidFill><a:srgbClr val="20794D" /></a:solidFill><a:latin typeface="Courier" /></a:rPr><a:t>&quot;$</a:t></a:r><a:r><a:rPr><a:solidFill><a:srgbClr val="5E5E5E" /></a:solidFill><a:latin typeface="Courier" /></a:rPr><a:t>\\</a:t></a:r><a:r><a:rPr><a:solidFill><a:srgbClr val="20794D" /></a:solidFill><a:latin typeface="Courier" /></a:rPr><a:t>operatorname{HM}(x)$&quot;</a:t></a:r><a:r><a:rPr><a:solidFill><a:srgbClr val="003B4F" /></a:solidFill><a:latin typeface="Courier" /></a:rPr><a:t>,</a:t></a:r><a:br /><a:r><a:rPr><a:solidFill><a:srgbClr val="003B4F" /></a:solidFill><a:latin typeface="Courier" /></a:rPr><a:t>    </a:t></a:r><a:r><a:rPr><a:solidFill><a:srgbClr val="20794D" /></a:solidFill><a:latin typeface="Courier" /></a:rPr><a:t>&quot;$</a:t></a:r><a:r><a:rPr><a:solidFill><a:srgbClr val="5E5E5E" /></a:solidFill><a:latin typeface="Courier" /></a:rPr><a:t>\\</a:t></a:r><a:r><a:rPr><a:solidFill><a:srgbClr val="20794D" /></a:solidFill><a:latin typeface="Courier" /></a:rPr><a:t>operatorname{median}(x)$&quot;</a:t></a:r><a:r><a:rPr><a:solidFill><a:srgbClr val="003B4F" /></a:solidFill><a:latin typeface="Courier" /></a:rPr><a:t>,</a:t></a:r><a:br /><a:r><a:rPr><a:solidFill><a:srgbClr val="003B4F" /></a:solidFill><a:latin typeface="Courier" /></a:rPr><a:t>    </a:t></a:r><a:r><a:rPr><a:solidFill><a:srgbClr val="20794D" /></a:solidFill><a:latin typeface="Courier" /></a:rPr><a:t>&quot;$</a:t></a:r><a:r><a:rPr><a:solidFill><a:srgbClr val="5E5E5E" /></a:solidFill><a:latin typeface="Courier" /></a:rPr><a:t>\\</a:t></a:r><a:r><a:rPr><a:solidFill><a:srgbClr val="20794D" /></a:solidFill><a:latin typeface="Courier" /></a:rPr><a:t>operatorname{mode}(x)$&quot;</a:t></a:r><a:br /><a:r><a:rPr><a:solidFill><a:srgbClr val="003B4F" /></a:solidFill><a:latin typeface="Courier" /></a:rPr><a:t>  ),</a:t></a:r><a:br /><a:r><a:rPr><a:solidFill><a:srgbClr val="003B4F" /></a:solidFill><a:latin typeface="Courier" /></a:rPr><a:t>  </a:t></a:r><a:r><a:rPr><a:solidFill><a:srgbClr val="657422" /></a:solidFill><a:latin typeface="Courier" /></a:rPr><a:t>digits=</a:t></a:r><a:r><a:rPr><a:solidFill><a:srgbClr val="AD0000" /></a:solidFill><a:latin typeface="Courier" /></a:rPr><a:t>5</a:t></a:r><a:br /><a:r><a:rPr><a:solidFill><a:srgbClr val="003B4F" /></a:solidFill><a:latin typeface="Courier" /></a:rPr><a:t>)</a:t></a:r></a:p></p:txBody></p:sp></mc:Choice></mc:AlternateContent><p:graphicFrame><p:nvGraphicFramePr><p:cNvPr id="6" name="Content Placeholder 5" /><p:cNvGraphicFramePr><a:graphicFrameLocks noGrp="1" /></p:cNvGraphicFramePr><p:nvPr><p:ph idx="1" /></p:nvPr></p:nvGraphicFramePr><p:xfrm><a:off x="4775200" y="1447800" /><a:ext cx="5194300" cy="4572000" /></p:xfrm><a:graphic><a:graphicData uri="http://schemas.openxmlformats.org/drawingml/2006/table"><a:tbl><a:tblPr firstRow="1" bandRow="1"><a:tableStyleId>{5C22544A-7EE6-4342-B048-85BDC9FD1C3A}</a:tableStyleId></a:tblPr><a:tblGrid><a:gridCol w="863600" /><a:gridCol w="863600" /><a:gridCol w="863600" /><a:gridCol w="863600" /><a:gridCol w="863600" /><a:gridCol w="863600" /></a:tblGrid><a:tr h="0"><a:tc><a:txBody><a:bodyPr /><a:lstStyle /><a:p><a:endParaRPr /></a:p></a:txBody><a:tcPr /></a:tc><a:tc><a:txBody><a:bodyPr /><a:lstStyle /><a:p><a:pPr lvl="0" indent="0" marL="0" algn="r"><a:buNone /></a:pPr><a14:m><m:oMath xmlns:m="http://schemas.openxmlformats.org/officeDocument/2006/math"><m:acc><m:accPr><m:chr m:val="‾" /></m:accPr><m:e><m:r><m:t>x</m:t></m:r></m:e></m:acc></m:oMath></a14:m></a:p></a:txBody><a:tcPr /></a:tc><a:tc><a:txBody><a:bodyPr /><a:lstStyle /><a:p><a:pPr lvl="0" indent="0" marL="0" algn="r"><a:buNone /></a:pPr><a14:m><m:oMath xmlns:m="http://schemas.openxmlformats.org/officeDocument/2006/math"><m:r><m:rPr><m:sty m:val="p" /></m:rPr><m:t>GM</m:t></m:r><m:d><m:dPr><m:begChr m:val="(" /><m:endChr m:val=")" /><m:sepChr m:val="" /><m:grow /></m:dPr><m:e><m:r><m:t>x</m:t></m:r></m:e></m:d></m:oMath></a14:m></a:p></a:txBody><a:tcPr /></a:tc><a:tc><a:txBody><a:bodyPr /><a:lstStyle /><a:p><a:pPr lvl="0" indent="0" marL="0" algn="r"><a:buNone /></a:pPr><a14:m><m:oMath xmlns:m="http://schemas.openxmlformats.org/officeDocument/2006/math"><m:r><m:rPr><m:sty m:val="p" /></m:rPr><m:t>HM</m:t></m:r><m:d><m:dPr><m:begChr m:val="(" /><m:endChr m:val=")" /><m:sepChr m:val="" /><m:grow /></m:dPr><m:e><m:r><m:t>x</m:t></m:r></m:e></m:d></m:oMath></a14:m></a:p></a:txBody><a:tcPr /></a:tc><a:tc><a:txBody><a:bodyPr /><a:lstStyle /><a:p><a:pPr lvl="0" indent="0" marL="0" algn="r"><a:buNone /></a:pPr><a14:m><m:oMath xmlns:m="http://schemas.openxmlformats.org/officeDocument/2006/math"><m:r><m:rPr><m:sty m:val="p" /></m:rPr><m:t>median</m:t></m:r><m:d><m:dPr><m:begChr m:val="(" /><m:endChr m:val=")" /><m:sepChr m:val="" /><m:grow /></m:dPr><m:e><m:r><m:t>x</m:t></m:r></m:e></m:d></m:oMath></a14:m></a:p></a:txBody><a:tcPr /></a:tc><a:tc><a:txBody><a:bodyPr /><a:lstStyle /><a:p><a:pPr lvl="0" indent="0" marL="0" algn="r"><a:buNone /></a:pPr><a14:m><m:oMath xmlns:m="http://schemas.openxmlformats.org/officeDocument/2006/math"><m:r><m:rPr><m:sty m:val="p" /></m:rPr><m:t>mode</m:t></m:r><m:d><m:dPr><m:begChr m:val="(" /><m:endChr m:val=")" /><m:sepChr m:val="" /><m:grow /></m:dPr><m:e><m:r><m:t>x</m:t></m:r></m:e></m:d></m:oMath></a14:m></a:p></a:txBody><a:tcPr /></a:tc></a:tr><a:tr h="0"><a:tc><a:txBody><a:bodyPr /><a:lstStyle /><a:p><a:pPr lvl="0" indent="0" marL="0" algn="l"><a:buNone /></a:pPr><a:r><a:rPr i="1" /><a:t>ln(GDP)</a:t></a:r></a:p></a:txBody></a:tc><a:tc><a:txBody><a:bodyPr /><a:lstStyle /><a:p><a:pPr lvl="0" indent="0" marL="0" algn="r"><a:buNone /></a:pPr><a:r><a:rPr /><a:t>8.54124</a:t></a:r></a:p></a:txBody></a:tc><a:tc><a:txBody><a:bodyPr /><a:lstStyle /><a:p><a:pPr lvl="0" indent="0" marL="0" algn="r"><a:buNone /></a:pPr><a:r><a:rPr /><a:t>8.42229</a:t></a:r></a:p></a:txBody></a:tc><a:tc><a:txBody><a:bodyPr /><a:lstStyle /><a:p><a:pPr lvl="0" indent="0" marL="0" algn="r"><a:buNone /></a:pPr><a:r><a:rPr /><a:t>8.30248</a:t></a:r></a:p></a:txBody></a:tc><a:tc><a:txBody><a:bodyPr /><a:lstStyle /><a:p><a:pPr lvl="0" indent="0" marL="0" algn="r"><a:buNone /></a:pPr><a:r><a:rPr /><a:t>8.48673</a:t></a:r></a:p></a:txBody></a:tc><a:tc><a:txBody><a:bodyPr /><a:lstStyle /><a:p><a:pPr lvl="0" indent="0" marL="0" algn="r"><a:buNone /></a:pPr><a:r><a:rPr /><a:t>9.23014</a:t></a:r></a:p></a:txBody></a:tc></a:tr><a:tr h="0"><a:tc><a:txBody><a:bodyPr /><a:lstStyle /><a:p><a:pPr lvl="0" indent="0" marL="0" algn="l"><a:buNone /></a:pPr><a:r><a:rPr i="1" /><a:t>Sanitation</a:t></a:r></a:p></a:txBody></a:tc><a:tc><a:txBody><a:bodyPr /><a:lstStyle /><a:p><a:pPr lvl="0" indent="0" marL="0" algn="r"><a:buNone /></a:pPr><a:r><a:rPr /><a:t>72.43857</a:t></a:r></a:p></a:txBody></a:tc><a:tc><a:txBody><a:bodyPr /><a:lstStyle /><a:p><a:pPr lvl="0" indent="0" marL="0" algn="r"><a:buNone /></a:pPr><a:r><a:rPr /><a:t>62.58904</a:t></a:r></a:p></a:txBody></a:tc><a:tc><a:txBody><a:bodyPr /><a:lstStyle /><a:p><a:pPr lvl="0" indent="0" marL="0" algn="r"><a:buNone /></a:pPr><a:r><a:rPr /><a:t>47.61862</a:t></a:r></a:p></a:txBody></a:tc><a:tc><a:txBody><a:bodyPr /><a:lstStyle /><a:p><a:pPr lvl="0" indent="0" marL="0" algn="r"><a:buNone /></a:pPr><a:r><a:rPr /><a:t>85.60000</a:t></a:r></a:p></a:txBody></a:tc><a:tc><a:txBody><a:bodyPr /><a:lstStyle /><a:p><a:pPr lvl="0" indent="0" marL="0" algn="r"><a:buNone /></a:pPr><a:r><a:rPr /><a:t>100.00000</a:t></a:r></a:p></a:txBody></a:tc></a:tr><a:tr h="0"><a:tc><a:txBody><a:bodyPr /><a:lstStyle /><a:p><a:pPr lvl="0" indent="0" marL="0" algn="l"><a:buNone /></a:pPr><a:r><a:rPr i="1" /><a:t>Life Exp.</a:t></a:r></a:p></a:txBody></a:tc><a:tc><a:txBody><a:bodyPr /><a:lstStyle /><a:p><a:pPr lvl="0" indent="0" marL="0" algn="r"><a:buNone /></a:pPr><a:r><a:rPr /><a:t>70.54603</a:t></a:r></a:p></a:txBody></a:tc><a:tc><a:txBody><a:bodyPr /><a:lstStyle /><a:p><a:pPr lvl="0" indent="0" marL="0" algn="r"><a:buNone /></a:pPr><a:r><a:rPr /><a:t>69.95538</a:t></a:r></a:p></a:txBody></a:tc><a:tc><a:txBody><a:bodyPr /><a:lstStyle /><a:p><a:pPr lvl="0" indent="0" marL="0" algn="r"><a:buNone /></a:pPr><a:r><a:rPr /><a:t>69.28316</a:t></a:r></a:p></a:txBody></a:tc><a:tc><a:txBody><a:bodyPr /><a:lstStyle /><a:p><a:pPr lvl="0" indent="0" marL="0" algn="r"><a:buNone /></a:pPr><a:r><a:rPr /><a:t>72.40000</a:t></a:r></a:p></a:txBody></a:tc><a:tc><a:txBody><a:bodyPr /><a:lstStyle /><a:p><a:pPr lvl="0" indent="0" marL="0" algn="r"><a:buNone /></a:pPr><a:r><a:rPr /><a:t>73.20000</a:t></a:r></a:p></a:txBody></a:tc></a:tr></a:tbl></a:graphicData></a:graphic></p:graphicFrame></p:spTree></p:cSld></p:sld>
+\normalsize
+$$</a:t></a:r></a:p><a:p><a:pPr lvl="0" indent="0" marL="0"><a:buNone /></a:pPr><a:r><a:rPr /><a:t>$$
+\small
+\begin{aligned}
+\operatorname{median}(x)=\begin{cases}
+x_{(n + 1)/ 2} &amp;: n = 1 \mod{2} \\
+\frac{x_{(n/2)} + x_{((n/2)+1)}}{2} &amp;:n = 0 \mod{2}
+\end{cases} &amp;&amp;
+\operatorname{mode}(x) = x_{(n)}
+\end{aligned}
+\normalsize
+$$</a:t></a:r></a:p><a:p><a:pPr lvl="0" indent="0"><a:buNone /></a:pPr><a:r><a:rPr><a:solidFill><a:srgbClr val="003B4F" /></a:solidFill><a:latin typeface="Courier" /></a:rPr><a:t>getmode &lt;- function(v) {</a:t></a:r><a:br /><a:r><a:rPr><a:solidFill><a:srgbClr val="003B4F" /></a:solidFill><a:latin typeface="Courier" /></a:rPr><a:t> uniqv &lt;- </a:t></a:r><a:r><a:rPr><a:solidFill><a:srgbClr val="4758AB" /></a:solidFill><a:latin typeface="Courier" /></a:rPr><a:t>unique</a:t></a:r><a:r><a:rPr><a:solidFill><a:srgbClr val="003B4F" /></a:solidFill><a:latin typeface="Courier" /></a:rPr><a:t>(v)</a:t></a:r><a:br /><a:r><a:rPr><a:solidFill><a:srgbClr val="003B4F" /></a:solidFill><a:latin typeface="Courier" /></a:rPr><a:t> freq = </a:t></a:r><a:r><a:rPr><a:solidFill><a:srgbClr val="4758AB" /></a:solidFill><a:latin typeface="Courier" /></a:rPr><a:t>max</a:t></a:r><a:r><a:rPr><a:solidFill><a:srgbClr val="003B4F" /></a:solidFill><a:latin typeface="Courier" /></a:rPr><a:t>(</a:t></a:r><a:r><a:rPr><a:solidFill><a:srgbClr val="4758AB" /></a:solidFill><a:latin typeface="Courier" /></a:rPr><a:t>tabulate</a:t></a:r><a:r><a:rPr><a:solidFill><a:srgbClr val="003B4F" /></a:solidFill><a:latin typeface="Courier" /></a:rPr><a:t>(</a:t></a:r><a:r><a:rPr><a:solidFill><a:srgbClr val="4758AB" /></a:solidFill><a:latin typeface="Courier" /></a:rPr><a:t>match</a:t></a:r><a:r><a:rPr><a:solidFill><a:srgbClr val="003B4F" /></a:solidFill><a:latin typeface="Courier" /></a:rPr><a:t>(v, uniqv)))</a:t></a:r><a:br /><a:r><a:rPr><a:solidFill><a:srgbClr val="003B4F" /></a:solidFill><a:latin typeface="Courier" /></a:rPr><a:t> res = uniqv[</a:t></a:r><a:r><a:rPr><a:solidFill><a:srgbClr val="4758AB" /></a:solidFill><a:latin typeface="Courier" /></a:rPr><a:t>which.max</a:t></a:r><a:r><a:rPr><a:solidFill><a:srgbClr val="003B4F" /></a:solidFill><a:latin typeface="Courier" /></a:rPr><a:t>(</a:t></a:r><a:r><a:rPr><a:solidFill><a:srgbClr val="4758AB" /></a:solidFill><a:latin typeface="Courier" /></a:rPr><a:t>tabulate</a:t></a:r><a:r><a:rPr><a:solidFill><a:srgbClr val="003B4F" /></a:solidFill><a:latin typeface="Courier" /></a:rPr><a:t>(</a:t></a:r><a:r><a:rPr><a:solidFill><a:srgbClr val="4758AB" /></a:solidFill><a:latin typeface="Courier" /></a:rPr><a:t>match</a:t></a:r><a:r><a:rPr><a:solidFill><a:srgbClr val="003B4F" /></a:solidFill><a:latin typeface="Courier" /></a:rPr><a:t>(v, uniqv)))]</a:t></a:r><a:br /><a:r><a:rPr><a:solidFill><a:srgbClr val="003B4F" /></a:solidFill><a:latin typeface="Courier" /></a:rPr><a:t> if (freq </a:t></a:r><a:r><a:rPr><a:solidFill><a:srgbClr val="5E5E5E" /></a:solidFill><a:latin typeface="Courier" /></a:rPr><a:t>==</a:t></a:r><a:r><a:rPr><a:solidFill><a:srgbClr val="003B4F" /></a:solidFill><a:latin typeface="Courier" /></a:rPr><a:t> </a:t></a:r><a:r><a:rPr><a:solidFill><a:srgbClr val="AD0000" /></a:solidFill><a:latin typeface="Courier" /></a:rPr><a:t>1</a:t></a:r><a:r><a:rPr><a:solidFill><a:srgbClr val="003B4F" /></a:solidFill><a:latin typeface="Courier" /></a:rPr><a:t>) res = </a:t></a:r><a:r><a:rPr><a:solidFill><a:srgbClr val="8F5902" /></a:solidFill><a:latin typeface="Courier" /></a:rPr><a:t>NULL</a:t></a:r><a:br /><a:r><a:rPr><a:solidFill><a:srgbClr val="003B4F" /></a:solidFill><a:latin typeface="Courier" /></a:rPr><a:t> </a:t></a:r><a:r><a:rPr><a:solidFill><a:srgbClr val="4758AB" /></a:solidFill><a:latin typeface="Courier" /></a:rPr><a:t>return</a:t></a:r><a:r><a:rPr><a:solidFill><a:srgbClr val="003B4F" /></a:solidFill><a:latin typeface="Courier" /></a:rPr><a:t>(res)</a:t></a:r><a:br /><a:r><a:rPr><a:solidFill><a:srgbClr val="003B4F" /></a:solidFill><a:latin typeface="Courier" /></a:rPr><a:t>}</a:t></a:r><a:br /><a:br /><a:r><a:rPr><a:solidFill><a:srgbClr val="003B4F" /></a:solidFill><a:latin typeface="Courier" /></a:rPr><a:t>d_central = </a:t></a:r><a:r><a:rPr><a:solidFill><a:srgbClr val="4758AB" /></a:solidFill><a:latin typeface="Courier" /></a:rPr><a:t>data.frame</a:t></a:r><a:r><a:rPr><a:solidFill><a:srgbClr val="003B4F" /></a:solidFill><a:latin typeface="Courier" /></a:rPr><a:t>(</a:t></a:r><a:br /><a:r><a:rPr><a:solidFill><a:srgbClr val="003B4F" /></a:solidFill><a:latin typeface="Courier" /></a:rPr><a:t>  </a:t></a:r><a:r><a:rPr><a:solidFill><a:srgbClr val="657422" /></a:solidFill><a:latin typeface="Courier" /></a:rPr><a:t>row.names =</a:t></a:r><a:r><a:rPr><a:solidFill><a:srgbClr val="003B4F" /></a:solidFill><a:latin typeface="Courier" /></a:rPr><a:t> </a:t></a:r><a:r><a:rPr><a:solidFill><a:srgbClr val="20794D" /></a:solidFill><a:latin typeface="Courier" /></a:rPr><a:t>&quot;Variable&quot;</a:t></a:r><a:r><a:rPr><a:solidFill><a:srgbClr val="003B4F" /></a:solidFill><a:latin typeface="Courier" /></a:rPr><a:t>,</a:t></a:r><a:br /><a:r><a:rPr><a:solidFill><a:srgbClr val="003B4F" /></a:solidFill><a:latin typeface="Courier" /></a:rPr><a:t>  </a:t></a:r><a:r><a:rPr><a:solidFill><a:srgbClr val="657422" /></a:solidFill><a:latin typeface="Courier" /></a:rPr><a:t>Variable =</a:t></a:r><a:r><a:rPr><a:solidFill><a:srgbClr val="003B4F" /></a:solidFill><a:latin typeface="Courier" /></a:rPr><a:t> </a:t></a:r><a:r><a:rPr><a:solidFill><a:srgbClr val="4758AB" /></a:solidFill><a:latin typeface="Courier" /></a:rPr><a:t>c</a:t></a:r><a:r><a:rPr><a:solidFill><a:srgbClr val="003B4F" /></a:solidFill><a:latin typeface="Courier" /></a:rPr><a:t>(</a:t></a:r><a:br /><a:r><a:rPr><a:solidFill><a:srgbClr val="003B4F" /></a:solidFill><a:latin typeface="Courier" /></a:rPr><a:t>    </a:t></a:r><a:r><a:rPr><a:solidFill><a:srgbClr val="20794D" /></a:solidFill><a:latin typeface="Courier" /></a:rPr><a:t>&quot;*ln(GDP)*&quot;</a:t></a:r><a:r><a:rPr><a:solidFill><a:srgbClr val="003B4F" /></a:solidFill><a:latin typeface="Courier" /></a:rPr><a:t>,</a:t></a:r><a:br /><a:r><a:rPr><a:solidFill><a:srgbClr val="003B4F" /></a:solidFill><a:latin typeface="Courier" /></a:rPr><a:t>    </a:t></a:r><a:r><a:rPr><a:solidFill><a:srgbClr val="20794D" /></a:solidFill><a:latin typeface="Courier" /></a:rPr><a:t>&quot;*Sanitation*&quot;</a:t></a:r><a:r><a:rPr><a:solidFill><a:srgbClr val="003B4F" /></a:solidFill><a:latin typeface="Courier" /></a:rPr><a:t>,</a:t></a:r><a:br /><a:r><a:rPr><a:solidFill><a:srgbClr val="003B4F" /></a:solidFill><a:latin typeface="Courier" /></a:rPr><a:t>    </a:t></a:r><a:r><a:rPr><a:solidFill><a:srgbClr val="20794D" /></a:solidFill><a:latin typeface="Courier" /></a:rPr><a:t>&quot;*Life Exp.*&quot;</a:t></a:r><a:br /><a:r><a:rPr><a:solidFill><a:srgbClr val="003B4F" /></a:solidFill><a:latin typeface="Courier" /></a:rPr><a:t>  ),</a:t></a:r><a:br /><a:r><a:rPr><a:solidFill><a:srgbClr val="003B4F" /></a:solidFill><a:latin typeface="Courier" /></a:rPr><a:t>  </a:t></a:r><a:r><a:rPr><a:solidFill><a:srgbClr val="657422" /></a:solidFill><a:latin typeface="Courier" /></a:rPr><a:t>Mean =</a:t></a:r><a:r><a:rPr><a:solidFill><a:srgbClr val="003B4F" /></a:solidFill><a:latin typeface="Courier" /></a:rPr><a:t> </a:t></a:r><a:r><a:rPr><a:solidFill><a:srgbClr val="4758AB" /></a:solidFill><a:latin typeface="Courier" /></a:rPr><a:t>c</a:t></a:r><a:r><a:rPr><a:solidFill><a:srgbClr val="003B4F" /></a:solidFill><a:latin typeface="Courier" /></a:rPr><a:t>(</a:t></a:r><a:br /><a:r><a:rPr><a:solidFill><a:srgbClr val="003B4F" /></a:solidFill><a:latin typeface="Courier" /></a:rPr><a:t>    </a:t></a:r><a:r><a:rPr><a:solidFill><a:srgbClr val="4758AB" /></a:solidFill><a:latin typeface="Courier" /></a:rPr><a:t>mean</a:t></a:r><a:r><a:rPr><a:solidFill><a:srgbClr val="003B4F" /></a:solidFill><a:latin typeface="Courier" /></a:rPr><a:t>(d</a:t></a:r><a:r><a:rPr><a:solidFill><a:srgbClr val="5E5E5E" /></a:solidFill><a:latin typeface="Courier" /></a:rPr><a:t>$</a:t></a:r><a:r><a:rPr><a:solidFill><a:srgbClr val="003B4F" /></a:solidFill><a:latin typeface="Courier" /></a:rPr><a:t>lngdp),</a:t></a:r><a:br /><a:r><a:rPr><a:solidFill><a:srgbClr val="003B4F" /></a:solidFill><a:latin typeface="Courier" /></a:rPr><a:t>    </a:t></a:r><a:r><a:rPr><a:solidFill><a:srgbClr val="4758AB" /></a:solidFill><a:latin typeface="Courier" /></a:rPr><a:t>mean</a:t></a:r><a:r><a:rPr><a:solidFill><a:srgbClr val="003B4F" /></a:solidFill><a:latin typeface="Courier" /></a:rPr><a:t>(d</a:t></a:r><a:r><a:rPr><a:solidFill><a:srgbClr val="5E5E5E" /></a:solidFill><a:latin typeface="Courier" /></a:rPr><a:t>$</a:t></a:r><a:r><a:rPr><a:solidFill><a:srgbClr val="003B4F" /></a:solidFill><a:latin typeface="Courier" /></a:rPr><a:t>snt),</a:t></a:r><a:br /><a:r><a:rPr><a:solidFill><a:srgbClr val="003B4F" /></a:solidFill><a:latin typeface="Courier" /></a:rPr><a:t>    </a:t></a:r><a:r><a:rPr><a:solidFill><a:srgbClr val="4758AB" /></a:solidFill><a:latin typeface="Courier" /></a:rPr><a:t>mean</a:t></a:r><a:r><a:rPr><a:solidFill><a:srgbClr val="003B4F" /></a:solidFill><a:latin typeface="Courier" /></a:rPr><a:t>(d</a:t></a:r><a:r><a:rPr><a:solidFill><a:srgbClr val="5E5E5E" /></a:solidFill><a:latin typeface="Courier" /></a:rPr><a:t>$</a:t></a:r><a:r><a:rPr><a:solidFill><a:srgbClr val="003B4F" /></a:solidFill><a:latin typeface="Courier" /></a:rPr><a:t>lfx)</a:t></a:r><a:br /><a:r><a:rPr><a:solidFill><a:srgbClr val="003B4F" /></a:solidFill><a:latin typeface="Courier" /></a:rPr><a:t>  ),</a:t></a:r><a:br /><a:r><a:rPr><a:solidFill><a:srgbClr val="003B4F" /></a:solidFill><a:latin typeface="Courier" /></a:rPr><a:t>  </a:t></a:r><a:r><a:rPr><a:solidFill><a:srgbClr val="657422" /></a:solidFill><a:latin typeface="Courier" /></a:rPr><a:t>GM =</a:t></a:r><a:r><a:rPr><a:solidFill><a:srgbClr val="003B4F" /></a:solidFill><a:latin typeface="Courier" /></a:rPr><a:t> </a:t></a:r><a:r><a:rPr><a:solidFill><a:srgbClr val="4758AB" /></a:solidFill><a:latin typeface="Courier" /></a:rPr><a:t>c</a:t></a:r><a:r><a:rPr><a:solidFill><a:srgbClr val="003B4F" /></a:solidFill><a:latin typeface="Courier" /></a:rPr><a:t>(</a:t></a:r><a:br /><a:r><a:rPr><a:solidFill><a:srgbClr val="003B4F" /></a:solidFill><a:latin typeface="Courier" /></a:rPr><a:t>    </a:t></a:r><a:r><a:rPr><a:solidFill><a:srgbClr val="4758AB" /></a:solidFill><a:latin typeface="Courier" /></a:rPr><a:t>geometric.mean</a:t></a:r><a:r><a:rPr><a:solidFill><a:srgbClr val="003B4F" /></a:solidFill><a:latin typeface="Courier" /></a:rPr><a:t>(d</a:t></a:r><a:r><a:rPr><a:solidFill><a:srgbClr val="5E5E5E" /></a:solidFill><a:latin typeface="Courier" /></a:rPr><a:t>$</a:t></a:r><a:r><a:rPr><a:solidFill><a:srgbClr val="003B4F" /></a:solidFill><a:latin typeface="Courier" /></a:rPr><a:t>lngdp),</a:t></a:r><a:br /><a:r><a:rPr><a:solidFill><a:srgbClr val="003B4F" /></a:solidFill><a:latin typeface="Courier" /></a:rPr><a:t>    </a:t></a:r><a:r><a:rPr><a:solidFill><a:srgbClr val="4758AB" /></a:solidFill><a:latin typeface="Courier" /></a:rPr><a:t>geometric.mean</a:t></a:r><a:r><a:rPr><a:solidFill><a:srgbClr val="003B4F" /></a:solidFill><a:latin typeface="Courier" /></a:rPr><a:t>(d</a:t></a:r><a:r><a:rPr><a:solidFill><a:srgbClr val="5E5E5E" /></a:solidFill><a:latin typeface="Courier" /></a:rPr><a:t>$</a:t></a:r><a:r><a:rPr><a:solidFill><a:srgbClr val="003B4F" /></a:solidFill><a:latin typeface="Courier" /></a:rPr><a:t>snt),</a:t></a:r><a:br /><a:r><a:rPr><a:solidFill><a:srgbClr val="003B4F" /></a:solidFill><a:latin typeface="Courier" /></a:rPr><a:t>    </a:t></a:r><a:r><a:rPr><a:solidFill><a:srgbClr val="4758AB" /></a:solidFill><a:latin typeface="Courier" /></a:rPr><a:t>geometric.mean</a:t></a:r><a:r><a:rPr><a:solidFill><a:srgbClr val="003B4F" /></a:solidFill><a:latin typeface="Courier" /></a:rPr><a:t>(d</a:t></a:r><a:r><a:rPr><a:solidFill><a:srgbClr val="5E5E5E" /></a:solidFill><a:latin typeface="Courier" /></a:rPr><a:t>$</a:t></a:r><a:r><a:rPr><a:solidFill><a:srgbClr val="003B4F" /></a:solidFill><a:latin typeface="Courier" /></a:rPr><a:t>lfx)</a:t></a:r><a:br /><a:r><a:rPr><a:solidFill><a:srgbClr val="003B4F" /></a:solidFill><a:latin typeface="Courier" /></a:rPr><a:t>  ),</a:t></a:r><a:br /><a:r><a:rPr><a:solidFill><a:srgbClr val="003B4F" /></a:solidFill><a:latin typeface="Courier" /></a:rPr><a:t>  </a:t></a:r><a:r><a:rPr><a:solidFill><a:srgbClr val="657422" /></a:solidFill><a:latin typeface="Courier" /></a:rPr><a:t>HM =</a:t></a:r><a:r><a:rPr><a:solidFill><a:srgbClr val="003B4F" /></a:solidFill><a:latin typeface="Courier" /></a:rPr><a:t> </a:t></a:r><a:r><a:rPr><a:solidFill><a:srgbClr val="4758AB" /></a:solidFill><a:latin typeface="Courier" /></a:rPr><a:t>c</a:t></a:r><a:r><a:rPr><a:solidFill><a:srgbClr val="003B4F" /></a:solidFill><a:latin typeface="Courier" /></a:rPr><a:t>(</a:t></a:r><a:br /><a:r><a:rPr><a:solidFill><a:srgbClr val="003B4F" /></a:solidFill><a:latin typeface="Courier" /></a:rPr><a:t>    </a:t></a:r><a:r><a:rPr><a:solidFill><a:srgbClr val="4758AB" /></a:solidFill><a:latin typeface="Courier" /></a:rPr><a:t>harmonic.mean</a:t></a:r><a:r><a:rPr><a:solidFill><a:srgbClr val="003B4F" /></a:solidFill><a:latin typeface="Courier" /></a:rPr><a:t>(d</a:t></a:r><a:r><a:rPr><a:solidFill><a:srgbClr val="5E5E5E" /></a:solidFill><a:latin typeface="Courier" /></a:rPr><a:t>$</a:t></a:r><a:r><a:rPr><a:solidFill><a:srgbClr val="003B4F" /></a:solidFill><a:latin typeface="Courier" /></a:rPr><a:t>lngdp),</a:t></a:r><a:br /><a:r><a:rPr><a:solidFill><a:srgbClr val="003B4F" /></a:solidFill><a:latin typeface="Courier" /></a:rPr><a:t>    </a:t></a:r><a:r><a:rPr><a:solidFill><a:srgbClr val="4758AB" /></a:solidFill><a:latin typeface="Courier" /></a:rPr><a:t>harmonic.mean</a:t></a:r><a:r><a:rPr><a:solidFill><a:srgbClr val="003B4F" /></a:solidFill><a:latin typeface="Courier" /></a:rPr><a:t>(d</a:t></a:r><a:r><a:rPr><a:solidFill><a:srgbClr val="5E5E5E" /></a:solidFill><a:latin typeface="Courier" /></a:rPr><a:t>$</a:t></a:r><a:r><a:rPr><a:solidFill><a:srgbClr val="003B4F" /></a:solidFill><a:latin typeface="Courier" /></a:rPr><a:t>snt),</a:t></a:r><a:br /><a:r><a:rPr><a:solidFill><a:srgbClr val="003B4F" /></a:solidFill><a:latin typeface="Courier" /></a:rPr><a:t>    </a:t></a:r><a:r><a:rPr><a:solidFill><a:srgbClr val="4758AB" /></a:solidFill><a:latin typeface="Courier" /></a:rPr><a:t>harmonic.mean</a:t></a:r><a:r><a:rPr><a:solidFill><a:srgbClr val="003B4F" /></a:solidFill><a:latin typeface="Courier" /></a:rPr><a:t>(d</a:t></a:r><a:r><a:rPr><a:solidFill><a:srgbClr val="5E5E5E" /></a:solidFill><a:latin typeface="Courier" /></a:rPr><a:t>$</a:t></a:r><a:r><a:rPr><a:solidFill><a:srgbClr val="003B4F" /></a:solidFill><a:latin typeface="Courier" /></a:rPr><a:t>lfx)</a:t></a:r><a:br /><a:r><a:rPr><a:solidFill><a:srgbClr val="003B4F" /></a:solidFill><a:latin typeface="Courier" /></a:rPr><a:t>  ),</a:t></a:r><a:br /><a:r><a:rPr><a:solidFill><a:srgbClr val="003B4F" /></a:solidFill><a:latin typeface="Courier" /></a:rPr><a:t>  </a:t></a:r><a:r><a:rPr><a:solidFill><a:srgbClr val="657422" /></a:solidFill><a:latin typeface="Courier" /></a:rPr><a:t>Median =</a:t></a:r><a:r><a:rPr><a:solidFill><a:srgbClr val="003B4F" /></a:solidFill><a:latin typeface="Courier" /></a:rPr><a:t> </a:t></a:r><a:r><a:rPr><a:solidFill><a:srgbClr val="4758AB" /></a:solidFill><a:latin typeface="Courier" /></a:rPr><a:t>c</a:t></a:r><a:r><a:rPr><a:solidFill><a:srgbClr val="003B4F" /></a:solidFill><a:latin typeface="Courier" /></a:rPr><a:t>(</a:t></a:r><a:br /><a:r><a:rPr><a:solidFill><a:srgbClr val="003B4F" /></a:solidFill><a:latin typeface="Courier" /></a:rPr><a:t>    </a:t></a:r><a:r><a:rPr><a:solidFill><a:srgbClr val="4758AB" /></a:solidFill><a:latin typeface="Courier" /></a:rPr><a:t>median</a:t></a:r><a:r><a:rPr><a:solidFill><a:srgbClr val="003B4F" /></a:solidFill><a:latin typeface="Courier" /></a:rPr><a:t>(d</a:t></a:r><a:r><a:rPr><a:solidFill><a:srgbClr val="5E5E5E" /></a:solidFill><a:latin typeface="Courier" /></a:rPr><a:t>$</a:t></a:r><a:r><a:rPr><a:solidFill><a:srgbClr val="003B4F" /></a:solidFill><a:latin typeface="Courier" /></a:rPr><a:t>lngdp),</a:t></a:r><a:br /><a:r><a:rPr><a:solidFill><a:srgbClr val="003B4F" /></a:solidFill><a:latin typeface="Courier" /></a:rPr><a:t>    </a:t></a:r><a:r><a:rPr><a:solidFill><a:srgbClr val="4758AB" /></a:solidFill><a:latin typeface="Courier" /></a:rPr><a:t>median</a:t></a:r><a:r><a:rPr><a:solidFill><a:srgbClr val="003B4F" /></a:solidFill><a:latin typeface="Courier" /></a:rPr><a:t>(d</a:t></a:r><a:r><a:rPr><a:solidFill><a:srgbClr val="5E5E5E" /></a:solidFill><a:latin typeface="Courier" /></a:rPr><a:t>$</a:t></a:r><a:r><a:rPr><a:solidFill><a:srgbClr val="003B4F" /></a:solidFill><a:latin typeface="Courier" /></a:rPr><a:t>snt),</a:t></a:r><a:br /><a:r><a:rPr><a:solidFill><a:srgbClr val="003B4F" /></a:solidFill><a:latin typeface="Courier" /></a:rPr><a:t>    </a:t></a:r><a:r><a:rPr><a:solidFill><a:srgbClr val="4758AB" /></a:solidFill><a:latin typeface="Courier" /></a:rPr><a:t>median</a:t></a:r><a:r><a:rPr><a:solidFill><a:srgbClr val="003B4F" /></a:solidFill><a:latin typeface="Courier" /></a:rPr><a:t>(d</a:t></a:r><a:r><a:rPr><a:solidFill><a:srgbClr val="5E5E5E" /></a:solidFill><a:latin typeface="Courier" /></a:rPr><a:t>$</a:t></a:r><a:r><a:rPr><a:solidFill><a:srgbClr val="003B4F" /></a:solidFill><a:latin typeface="Courier" /></a:rPr><a:t>lfx)</a:t></a:r><a:br /><a:r><a:rPr><a:solidFill><a:srgbClr val="003B4F" /></a:solidFill><a:latin typeface="Courier" /></a:rPr><a:t>  ),</a:t></a:r><a:br /><a:r><a:rPr><a:solidFill><a:srgbClr val="003B4F" /></a:solidFill><a:latin typeface="Courier" /></a:rPr><a:t>  </a:t></a:r><a:r><a:rPr><a:solidFill><a:srgbClr val="657422" /></a:solidFill><a:latin typeface="Courier" /></a:rPr><a:t>Mode =</a:t></a:r><a:r><a:rPr><a:solidFill><a:srgbClr val="003B4F" /></a:solidFill><a:latin typeface="Courier" /></a:rPr><a:t> </a:t></a:r><a:r><a:rPr><a:solidFill><a:srgbClr val="4758AB" /></a:solidFill><a:latin typeface="Courier" /></a:rPr><a:t>c</a:t></a:r><a:r><a:rPr><a:solidFill><a:srgbClr val="003B4F" /></a:solidFill><a:latin typeface="Courier" /></a:rPr><a:t>(</a:t></a:r><a:br /><a:r><a:rPr><a:solidFill><a:srgbClr val="003B4F" /></a:solidFill><a:latin typeface="Courier" /></a:rPr><a:t>    </a:t></a:r><a:r><a:rPr><a:solidFill><a:srgbClr val="4758AB" /></a:solidFill><a:latin typeface="Courier" /></a:rPr><a:t>getmode</a:t></a:r><a:r><a:rPr><a:solidFill><a:srgbClr val="003B4F" /></a:solidFill><a:latin typeface="Courier" /></a:rPr><a:t>(d</a:t></a:r><a:r><a:rPr><a:solidFill><a:srgbClr val="5E5E5E" /></a:solidFill><a:latin typeface="Courier" /></a:rPr><a:t>$</a:t></a:r><a:r><a:rPr><a:solidFill><a:srgbClr val="003B4F" /></a:solidFill><a:latin typeface="Courier" /></a:rPr><a:t>lngdp),</a:t></a:r><a:br /><a:r><a:rPr><a:solidFill><a:srgbClr val="003B4F" /></a:solidFill><a:latin typeface="Courier" /></a:rPr><a:t>    </a:t></a:r><a:r><a:rPr><a:solidFill><a:srgbClr val="4758AB" /></a:solidFill><a:latin typeface="Courier" /></a:rPr><a:t>getmode</a:t></a:r><a:r><a:rPr><a:solidFill><a:srgbClr val="003B4F" /></a:solidFill><a:latin typeface="Courier" /></a:rPr><a:t>(d</a:t></a:r><a:r><a:rPr><a:solidFill><a:srgbClr val="5E5E5E" /></a:solidFill><a:latin typeface="Courier" /></a:rPr><a:t>$</a:t></a:r><a:r><a:rPr><a:solidFill><a:srgbClr val="003B4F" /></a:solidFill><a:latin typeface="Courier" /></a:rPr><a:t>snt),</a:t></a:r><a:br /><a:r><a:rPr><a:solidFill><a:srgbClr val="003B4F" /></a:solidFill><a:latin typeface="Courier" /></a:rPr><a:t>    </a:t></a:r><a:r><a:rPr><a:solidFill><a:srgbClr val="4758AB" /></a:solidFill><a:latin typeface="Courier" /></a:rPr><a:t>getmode</a:t></a:r><a:r><a:rPr><a:solidFill><a:srgbClr val="003B4F" /></a:solidFill><a:latin typeface="Courier" /></a:rPr><a:t>(d</a:t></a:r><a:r><a:rPr><a:solidFill><a:srgbClr val="5E5E5E" /></a:solidFill><a:latin typeface="Courier" /></a:rPr><a:t>$</a:t></a:r><a:r><a:rPr><a:solidFill><a:srgbClr val="003B4F" /></a:solidFill><a:latin typeface="Courier" /></a:rPr><a:t>lfx)</a:t></a:r><a:br /><a:r><a:rPr><a:solidFill><a:srgbClr val="003B4F" /></a:solidFill><a:latin typeface="Courier" /></a:rPr><a:t>  )</a:t></a:r><a:br /><a:r><a:rPr><a:solidFill><a:srgbClr val="003B4F" /></a:solidFill><a:latin typeface="Courier" /></a:rPr><a:t>)</a:t></a:r><a:br /><a:br /><a:r><a:rPr><a:solidFill><a:srgbClr val="4758AB" /></a:solidFill><a:latin typeface="Courier" /></a:rPr><a:t>kable</a:t></a:r><a:r><a:rPr><a:solidFill><a:srgbClr val="003B4F" /></a:solidFill><a:latin typeface="Courier" /></a:rPr><a:t>(</a:t></a:r><a:br /><a:r><a:rPr><a:solidFill><a:srgbClr val="003B4F" /></a:solidFill><a:latin typeface="Courier" /></a:rPr><a:t>  d_central,</a:t></a:r><a:br /><a:r><a:rPr><a:solidFill><a:srgbClr val="003B4F" /></a:solidFill><a:latin typeface="Courier" /></a:rPr><a:t>  </a:t></a:r><a:r><a:rPr><a:solidFill><a:srgbClr val="657422" /></a:solidFill><a:latin typeface="Courier" /></a:rPr><a:t>col.names =</a:t></a:r><a:r><a:rPr><a:solidFill><a:srgbClr val="003B4F" /></a:solidFill><a:latin typeface="Courier" /></a:rPr><a:t> </a:t></a:r><a:r><a:rPr><a:solidFill><a:srgbClr val="4758AB" /></a:solidFill><a:latin typeface="Courier" /></a:rPr><a:t>c</a:t></a:r><a:r><a:rPr><a:solidFill><a:srgbClr val="003B4F" /></a:solidFill><a:latin typeface="Courier" /></a:rPr><a:t>(</a:t></a:r><a:br /><a:r><a:rPr><a:solidFill><a:srgbClr val="003B4F" /></a:solidFill><a:latin typeface="Courier" /></a:rPr><a:t>    </a:t></a:r><a:r><a:rPr><a:solidFill><a:srgbClr val="20794D" /></a:solidFill><a:latin typeface="Courier" /></a:rPr><a:t>&quot;$</a:t></a:r><a:r><a:rPr><a:solidFill><a:srgbClr val="5E5E5E" /></a:solidFill><a:latin typeface="Courier" /></a:rPr><a:t>\\</a:t></a:r><a:r><a:rPr><a:solidFill><a:srgbClr val="20794D" /></a:solidFill><a:latin typeface="Courier" /></a:rPr><a:t>bar{x}$&quot;</a:t></a:r><a:r><a:rPr><a:solidFill><a:srgbClr val="003B4F" /></a:solidFill><a:latin typeface="Courier" /></a:rPr><a:t>,</a:t></a:r><a:br /><a:r><a:rPr><a:solidFill><a:srgbClr val="003B4F" /></a:solidFill><a:latin typeface="Courier" /></a:rPr><a:t>    </a:t></a:r><a:r><a:rPr><a:solidFill><a:srgbClr val="20794D" /></a:solidFill><a:latin typeface="Courier" /></a:rPr><a:t>&quot;$</a:t></a:r><a:r><a:rPr><a:solidFill><a:srgbClr val="5E5E5E" /></a:solidFill><a:latin typeface="Courier" /></a:rPr><a:t>\\</a:t></a:r><a:r><a:rPr><a:solidFill><a:srgbClr val="20794D" /></a:solidFill><a:latin typeface="Courier" /></a:rPr><a:t>operatorname{GM}(x)$&quot;</a:t></a:r><a:r><a:rPr><a:solidFill><a:srgbClr val="003B4F" /></a:solidFill><a:latin typeface="Courier" /></a:rPr><a:t>,</a:t></a:r><a:br /><a:r><a:rPr><a:solidFill><a:srgbClr val="003B4F" /></a:solidFill><a:latin typeface="Courier" /></a:rPr><a:t>    </a:t></a:r><a:r><a:rPr><a:solidFill><a:srgbClr val="20794D" /></a:solidFill><a:latin typeface="Courier" /></a:rPr><a:t>&quot;$</a:t></a:r><a:r><a:rPr><a:solidFill><a:srgbClr val="5E5E5E" /></a:solidFill><a:latin typeface="Courier" /></a:rPr><a:t>\\</a:t></a:r><a:r><a:rPr><a:solidFill><a:srgbClr val="20794D" /></a:solidFill><a:latin typeface="Courier" /></a:rPr><a:t>operatorname{HM}(x)$&quot;</a:t></a:r><a:r><a:rPr><a:solidFill><a:srgbClr val="003B4F" /></a:solidFill><a:latin typeface="Courier" /></a:rPr><a:t>,</a:t></a:r><a:br /><a:r><a:rPr><a:solidFill><a:srgbClr val="003B4F" /></a:solidFill><a:latin typeface="Courier" /></a:rPr><a:t>    </a:t></a:r><a:r><a:rPr><a:solidFill><a:srgbClr val="20794D" /></a:solidFill><a:latin typeface="Courier" /></a:rPr><a:t>&quot;$</a:t></a:r><a:r><a:rPr><a:solidFill><a:srgbClr val="5E5E5E" /></a:solidFill><a:latin typeface="Courier" /></a:rPr><a:t>\\</a:t></a:r><a:r><a:rPr><a:solidFill><a:srgbClr val="20794D" /></a:solidFill><a:latin typeface="Courier" /></a:rPr><a:t>operatorname{median}(x)$&quot;</a:t></a:r><a:r><a:rPr><a:solidFill><a:srgbClr val="003B4F" /></a:solidFill><a:latin typeface="Courier" /></a:rPr><a:t>,</a:t></a:r><a:br /><a:r><a:rPr><a:solidFill><a:srgbClr val="003B4F" /></a:solidFill><a:latin typeface="Courier" /></a:rPr><a:t>    </a:t></a:r><a:r><a:rPr><a:solidFill><a:srgbClr val="20794D" /></a:solidFill><a:latin typeface="Courier" /></a:rPr><a:t>&quot;$</a:t></a:r><a:r><a:rPr><a:solidFill><a:srgbClr val="5E5E5E" /></a:solidFill><a:latin typeface="Courier" /></a:rPr><a:t>\\</a:t></a:r><a:r><a:rPr><a:solidFill><a:srgbClr val="20794D" /></a:solidFill><a:latin typeface="Courier" /></a:rPr><a:t>operatorname{mode}(x)$&quot;</a:t></a:r><a:br /><a:r><a:rPr><a:solidFill><a:srgbClr val="003B4F" /></a:solidFill><a:latin typeface="Courier" /></a:rPr><a:t>  ),</a:t></a:r><a:br /><a:r><a:rPr><a:solidFill><a:srgbClr val="003B4F" /></a:solidFill><a:latin typeface="Courier" /></a:rPr><a:t>  </a:t></a:r><a:r><a:rPr><a:solidFill><a:srgbClr val="657422" /></a:solidFill><a:latin typeface="Courier" /></a:rPr><a:t>digits=</a:t></a:r><a:r><a:rPr><a:solidFill><a:srgbClr val="AD0000" /></a:solidFill><a:latin typeface="Courier" /></a:rPr><a:t>5</a:t></a:r><a:br /><a:r><a:rPr><a:solidFill><a:srgbClr val="003B4F" /></a:solidFill><a:latin typeface="Courier" /></a:rPr><a:t>)</a:t></a:r></a:p></p:txBody></p:sp></mc:Choice></mc:AlternateContent><p:graphicFrame><p:nvGraphicFramePr><p:cNvPr id="6" name="Content Placeholder 5" /><p:cNvGraphicFramePr><a:graphicFrameLocks noGrp="1" /></p:cNvGraphicFramePr><p:nvPr><p:ph idx="1" /></p:nvPr></p:nvGraphicFramePr><p:xfrm><a:off x="4775200" y="1447800" /><a:ext cx="5194300" cy="4572000" /></p:xfrm><a:graphic><a:graphicData uri="http://schemas.openxmlformats.org/drawingml/2006/table"><a:tbl><a:tblPr firstRow="1" bandRow="1"><a:tableStyleId>{5C22544A-7EE6-4342-B048-85BDC9FD1C3A}</a:tableStyleId></a:tblPr><a:tblGrid><a:gridCol w="863600" /><a:gridCol w="863600" /><a:gridCol w="863600" /><a:gridCol w="863600" /><a:gridCol w="863600" /><a:gridCol w="863600" /></a:tblGrid><a:tr h="0"><a:tc><a:txBody><a:bodyPr /><a:lstStyle /><a:p><a:endParaRPr /></a:p></a:txBody><a:tcPr /></a:tc><a:tc><a:txBody><a:bodyPr /><a:lstStyle /><a:p><a:pPr lvl="0" indent="0" marL="0" algn="r"><a:buNone /></a:pPr><a14:m><m:oMath xmlns:m="http://schemas.openxmlformats.org/officeDocument/2006/math"><m:acc><m:accPr><m:chr m:val="‾" /></m:accPr><m:e><m:r><m:t>x</m:t></m:r></m:e></m:acc></m:oMath></a14:m></a:p></a:txBody><a:tcPr /></a:tc><a:tc><a:txBody><a:bodyPr /><a:lstStyle /><a:p><a:pPr lvl="0" indent="0" marL="0" algn="r"><a:buNone /></a:pPr><a14:m><m:oMath xmlns:m="http://schemas.openxmlformats.org/officeDocument/2006/math"><m:r><m:rPr><m:sty m:val="p" /></m:rPr><m:t>GM</m:t></m:r><m:d><m:dPr><m:begChr m:val="(" /><m:endChr m:val=")" /><m:sepChr m:val="" /><m:grow /></m:dPr><m:e><m:r><m:t>x</m:t></m:r></m:e></m:d></m:oMath></a14:m></a:p></a:txBody><a:tcPr /></a:tc><a:tc><a:txBody><a:bodyPr /><a:lstStyle /><a:p><a:pPr lvl="0" indent="0" marL="0" algn="r"><a:buNone /></a:pPr><a14:m><m:oMath xmlns:m="http://schemas.openxmlformats.org/officeDocument/2006/math"><m:r><m:rPr><m:sty m:val="p" /></m:rPr><m:t>HM</m:t></m:r><m:d><m:dPr><m:begChr m:val="(" /><m:endChr m:val=")" /><m:sepChr m:val="" /><m:grow /></m:dPr><m:e><m:r><m:t>x</m:t></m:r></m:e></m:d></m:oMath></a14:m></a:p></a:txBody><a:tcPr /></a:tc><a:tc><a:txBody><a:bodyPr /><a:lstStyle /><a:p><a:pPr lvl="0" indent="0" marL="0" algn="r"><a:buNone /></a:pPr><a14:m><m:oMath xmlns:m="http://schemas.openxmlformats.org/officeDocument/2006/math"><m:r><m:rPr><m:sty m:val="p" /></m:rPr><m:t>median</m:t></m:r><m:d><m:dPr><m:begChr m:val="(" /><m:endChr m:val=")" /><m:sepChr m:val="" /><m:grow /></m:dPr><m:e><m:r><m:t>x</m:t></m:r></m:e></m:d></m:oMath></a14:m></a:p></a:txBody><a:tcPr /></a:tc><a:tc><a:txBody><a:bodyPr /><a:lstStyle /><a:p><a:pPr lvl="0" indent="0" marL="0" algn="r"><a:buNone /></a:pPr><a14:m><m:oMath xmlns:m="http://schemas.openxmlformats.org/officeDocument/2006/math"><m:r><m:rPr><m:sty m:val="p" /></m:rPr><m:t>mode</m:t></m:r><m:d><m:dPr><m:begChr m:val="(" /><m:endChr m:val=")" /><m:sepChr m:val="" /><m:grow /></m:dPr><m:e><m:r><m:t>x</m:t></m:r></m:e></m:d></m:oMath></a14:m></a:p></a:txBody><a:tcPr /></a:tc></a:tr><a:tr h="0"><a:tc><a:txBody><a:bodyPr /><a:lstStyle /><a:p><a:pPr lvl="0" indent="0" marL="0" algn="l"><a:buNone /></a:pPr><a:r><a:rPr i="1" /><a:t>ln(GDP)</a:t></a:r></a:p></a:txBody></a:tc><a:tc><a:txBody><a:bodyPr /><a:lstStyle /><a:p><a:pPr lvl="0" indent="0" marL="0" algn="r"><a:buNone /></a:pPr><a:r><a:rPr /><a:t>8.54124</a:t></a:r></a:p></a:txBody></a:tc><a:tc><a:txBody><a:bodyPr /><a:lstStyle /><a:p><a:pPr lvl="0" indent="0" marL="0" algn="r"><a:buNone /></a:pPr><a:r><a:rPr /><a:t>8.42229</a:t></a:r></a:p></a:txBody></a:tc><a:tc><a:txBody><a:bodyPr /><a:lstStyle /><a:p><a:pPr lvl="0" indent="0" marL="0" algn="r"><a:buNone /></a:pPr><a:r><a:rPr /><a:t>8.30248</a:t></a:r></a:p></a:txBody></a:tc><a:tc><a:txBody><a:bodyPr /><a:lstStyle /><a:p><a:pPr lvl="0" indent="0" marL="0" algn="r"><a:buNone /></a:pPr><a:r><a:rPr /><a:t>8.48673</a:t></a:r></a:p></a:txBody></a:tc><a:tc><a:txBody><a:bodyPr /><a:lstStyle /><a:p><a:pPr lvl="0" indent="0" marL="0" algn="r"><a:buNone /></a:pPr><a:r><a:rPr /><a:t>9.23014</a:t></a:r></a:p></a:txBody></a:tc></a:tr><a:tr h="0"><a:tc><a:txBody><a:bodyPr /><a:lstStyle /><a:p><a:pPr lvl="0" indent="0" marL="0" algn="l"><a:buNone /></a:pPr><a:r><a:rPr i="1" /><a:t>Sanitation</a:t></a:r></a:p></a:txBody></a:tc><a:tc><a:txBody><a:bodyPr /><a:lstStyle /><a:p><a:pPr lvl="0" indent="0" marL="0" algn="r"><a:buNone /></a:pPr><a:r><a:rPr /><a:t>72.43857</a:t></a:r></a:p></a:txBody></a:tc><a:tc><a:txBody><a:bodyPr /><a:lstStyle /><a:p><a:pPr lvl="0" indent="0" marL="0" algn="r"><a:buNone /></a:pPr><a:r><a:rPr /><a:t>62.58904</a:t></a:r></a:p></a:txBody></a:tc><a:tc><a:txBody><a:bodyPr /><a:lstStyle /><a:p><a:pPr lvl="0" indent="0" marL="0" algn="r"><a:buNone /></a:pPr><a:r><a:rPr /><a:t>47.61862</a:t></a:r></a:p></a:txBody></a:tc><a:tc><a:txBody><a:bodyPr /><a:lstStyle /><a:p><a:pPr lvl="0" indent="0" marL="0" algn="r"><a:buNone /></a:pPr><a:r><a:rPr /><a:t>85.60000</a:t></a:r></a:p></a:txBody></a:tc><a:tc><a:txBody><a:bodyPr /><a:lstStyle /><a:p><a:pPr lvl="0" indent="0" marL="0" algn="r"><a:buNone /></a:pPr><a:r><a:rPr /><a:t>100.00000</a:t></a:r></a:p></a:txBody></a:tc></a:tr><a:tr h="0"><a:tc><a:txBody><a:bodyPr /><a:lstStyle /><a:p><a:pPr lvl="0" indent="0" marL="0" algn="l"><a:buNone /></a:pPr><a:r><a:rPr i="1" /><a:t>Life Exp.</a:t></a:r></a:p></a:txBody></a:tc><a:tc><a:txBody><a:bodyPr /><a:lstStyle /><a:p><a:pPr lvl="0" indent="0" marL="0" algn="r"><a:buNone /></a:pPr><a:r><a:rPr /><a:t>70.54603</a:t></a:r></a:p></a:txBody></a:tc><a:tc><a:txBody><a:bodyPr /><a:lstStyle /><a:p><a:pPr lvl="0" indent="0" marL="0" algn="r"><a:buNone /></a:pPr><a:r><a:rPr /><a:t>69.95538</a:t></a:r></a:p></a:txBody></a:tc><a:tc><a:txBody><a:bodyPr /><a:lstStyle /><a:p><a:pPr lvl="0" indent="0" marL="0" algn="r"><a:buNone /></a:pPr><a:r><a:rPr /><a:t>69.28316</a:t></a:r></a:p></a:txBody></a:tc><a:tc><a:txBody><a:bodyPr /><a:lstStyle /><a:p><a:pPr lvl="0" indent="0" marL="0" algn="r"><a:buNone /></a:pPr><a:r><a:rPr /><a:t>72.40000</a:t></a:r></a:p></a:txBody></a:tc><a:tc><a:txBody><a:bodyPr /><a:lstStyle /><a:p><a:pPr lvl="0" indent="0" marL="0" algn="r"><a:buNone /></a:pPr><a:r><a:rPr /><a:t>73.20000</a:t></a:r></a:p></a:txBody></a:tc></a:tr></a:tbl></a:graphicData></a:graphic></p:graphicFrame></p:spTree></p:cSld></p:sld>
 </file>
 
 <file path=ppt/slides/slide5.xml><?xml version="1.0" encoding="UTF-8"?><p:sld xmlns:a="http://schemas.openxmlformats.org/drawingml/2006/main" xmlns:r="http://schemas.openxmlformats.org/officeDocument/2006/relationships" xmlns:p="http://schemas.openxmlformats.org/presentationml/2006/main"><p:cSld><p:spTree><p:nvGrpSpPr><p:cNvPr id="1" name="" /><p:cNvGrpSpPr /><p:nvPr /></p:nvGrpSpPr><p:grpSpPr><a:xfrm><a:off x="0" y="0" /><a:ext cx="0" cy="0" /><a:chOff x="0" y="0" /><a:chExt cx="0" cy="0" /></a:xfrm></p:grpSpPr><mc:AlternateContent xmlns:mc="http://schemas.openxmlformats.org/markup-compatibility/2006"><mc:Choice xmlns:a14="http://schemas.microsoft.com/office/drawing/2010/main" Requires="a14"><p:sp><p:nvSpPr><p:cNvPr id="4" name="Text Placeholder 3" /><p:cNvSpPr><a:spLocks noGrp="1" /></p:cNvSpPr><p:nvPr><p:ph idx="2" sz="half" type="body" /></p:nvPr></p:nvSpPr><p:spPr /><p:txBody><a:bodyPr /><a:lstStyle /><a:p><a:pPr lvl="0" indent="0" marL="0"><a:buNone /></a:pPr><a:r><a:rPr /><a:t>Note: </a:t></a:r><a14:m><m:oMath xmlns:m="http://schemas.openxmlformats.org/officeDocument/2006/math"><m:sSub><m:e><m:r><m:t>x</m:t></m:r></m:e><m:sub><m:r><m:t>i</m:t></m:r></m:sub></m:sSub></m:oMath></a14:m><a:r><a:rPr /><a:t> is the ith observation. </a:t></a:r><a14:m><m:oMath xmlns:m="http://schemas.openxmlformats.org/officeDocument/2006/math"><m:sSub><m:e><m:r><m:t>x</m:t></m:r></m:e><m:sub><m:d><m:dPr><m:begChr m:val="(" /><m:endChr m:val=")" /><m:sepChr m:val="" /><m:grow /></m:dPr><m:e><m:r><m:t>i</m:t></m:r></m:e></m:d></m:sub></m:sSub></m:oMath></a14:m><a:r><a:rPr /><a:t> is the ith largest observation.</a:t></a:r></a:p><a:p><a:pPr lvl="0" indent="0" marL="0"><a:spcBef><a:spcPts val="3000" /></a:spcBef><a:buNone /></a:pPr><a:r><a:rPr b="1" /><a:t>Measures of Dispersion</a:t></a:r></a:p><a:p><a:pPr lvl="0" indent="0" marL="0"><a:buNone /></a:pPr><a:r><a:rPr /><a:t>Range(x), Semi-int</a:t></a:r><a:r><a:rPr><a:latin typeface="Courier" /></a:rPr><a:t>..</a:t></a:r><a:r><a:rPr /><a:t> SIR(x), Mean Deviation about x’ </a:t></a:r><a14:m><m:oMath xmlns:m="http://schemas.openxmlformats.org/officeDocument/2006/math"><m:sSub><m:e><m:r><m:rPr><m:sty m:val="p" /></m:rPr><m:t>MD</m:t></m:r></m:e><m:sub><m:d><m:dPr><m:begChr m:val="(" /><m:endChr m:val=")" /><m:sepChr m:val="" /><m:grow /></m:dPr><m:e><m:r><m:t>x</m:t></m:r><m:r><m:rPr><m:sty m:val="p" /></m:rPr><m:t>′</m:t></m:r></m:e></m:d></m:sub></m:sSub><m:d><m:dPr><m:begChr m:val="(" /><m:endChr m:val=")" /><m:sepChr m:val="" /><m:grow /></m:dPr><m:e><m:r><m:t>x</m:t></m:r></m:e></m:d></m:oMath></a14:m><a:r><a:rPr /><a:t>, Variance </a:t></a:r><a14:m><m:oMath xmlns:m="http://schemas.openxmlformats.org/officeDocument/2006/math"><m:sSubSup><m:e><m:r><m:t>s</m:t></m:r></m:e><m:sub><m:r><m:t>x</m:t></m:r></m:sub><m:sup><m:r><m:t>2</m:t></m:r></m:sup></m:sSubSup></m:oMath></a14:m><a:r><a:rPr /><a:t>, Standard Deviation </a:t></a:r><a14:m><m:oMath xmlns:m="http://schemas.openxmlformats.org/officeDocument/2006/math"><m:sSub><m:e><m:r><m:t>s</m:t></m:r></m:e><m:sub><m:r><m:t>x</m:t></m:r></m:sub></m:sSub></m:oMath></a14:m><a:r><a:rPr /><a:t> are some measures of </a:t></a:r><a:r><a:rPr i="1" /><a:t>dispersion</a:t></a:r><a:r><a:rPr /><a:t> in the sample.</a:t></a:r></a:p><a:p><a:pPr lvl="0" indent="0" marL="0"><a:buNone /></a:pPr><a:r><a:rPr /><a:t>$$
 \small
 \begin{aligned}
 \operatorname{Range}(x)=|x_{(n)} - x_{(1)}| &amp;&amp;
-\ Q_1 = \operatorname{median}(x_{(1)}, \ldots ,x_{(\lfloor \frac{n}{2} \rfloor)}) &amp;&amp;
-\ Q_3 = \operatorname{median}(x_{(\lfloor \frac{n}{2} \rfloor + 1)}, \ldots , x_{(n)})
+\ Q_1 = \operatorname{median}(x_{(1)}, \ldots ,x_{(\lfloor \frac{n+1}{2} \rfloor)}) &amp;&amp;
+\ Q_3 = \operatorname{median}(x_{(\lfloor \frac{n+2}{2} \rfloor)}, \ldots , x_{(n)})
 \end{aligned}
+\normalsize
 $$</a:t></a:r></a:p><a:p><a:pPr lvl="0" indent="0" marL="0"><a:buNone /></a:pPr><a:r><a:rPr /><a:t>$$
 \small
 \begin{aligned}
@@ -12093,7 +12105,8 @@
 s_x = \sqrt{\frac{\sum_{i=1}^{n} \left(x_i - \bar{x}\right)^2}{n}} &amp;&amp;
 s^2_x= (s_x)^2
 \end{aligned}
-$$</a:t></a:r></a:p><a:p><a:pPr lvl="0" indent="0"><a:buNone /></a:pPr><a:r><a:rPr><a:solidFill><a:srgbClr val="003B4F" /></a:solidFill><a:latin typeface="Courier" /></a:rPr><a:t>getmd = function(x, </a:t></a:r><a:r><a:rPr><a:solidFill><a:srgbClr val="657422" /></a:solidFill><a:latin typeface="Courier" /></a:rPr><a:t>center =</a:t></a:r><a:r><a:rPr><a:solidFill><a:srgbClr val="003B4F" /></a:solidFill><a:latin typeface="Courier" /></a:rPr><a:t> </a:t></a:r><a:r><a:rPr><a:solidFill><a:srgbClr val="4758AB" /></a:solidFill><a:latin typeface="Courier" /></a:rPr><a:t>mean</a:t></a:r><a:r><a:rPr><a:solidFill><a:srgbClr val="003B4F" /></a:solidFill><a:latin typeface="Courier" /></a:rPr><a:t>(x)){</a:t></a:r><a:br /><a:r><a:rPr><a:solidFill><a:srgbClr val="003B4F" /></a:solidFill><a:latin typeface="Courier" /></a:rPr><a:t>  md = </a:t></a:r><a:r><a:rPr><a:solidFill><a:srgbClr val="4758AB" /></a:solidFill><a:latin typeface="Courier" /></a:rPr><a:t>mean</a:t></a:r><a:r><a:rPr><a:solidFill><a:srgbClr val="003B4F" /></a:solidFill><a:latin typeface="Courier" /></a:rPr><a:t>(</a:t></a:r><a:br /><a:r><a:rPr><a:solidFill><a:srgbClr val="003B4F" /></a:solidFill><a:latin typeface="Courier" /></a:rPr><a:t>    </a:t></a:r><a:r><a:rPr><a:solidFill><a:srgbClr val="4758AB" /></a:solidFill><a:latin typeface="Courier" /></a:rPr><a:t>abs</a:t></a:r><a:r><a:rPr><a:solidFill><a:srgbClr val="003B4F" /></a:solidFill><a:latin typeface="Courier" /></a:rPr><a:t>(</a:t></a:r><a:br /><a:r><a:rPr><a:solidFill><a:srgbClr val="003B4F" /></a:solidFill><a:latin typeface="Courier" /></a:rPr><a:t>      x </a:t></a:r><a:r><a:rPr><a:solidFill><a:srgbClr val="5E5E5E" /></a:solidFill><a:latin typeface="Courier" /></a:rPr><a:t>-</a:t></a:r><a:r><a:rPr><a:solidFill><a:srgbClr val="003B4F" /></a:solidFill><a:latin typeface="Courier" /></a:rPr><a:t> </a:t></a:r><a:r><a:rPr><a:solidFill><a:srgbClr val="4758AB" /></a:solidFill><a:latin typeface="Courier" /></a:rPr><a:t>rep</a:t></a:r><a:r><a:rPr><a:solidFill><a:srgbClr val="003B4F" /></a:solidFill><a:latin typeface="Courier" /></a:rPr><a:t>(center, </a:t></a:r><a:r><a:rPr><a:solidFill><a:srgbClr val="4758AB" /></a:solidFill><a:latin typeface="Courier" /></a:rPr><a:t>length</a:t></a:r><a:r><a:rPr><a:solidFill><a:srgbClr val="003B4F" /></a:solidFill><a:latin typeface="Courier" /></a:rPr><a:t>(x))</a:t></a:r><a:br /><a:r><a:rPr><a:solidFill><a:srgbClr val="003B4F" /></a:solidFill><a:latin typeface="Courier" /></a:rPr><a:t>      )</a:t></a:r><a:br /><a:r><a:rPr><a:solidFill><a:srgbClr val="003B4F" /></a:solidFill><a:latin typeface="Courier" /></a:rPr><a:t>    )</a:t></a:r><a:br /><a:r><a:rPr><a:solidFill><a:srgbClr val="003B4F" /></a:solidFill><a:latin typeface="Courier" /></a:rPr><a:t>  </a:t></a:r><a:r><a:rPr><a:solidFill><a:srgbClr val="4758AB" /></a:solidFill><a:latin typeface="Courier" /></a:rPr><a:t>return</a:t></a:r><a:r><a:rPr><a:solidFill><a:srgbClr val="003B4F" /></a:solidFill><a:latin typeface="Courier" /></a:rPr><a:t>(md)</a:t></a:r><a:br /><a:r><a:rPr><a:solidFill><a:srgbClr val="003B4F" /></a:solidFill><a:latin typeface="Courier" /></a:rPr><a:t>}</a:t></a:r><a:br /><a:r><a:rPr><a:solidFill><a:srgbClr val="003B4F" /></a:solidFill><a:latin typeface="Courier" /></a:rPr><a:t>d_disp = </a:t></a:r><a:r><a:rPr><a:solidFill><a:srgbClr val="4758AB" /></a:solidFill><a:latin typeface="Courier" /></a:rPr><a:t>data.frame</a:t></a:r><a:r><a:rPr><a:solidFill><a:srgbClr val="003B4F" /></a:solidFill><a:latin typeface="Courier" /></a:rPr><a:t>(</a:t></a:r><a:br /><a:r><a:rPr><a:solidFill><a:srgbClr val="003B4F" /></a:solidFill><a:latin typeface="Courier" /></a:rPr><a:t>  </a:t></a:r><a:r><a:rPr><a:solidFill><a:srgbClr val="657422" /></a:solidFill><a:latin typeface="Courier" /></a:rPr><a:t>row.names =</a:t></a:r><a:r><a:rPr><a:solidFill><a:srgbClr val="003B4F" /></a:solidFill><a:latin typeface="Courier" /></a:rPr><a:t> </a:t></a:r><a:r><a:rPr><a:solidFill><a:srgbClr val="20794D" /></a:solidFill><a:latin typeface="Courier" /></a:rPr><a:t>&quot;Variable&quot;</a:t></a:r><a:r><a:rPr><a:solidFill><a:srgbClr val="003B4F" /></a:solidFill><a:latin typeface="Courier" /></a:rPr><a:t>,</a:t></a:r><a:br /><a:r><a:rPr><a:solidFill><a:srgbClr val="003B4F" /></a:solidFill><a:latin typeface="Courier" /></a:rPr><a:t>  </a:t></a:r><a:r><a:rPr><a:solidFill><a:srgbClr val="657422" /></a:solidFill><a:latin typeface="Courier" /></a:rPr><a:t>Variable =</a:t></a:r><a:r><a:rPr><a:solidFill><a:srgbClr val="003B4F" /></a:solidFill><a:latin typeface="Courier" /></a:rPr><a:t> </a:t></a:r><a:r><a:rPr><a:solidFill><a:srgbClr val="4758AB" /></a:solidFill><a:latin typeface="Courier" /></a:rPr><a:t>c</a:t></a:r><a:r><a:rPr><a:solidFill><a:srgbClr val="003B4F" /></a:solidFill><a:latin typeface="Courier" /></a:rPr><a:t>(</a:t></a:r><a:br /><a:r><a:rPr><a:solidFill><a:srgbClr val="003B4F" /></a:solidFill><a:latin typeface="Courier" /></a:rPr><a:t>    </a:t></a:r><a:r><a:rPr><a:solidFill><a:srgbClr val="20794D" /></a:solidFill><a:latin typeface="Courier" /></a:rPr><a:t>&quot;*ln(GDP)*&quot;</a:t></a:r><a:r><a:rPr><a:solidFill><a:srgbClr val="003B4F" /></a:solidFill><a:latin typeface="Courier" /></a:rPr><a:t>,</a:t></a:r><a:br /><a:r><a:rPr><a:solidFill><a:srgbClr val="003B4F" /></a:solidFill><a:latin typeface="Courier" /></a:rPr><a:t>    </a:t></a:r><a:r><a:rPr><a:solidFill><a:srgbClr val="20794D" /></a:solidFill><a:latin typeface="Courier" /></a:rPr><a:t>&quot;*Sanitation*&quot;</a:t></a:r><a:r><a:rPr><a:solidFill><a:srgbClr val="003B4F" /></a:solidFill><a:latin typeface="Courier" /></a:rPr><a:t>,</a:t></a:r><a:br /><a:r><a:rPr><a:solidFill><a:srgbClr val="003B4F" /></a:solidFill><a:latin typeface="Courier" /></a:rPr><a:t>    </a:t></a:r><a:r><a:rPr><a:solidFill><a:srgbClr val="20794D" /></a:solidFill><a:latin typeface="Courier" /></a:rPr><a:t>&quot;*Life Exp.*&quot;</a:t></a:r><a:br /><a:r><a:rPr><a:solidFill><a:srgbClr val="003B4F" /></a:solidFill><a:latin typeface="Courier" /></a:rPr><a:t>  ),</a:t></a:r><a:br /><a:r><a:rPr><a:solidFill><a:srgbClr val="003B4F" /></a:solidFill><a:latin typeface="Courier" /></a:rPr><a:t>  </a:t></a:r><a:r><a:rPr><a:solidFill><a:srgbClr val="657422" /></a:solidFill><a:latin typeface="Courier" /></a:rPr><a:t>Range =</a:t></a:r><a:r><a:rPr><a:solidFill><a:srgbClr val="003B4F" /></a:solidFill><a:latin typeface="Courier" /></a:rPr><a:t> </a:t></a:r><a:r><a:rPr><a:solidFill><a:srgbClr val="4758AB" /></a:solidFill><a:latin typeface="Courier" /></a:rPr><a:t>c</a:t></a:r><a:r><a:rPr><a:solidFill><a:srgbClr val="003B4F" /></a:solidFill><a:latin typeface="Courier" /></a:rPr><a:t>(</a:t></a:r><a:br /><a:r><a:rPr><a:solidFill><a:srgbClr val="003B4F" /></a:solidFill><a:latin typeface="Courier" /></a:rPr><a:t>    </a:t></a:r><a:r><a:rPr><a:solidFill><a:srgbClr val="4758AB" /></a:solidFill><a:latin typeface="Courier" /></a:rPr><a:t>max</a:t></a:r><a:r><a:rPr><a:solidFill><a:srgbClr val="003B4F" /></a:solidFill><a:latin typeface="Courier" /></a:rPr><a:t>(d</a:t></a:r><a:r><a:rPr><a:solidFill><a:srgbClr val="5E5E5E" /></a:solidFill><a:latin typeface="Courier" /></a:rPr><a:t>$</a:t></a:r><a:r><a:rPr><a:solidFill><a:srgbClr val="003B4F" /></a:solidFill><a:latin typeface="Courier" /></a:rPr><a:t>lngdp) </a:t></a:r><a:r><a:rPr><a:solidFill><a:srgbClr val="5E5E5E" /></a:solidFill><a:latin typeface="Courier" /></a:rPr><a:t>-</a:t></a:r><a:r><a:rPr><a:solidFill><a:srgbClr val="003B4F" /></a:solidFill><a:latin typeface="Courier" /></a:rPr><a:t> </a:t></a:r><a:r><a:rPr><a:solidFill><a:srgbClr val="4758AB" /></a:solidFill><a:latin typeface="Courier" /></a:rPr><a:t>min</a:t></a:r><a:r><a:rPr><a:solidFill><a:srgbClr val="003B4F" /></a:solidFill><a:latin typeface="Courier" /></a:rPr><a:t>(d</a:t></a:r><a:r><a:rPr><a:solidFill><a:srgbClr val="5E5E5E" /></a:solidFill><a:latin typeface="Courier" /></a:rPr><a:t>$</a:t></a:r><a:r><a:rPr><a:solidFill><a:srgbClr val="003B4F" /></a:solidFill><a:latin typeface="Courier" /></a:rPr><a:t>lngdp),</a:t></a:r><a:br /><a:r><a:rPr><a:solidFill><a:srgbClr val="003B4F" /></a:solidFill><a:latin typeface="Courier" /></a:rPr><a:t>    </a:t></a:r><a:r><a:rPr><a:solidFill><a:srgbClr val="4758AB" /></a:solidFill><a:latin typeface="Courier" /></a:rPr><a:t>max</a:t></a:r><a:r><a:rPr><a:solidFill><a:srgbClr val="003B4F" /></a:solidFill><a:latin typeface="Courier" /></a:rPr><a:t>(d</a:t></a:r><a:r><a:rPr><a:solidFill><a:srgbClr val="5E5E5E" /></a:solidFill><a:latin typeface="Courier" /></a:rPr><a:t>$</a:t></a:r><a:r><a:rPr><a:solidFill><a:srgbClr val="003B4F" /></a:solidFill><a:latin typeface="Courier" /></a:rPr><a:t>snt) </a:t></a:r><a:r><a:rPr><a:solidFill><a:srgbClr val="5E5E5E" /></a:solidFill><a:latin typeface="Courier" /></a:rPr><a:t>-</a:t></a:r><a:r><a:rPr><a:solidFill><a:srgbClr val="003B4F" /></a:solidFill><a:latin typeface="Courier" /></a:rPr><a:t> </a:t></a:r><a:r><a:rPr><a:solidFill><a:srgbClr val="4758AB" /></a:solidFill><a:latin typeface="Courier" /></a:rPr><a:t>min</a:t></a:r><a:r><a:rPr><a:solidFill><a:srgbClr val="003B4F" /></a:solidFill><a:latin typeface="Courier" /></a:rPr><a:t>(d</a:t></a:r><a:r><a:rPr><a:solidFill><a:srgbClr val="5E5E5E" /></a:solidFill><a:latin typeface="Courier" /></a:rPr><a:t>$</a:t></a:r><a:r><a:rPr><a:solidFill><a:srgbClr val="003B4F" /></a:solidFill><a:latin typeface="Courier" /></a:rPr><a:t>snt),</a:t></a:r><a:br /><a:r><a:rPr><a:solidFill><a:srgbClr val="003B4F" /></a:solidFill><a:latin typeface="Courier" /></a:rPr><a:t>    </a:t></a:r><a:r><a:rPr><a:solidFill><a:srgbClr val="4758AB" /></a:solidFill><a:latin typeface="Courier" /></a:rPr><a:t>max</a:t></a:r><a:r><a:rPr><a:solidFill><a:srgbClr val="003B4F" /></a:solidFill><a:latin typeface="Courier" /></a:rPr><a:t>(d</a:t></a:r><a:r><a:rPr><a:solidFill><a:srgbClr val="5E5E5E" /></a:solidFill><a:latin typeface="Courier" /></a:rPr><a:t>$</a:t></a:r><a:r><a:rPr><a:solidFill><a:srgbClr val="003B4F" /></a:solidFill><a:latin typeface="Courier" /></a:rPr><a:t>lfx) </a:t></a:r><a:r><a:rPr><a:solidFill><a:srgbClr val="5E5E5E" /></a:solidFill><a:latin typeface="Courier" /></a:rPr><a:t>-</a:t></a:r><a:r><a:rPr><a:solidFill><a:srgbClr val="003B4F" /></a:solidFill><a:latin typeface="Courier" /></a:rPr><a:t> </a:t></a:r><a:r><a:rPr><a:solidFill><a:srgbClr val="4758AB" /></a:solidFill><a:latin typeface="Courier" /></a:rPr><a:t>min</a:t></a:r><a:r><a:rPr><a:solidFill><a:srgbClr val="003B4F" /></a:solidFill><a:latin typeface="Courier" /></a:rPr><a:t>(d</a:t></a:r><a:r><a:rPr><a:solidFill><a:srgbClr val="5E5E5E" /></a:solidFill><a:latin typeface="Courier" /></a:rPr><a:t>$</a:t></a:r><a:r><a:rPr><a:solidFill><a:srgbClr val="003B4F" /></a:solidFill><a:latin typeface="Courier" /></a:rPr><a:t>lfx)</a:t></a:r><a:br /><a:r><a:rPr><a:solidFill><a:srgbClr val="003B4F" /></a:solidFill><a:latin typeface="Courier" /></a:rPr><a:t>  ),</a:t></a:r><a:br /><a:r><a:rPr><a:solidFill><a:srgbClr val="003B4F" /></a:solidFill><a:latin typeface="Courier" /></a:rPr><a:t>  </a:t></a:r><a:r><a:rPr><a:solidFill><a:srgbClr val="657422" /></a:solidFill><a:latin typeface="Courier" /></a:rPr><a:t>SIR =</a:t></a:r><a:r><a:rPr><a:solidFill><a:srgbClr val="003B4F" /></a:solidFill><a:latin typeface="Courier" /></a:rPr><a:t> </a:t></a:r><a:r><a:rPr><a:solidFill><a:srgbClr val="4758AB" /></a:solidFill><a:latin typeface="Courier" /></a:rPr><a:t>c</a:t></a:r><a:r><a:rPr><a:solidFill><a:srgbClr val="003B4F" /></a:solidFill><a:latin typeface="Courier" /></a:rPr><a:t>(</a:t></a:r><a:br /><a:r><a:rPr><a:solidFill><a:srgbClr val="003B4F" /></a:solidFill><a:latin typeface="Courier" /></a:rPr><a:t>    </a:t></a:r><a:r><a:rPr><a:solidFill><a:srgbClr val="4758AB" /></a:solidFill><a:latin typeface="Courier" /></a:rPr><a:t>IQR</a:t></a:r><a:r><a:rPr><a:solidFill><a:srgbClr val="003B4F" /></a:solidFill><a:latin typeface="Courier" /></a:rPr><a:t>(d</a:t></a:r><a:r><a:rPr><a:solidFill><a:srgbClr val="5E5E5E" /></a:solidFill><a:latin typeface="Courier" /></a:rPr><a:t>$</a:t></a:r><a:r><a:rPr><a:solidFill><a:srgbClr val="003B4F" /></a:solidFill><a:latin typeface="Courier" /></a:rPr><a:t>lngdp)</a:t></a:r><a:r><a:rPr><a:solidFill><a:srgbClr val="5E5E5E" /></a:solidFill><a:latin typeface="Courier" /></a:rPr><a:t>/</a:t></a:r><a:r><a:rPr><a:solidFill><a:srgbClr val="AD0000" /></a:solidFill><a:latin typeface="Courier" /></a:rPr><a:t>2</a:t></a:r><a:r><a:rPr><a:solidFill><a:srgbClr val="003B4F" /></a:solidFill><a:latin typeface="Courier" /></a:rPr><a:t>,</a:t></a:r><a:br /><a:r><a:rPr><a:solidFill><a:srgbClr val="003B4F" /></a:solidFill><a:latin typeface="Courier" /></a:rPr><a:t>    </a:t></a:r><a:r><a:rPr><a:solidFill><a:srgbClr val="4758AB" /></a:solidFill><a:latin typeface="Courier" /></a:rPr><a:t>IQR</a:t></a:r><a:r><a:rPr><a:solidFill><a:srgbClr val="003B4F" /></a:solidFill><a:latin typeface="Courier" /></a:rPr><a:t>(d</a:t></a:r><a:r><a:rPr><a:solidFill><a:srgbClr val="5E5E5E" /></a:solidFill><a:latin typeface="Courier" /></a:rPr><a:t>$</a:t></a:r><a:r><a:rPr><a:solidFill><a:srgbClr val="003B4F" /></a:solidFill><a:latin typeface="Courier" /></a:rPr><a:t>snt)</a:t></a:r><a:r><a:rPr><a:solidFill><a:srgbClr val="5E5E5E" /></a:solidFill><a:latin typeface="Courier" /></a:rPr><a:t>/</a:t></a:r><a:r><a:rPr><a:solidFill><a:srgbClr val="AD0000" /></a:solidFill><a:latin typeface="Courier" /></a:rPr><a:t>2</a:t></a:r><a:r><a:rPr><a:solidFill><a:srgbClr val="003B4F" /></a:solidFill><a:latin typeface="Courier" /></a:rPr><a:t>,</a:t></a:r><a:br /><a:r><a:rPr><a:solidFill><a:srgbClr val="003B4F" /></a:solidFill><a:latin typeface="Courier" /></a:rPr><a:t>    </a:t></a:r><a:r><a:rPr><a:solidFill><a:srgbClr val="4758AB" /></a:solidFill><a:latin typeface="Courier" /></a:rPr><a:t>IQR</a:t></a:r><a:r><a:rPr><a:solidFill><a:srgbClr val="003B4F" /></a:solidFill><a:latin typeface="Courier" /></a:rPr><a:t>(d</a:t></a:r><a:r><a:rPr><a:solidFill><a:srgbClr val="5E5E5E" /></a:solidFill><a:latin typeface="Courier" /></a:rPr><a:t>$</a:t></a:r><a:r><a:rPr><a:solidFill><a:srgbClr val="003B4F" /></a:solidFill><a:latin typeface="Courier" /></a:rPr><a:t>lfx)</a:t></a:r><a:r><a:rPr><a:solidFill><a:srgbClr val="5E5E5E" /></a:solidFill><a:latin typeface="Courier" /></a:rPr><a:t>/</a:t></a:r><a:r><a:rPr><a:solidFill><a:srgbClr val="AD0000" /></a:solidFill><a:latin typeface="Courier" /></a:rPr><a:t>2</a:t></a:r><a:br /><a:r><a:rPr><a:solidFill><a:srgbClr val="003B4F" /></a:solidFill><a:latin typeface="Courier" /></a:rPr><a:t>  ),</a:t></a:r><a:br /><a:r><a:rPr><a:solidFill><a:srgbClr val="003B4F" /></a:solidFill><a:latin typeface="Courier" /></a:rPr><a:t>  </a:t></a:r><a:r><a:rPr><a:solidFill><a:srgbClr val="657422" /></a:solidFill><a:latin typeface="Courier" /></a:rPr><a:t>MD =</a:t></a:r><a:r><a:rPr><a:solidFill><a:srgbClr val="003B4F" /></a:solidFill><a:latin typeface="Courier" /></a:rPr><a:t> </a:t></a:r><a:r><a:rPr><a:solidFill><a:srgbClr val="4758AB" /></a:solidFill><a:latin typeface="Courier" /></a:rPr><a:t>c</a:t></a:r><a:r><a:rPr><a:solidFill><a:srgbClr val="003B4F" /></a:solidFill><a:latin typeface="Courier" /></a:rPr><a:t>(</a:t></a:r><a:br /><a:r><a:rPr><a:solidFill><a:srgbClr val="003B4F" /></a:solidFill><a:latin typeface="Courier" /></a:rPr><a:t>    </a:t></a:r><a:r><a:rPr><a:solidFill><a:srgbClr val="4758AB" /></a:solidFill><a:latin typeface="Courier" /></a:rPr><a:t>getmd</a:t></a:r><a:r><a:rPr><a:solidFill><a:srgbClr val="003B4F" /></a:solidFill><a:latin typeface="Courier" /></a:rPr><a:t>(d</a:t></a:r><a:r><a:rPr><a:solidFill><a:srgbClr val="5E5E5E" /></a:solidFill><a:latin typeface="Courier" /></a:rPr><a:t>$</a:t></a:r><a:r><a:rPr><a:solidFill><a:srgbClr val="003B4F" /></a:solidFill><a:latin typeface="Courier" /></a:rPr><a:t>lngdp),</a:t></a:r><a:br /><a:r><a:rPr><a:solidFill><a:srgbClr val="003B4F" /></a:solidFill><a:latin typeface="Courier" /></a:rPr><a:t>    </a:t></a:r><a:r><a:rPr><a:solidFill><a:srgbClr val="4758AB" /></a:solidFill><a:latin typeface="Courier" /></a:rPr><a:t>getmd</a:t></a:r><a:r><a:rPr><a:solidFill><a:srgbClr val="003B4F" /></a:solidFill><a:latin typeface="Courier" /></a:rPr><a:t>(d</a:t></a:r><a:r><a:rPr><a:solidFill><a:srgbClr val="5E5E5E" /></a:solidFill><a:latin typeface="Courier" /></a:rPr><a:t>$</a:t></a:r><a:r><a:rPr><a:solidFill><a:srgbClr val="003B4F" /></a:solidFill><a:latin typeface="Courier" /></a:rPr><a:t>snt),</a:t></a:r><a:br /><a:r><a:rPr><a:solidFill><a:srgbClr val="003B4F" /></a:solidFill><a:latin typeface="Courier" /></a:rPr><a:t>    </a:t></a:r><a:r><a:rPr><a:solidFill><a:srgbClr val="4758AB" /></a:solidFill><a:latin typeface="Courier" /></a:rPr><a:t>getmd</a:t></a:r><a:r><a:rPr><a:solidFill><a:srgbClr val="003B4F" /></a:solidFill><a:latin typeface="Courier" /></a:rPr><a:t>(d</a:t></a:r><a:r><a:rPr><a:solidFill><a:srgbClr val="5E5E5E" /></a:solidFill><a:latin typeface="Courier" /></a:rPr><a:t>$</a:t></a:r><a:r><a:rPr><a:solidFill><a:srgbClr val="003B4F" /></a:solidFill><a:latin typeface="Courier" /></a:rPr><a:t>lfx)</a:t></a:r><a:br /><a:r><a:rPr><a:solidFill><a:srgbClr val="003B4F" /></a:solidFill><a:latin typeface="Courier" /></a:rPr><a:t>  ),</a:t></a:r><a:br /><a:r><a:rPr><a:solidFill><a:srgbClr val="003B4F" /></a:solidFill><a:latin typeface="Courier" /></a:rPr><a:t>  </a:t></a:r><a:r><a:rPr><a:solidFill><a:srgbClr val="657422" /></a:solidFill><a:latin typeface="Courier" /></a:rPr><a:t>variance =</a:t></a:r><a:r><a:rPr><a:solidFill><a:srgbClr val="003B4F" /></a:solidFill><a:latin typeface="Courier" /></a:rPr><a:t> </a:t></a:r><a:r><a:rPr><a:solidFill><a:srgbClr val="4758AB" /></a:solidFill><a:latin typeface="Courier" /></a:rPr><a:t>c</a:t></a:r><a:r><a:rPr><a:solidFill><a:srgbClr val="003B4F" /></a:solidFill><a:latin typeface="Courier" /></a:rPr><a:t>(</a:t></a:r><a:br /><a:r><a:rPr><a:solidFill><a:srgbClr val="003B4F" /></a:solidFill><a:latin typeface="Courier" /></a:rPr><a:t>    (</a:t></a:r><a:r><a:rPr><a:solidFill><a:srgbClr val="4758AB" /></a:solidFill><a:latin typeface="Courier" /></a:rPr><a:t>sd</a:t></a:r><a:r><a:rPr><a:solidFill><a:srgbClr val="003B4F" /></a:solidFill><a:latin typeface="Courier" /></a:rPr><a:t>(d</a:t></a:r><a:r><a:rPr><a:solidFill><a:srgbClr val="5E5E5E" /></a:solidFill><a:latin typeface="Courier" /></a:rPr><a:t>$</a:t></a:r><a:r><a:rPr><a:solidFill><a:srgbClr val="003B4F" /></a:solidFill><a:latin typeface="Courier" /></a:rPr><a:t>lngdp))</a:t></a:r><a:r><a:rPr><a:solidFill><a:srgbClr val="5E5E5E" /></a:solidFill><a:latin typeface="Courier" /></a:rPr><a:t>^</a:t></a:r><a:r><a:rPr><a:solidFill><a:srgbClr val="AD0000" /></a:solidFill><a:latin typeface="Courier" /></a:rPr><a:t>2</a:t></a:r><a:r><a:rPr><a:solidFill><a:srgbClr val="003B4F" /></a:solidFill><a:latin typeface="Courier" /></a:rPr><a:t>,</a:t></a:r><a:br /><a:r><a:rPr><a:solidFill><a:srgbClr val="003B4F" /></a:solidFill><a:latin typeface="Courier" /></a:rPr><a:t>    (</a:t></a:r><a:r><a:rPr><a:solidFill><a:srgbClr val="4758AB" /></a:solidFill><a:latin typeface="Courier" /></a:rPr><a:t>sd</a:t></a:r><a:r><a:rPr><a:solidFill><a:srgbClr val="003B4F" /></a:solidFill><a:latin typeface="Courier" /></a:rPr><a:t>(d</a:t></a:r><a:r><a:rPr><a:solidFill><a:srgbClr val="5E5E5E" /></a:solidFill><a:latin typeface="Courier" /></a:rPr><a:t>$</a:t></a:r><a:r><a:rPr><a:solidFill><a:srgbClr val="003B4F" /></a:solidFill><a:latin typeface="Courier" /></a:rPr><a:t>snt))</a:t></a:r><a:r><a:rPr><a:solidFill><a:srgbClr val="5E5E5E" /></a:solidFill><a:latin typeface="Courier" /></a:rPr><a:t>^</a:t></a:r><a:r><a:rPr><a:solidFill><a:srgbClr val="AD0000" /></a:solidFill><a:latin typeface="Courier" /></a:rPr><a:t>2</a:t></a:r><a:r><a:rPr><a:solidFill><a:srgbClr val="003B4F" /></a:solidFill><a:latin typeface="Courier" /></a:rPr><a:t>,</a:t></a:r><a:br /><a:r><a:rPr><a:solidFill><a:srgbClr val="003B4F" /></a:solidFill><a:latin typeface="Courier" /></a:rPr><a:t>    (</a:t></a:r><a:r><a:rPr><a:solidFill><a:srgbClr val="4758AB" /></a:solidFill><a:latin typeface="Courier" /></a:rPr><a:t>sd</a:t></a:r><a:r><a:rPr><a:solidFill><a:srgbClr val="003B4F" /></a:solidFill><a:latin typeface="Courier" /></a:rPr><a:t>(d</a:t></a:r><a:r><a:rPr><a:solidFill><a:srgbClr val="5E5E5E" /></a:solidFill><a:latin typeface="Courier" /></a:rPr><a:t>$</a:t></a:r><a:r><a:rPr><a:solidFill><a:srgbClr val="003B4F" /></a:solidFill><a:latin typeface="Courier" /></a:rPr><a:t>lfx))</a:t></a:r><a:r><a:rPr><a:solidFill><a:srgbClr val="5E5E5E" /></a:solidFill><a:latin typeface="Courier" /></a:rPr><a:t>^</a:t></a:r><a:r><a:rPr><a:solidFill><a:srgbClr val="AD0000" /></a:solidFill><a:latin typeface="Courier" /></a:rPr><a:t>2</a:t></a:r><a:br /><a:r><a:rPr><a:solidFill><a:srgbClr val="003B4F" /></a:solidFill><a:latin typeface="Courier" /></a:rPr><a:t>  ),</a:t></a:r><a:br /><a:r><a:rPr><a:solidFill><a:srgbClr val="003B4F" /></a:solidFill><a:latin typeface="Courier" /></a:rPr><a:t>  </a:t></a:r><a:r><a:rPr><a:solidFill><a:srgbClr val="657422" /></a:solidFill><a:latin typeface="Courier" /></a:rPr><a:t>SD =</a:t></a:r><a:r><a:rPr><a:solidFill><a:srgbClr val="003B4F" /></a:solidFill><a:latin typeface="Courier" /></a:rPr><a:t> </a:t></a:r><a:r><a:rPr><a:solidFill><a:srgbClr val="4758AB" /></a:solidFill><a:latin typeface="Courier" /></a:rPr><a:t>c</a:t></a:r><a:r><a:rPr><a:solidFill><a:srgbClr val="003B4F" /></a:solidFill><a:latin typeface="Courier" /></a:rPr><a:t>(</a:t></a:r><a:br /><a:r><a:rPr><a:solidFill><a:srgbClr val="003B4F" /></a:solidFill><a:latin typeface="Courier" /></a:rPr><a:t>    </a:t></a:r><a:r><a:rPr><a:solidFill><a:srgbClr val="4758AB" /></a:solidFill><a:latin typeface="Courier" /></a:rPr><a:t>sd</a:t></a:r><a:r><a:rPr><a:solidFill><a:srgbClr val="003B4F" /></a:solidFill><a:latin typeface="Courier" /></a:rPr><a:t>(d</a:t></a:r><a:r><a:rPr><a:solidFill><a:srgbClr val="5E5E5E" /></a:solidFill><a:latin typeface="Courier" /></a:rPr><a:t>$</a:t></a:r><a:r><a:rPr><a:solidFill><a:srgbClr val="003B4F" /></a:solidFill><a:latin typeface="Courier" /></a:rPr><a:t>lngdp),</a:t></a:r><a:br /><a:r><a:rPr><a:solidFill><a:srgbClr val="003B4F" /></a:solidFill><a:latin typeface="Courier" /></a:rPr><a:t>    </a:t></a:r><a:r><a:rPr><a:solidFill><a:srgbClr val="4758AB" /></a:solidFill><a:latin typeface="Courier" /></a:rPr><a:t>sd</a:t></a:r><a:r><a:rPr><a:solidFill><a:srgbClr val="003B4F" /></a:solidFill><a:latin typeface="Courier" /></a:rPr><a:t>(d</a:t></a:r><a:r><a:rPr><a:solidFill><a:srgbClr val="5E5E5E" /></a:solidFill><a:latin typeface="Courier" /></a:rPr><a:t>$</a:t></a:r><a:r><a:rPr><a:solidFill><a:srgbClr val="003B4F" /></a:solidFill><a:latin typeface="Courier" /></a:rPr><a:t>snt),</a:t></a:r><a:br /><a:r><a:rPr><a:solidFill><a:srgbClr val="003B4F" /></a:solidFill><a:latin typeface="Courier" /></a:rPr><a:t>    </a:t></a:r><a:r><a:rPr><a:solidFill><a:srgbClr val="4758AB" /></a:solidFill><a:latin typeface="Courier" /></a:rPr><a:t>sd</a:t></a:r><a:r><a:rPr><a:solidFill><a:srgbClr val="003B4F" /></a:solidFill><a:latin typeface="Courier" /></a:rPr><a:t>(d</a:t></a:r><a:r><a:rPr><a:solidFill><a:srgbClr val="5E5E5E" /></a:solidFill><a:latin typeface="Courier" /></a:rPr><a:t>$</a:t></a:r><a:r><a:rPr><a:solidFill><a:srgbClr val="003B4F" /></a:solidFill><a:latin typeface="Courier" /></a:rPr><a:t>lfx)</a:t></a:r><a:br /><a:r><a:rPr><a:solidFill><a:srgbClr val="003B4F" /></a:solidFill><a:latin typeface="Courier" /></a:rPr><a:t>  )</a:t></a:r><a:br /><a:r><a:rPr><a:solidFill><a:srgbClr val="003B4F" /></a:solidFill><a:latin typeface="Courier" /></a:rPr><a:t>)</a:t></a:r><a:br /><a:br /><a:r><a:rPr><a:solidFill><a:srgbClr val="4758AB" /></a:solidFill><a:latin typeface="Courier" /></a:rPr><a:t>kable</a:t></a:r><a:r><a:rPr><a:solidFill><a:srgbClr val="003B4F" /></a:solidFill><a:latin typeface="Courier" /></a:rPr><a:t>(</a:t></a:r><a:br /><a:r><a:rPr><a:solidFill><a:srgbClr val="003B4F" /></a:solidFill><a:latin typeface="Courier" /></a:rPr><a:t>  d_disp,</a:t></a:r><a:br /><a:r><a:rPr><a:solidFill><a:srgbClr val="003B4F" /></a:solidFill><a:latin typeface="Courier" /></a:rPr><a:t>  </a:t></a:r><a:r><a:rPr><a:solidFill><a:srgbClr val="657422" /></a:solidFill><a:latin typeface="Courier" /></a:rPr><a:t>col.names =</a:t></a:r><a:r><a:rPr><a:solidFill><a:srgbClr val="003B4F" /></a:solidFill><a:latin typeface="Courier" /></a:rPr><a:t> </a:t></a:r><a:r><a:rPr><a:solidFill><a:srgbClr val="4758AB" /></a:solidFill><a:latin typeface="Courier" /></a:rPr><a:t>c</a:t></a:r><a:r><a:rPr><a:solidFill><a:srgbClr val="003B4F" /></a:solidFill><a:latin typeface="Courier" /></a:rPr><a:t>(</a:t></a:r><a:br /><a:r><a:rPr><a:solidFill><a:srgbClr val="003B4F" /></a:solidFill><a:latin typeface="Courier" /></a:rPr><a:t>    </a:t></a:r><a:r><a:rPr><a:solidFill><a:srgbClr val="20794D" /></a:solidFill><a:latin typeface="Courier" /></a:rPr><a:t>&quot;$</a:t></a:r><a:r><a:rPr><a:solidFill><a:srgbClr val="5E5E5E" /></a:solidFill><a:latin typeface="Courier" /></a:rPr><a:t>\\</a:t></a:r><a:r><a:rPr><a:solidFill><a:srgbClr val="20794D" /></a:solidFill><a:latin typeface="Courier" /></a:rPr><a:t>operatorname{Range}(x)$&quot;</a:t></a:r><a:r><a:rPr><a:solidFill><a:srgbClr val="003B4F" /></a:solidFill><a:latin typeface="Courier" /></a:rPr><a:t>,</a:t></a:r><a:br /><a:r><a:rPr><a:solidFill><a:srgbClr val="003B4F" /></a:solidFill><a:latin typeface="Courier" /></a:rPr><a:t>    </a:t></a:r><a:r><a:rPr><a:solidFill><a:srgbClr val="20794D" /></a:solidFill><a:latin typeface="Courier" /></a:rPr><a:t>&quot;$</a:t></a:r><a:r><a:rPr><a:solidFill><a:srgbClr val="5E5E5E" /></a:solidFill><a:latin typeface="Courier" /></a:rPr><a:t>\\</a:t></a:r><a:r><a:rPr><a:solidFill><a:srgbClr val="20794D" /></a:solidFill><a:latin typeface="Courier" /></a:rPr><a:t>operatorname{SIR}(x)$&quot;</a:t></a:r><a:r><a:rPr><a:solidFill><a:srgbClr val="003B4F" /></a:solidFill><a:latin typeface="Courier" /></a:rPr><a:t>,</a:t></a:r><a:br /><a:r><a:rPr><a:solidFill><a:srgbClr val="003B4F" /></a:solidFill><a:latin typeface="Courier" /></a:rPr><a:t>    </a:t></a:r><a:r><a:rPr><a:solidFill><a:srgbClr val="20794D" /></a:solidFill><a:latin typeface="Courier" /></a:rPr><a:t>&quot;$</a:t></a:r><a:r><a:rPr><a:solidFill><a:srgbClr val="5E5E5E" /></a:solidFill><a:latin typeface="Courier" /></a:rPr><a:t>\\</a:t></a:r><a:r><a:rPr><a:solidFill><a:srgbClr val="20794D" /></a:solidFill><a:latin typeface="Courier" /></a:rPr><a:t>operatorname{MD}_{(</a:t></a:r><a:r><a:rPr><a:solidFill><a:srgbClr val="5E5E5E" /></a:solidFill><a:latin typeface="Courier" /></a:rPr><a:t>\\</a:t></a:r><a:r><a:rPr><a:solidFill><a:srgbClr val="20794D" /></a:solidFill><a:latin typeface="Courier" /></a:rPr><a:t>bar{x})}(x)$&quot;</a:t></a:r><a:r><a:rPr><a:solidFill><a:srgbClr val="003B4F" /></a:solidFill><a:latin typeface="Courier" /></a:rPr><a:t>,</a:t></a:r><a:br /><a:r><a:rPr><a:solidFill><a:srgbClr val="003B4F" /></a:solidFill><a:latin typeface="Courier" /></a:rPr><a:t>    </a:t></a:r><a:r><a:rPr><a:solidFill><a:srgbClr val="20794D" /></a:solidFill><a:latin typeface="Courier" /></a:rPr><a:t>&quot;$</a:t></a:r><a:r><a:rPr><a:solidFill><a:srgbClr val="5E5E5E" /></a:solidFill><a:latin typeface="Courier" /></a:rPr><a:t>\\</a:t></a:r><a:r><a:rPr><a:solidFill><a:srgbClr val="20794D" /></a:solidFill><a:latin typeface="Courier" /></a:rPr><a:t>quad s_x^2$&quot;</a:t></a:r><a:r><a:rPr><a:solidFill><a:srgbClr val="003B4F" /></a:solidFill><a:latin typeface="Courier" /></a:rPr><a:t>,</a:t></a:r><a:br /><a:r><a:rPr><a:solidFill><a:srgbClr val="003B4F" /></a:solidFill><a:latin typeface="Courier" /></a:rPr><a:t>    </a:t></a:r><a:r><a:rPr><a:solidFill><a:srgbClr val="20794D" /></a:solidFill><a:latin typeface="Courier" /></a:rPr><a:t>&quot;$</a:t></a:r><a:r><a:rPr><a:solidFill><a:srgbClr val="5E5E5E" /></a:solidFill><a:latin typeface="Courier" /></a:rPr><a:t>\\</a:t></a:r><a:r><a:rPr><a:solidFill><a:srgbClr val="20794D" /></a:solidFill><a:latin typeface="Courier" /></a:rPr><a:t>quad s_x$&quot;</a:t></a:r><a:br /><a:r><a:rPr><a:solidFill><a:srgbClr val="003B4F" /></a:solidFill><a:latin typeface="Courier" /></a:rPr><a:t>  ),</a:t></a:r><a:br /><a:r><a:rPr><a:solidFill><a:srgbClr val="003B4F" /></a:solidFill><a:latin typeface="Courier" /></a:rPr><a:t>  </a:t></a:r><a:r><a:rPr><a:solidFill><a:srgbClr val="657422" /></a:solidFill><a:latin typeface="Courier" /></a:rPr><a:t>digits=</a:t></a:r><a:r><a:rPr><a:solidFill><a:srgbClr val="AD0000" /></a:solidFill><a:latin typeface="Courier" /></a:rPr><a:t>5</a:t></a:r><a:br /><a:r><a:rPr><a:solidFill><a:srgbClr val="003B4F" /></a:solidFill><a:latin typeface="Courier" /></a:rPr><a:t>)</a:t></a:r></a:p></p:txBody></p:sp></mc:Choice></mc:AlternateContent><p:graphicFrame><p:nvGraphicFramePr><p:cNvPr id="6" name="Content Placeholder 5" /><p:cNvGraphicFramePr><a:graphicFrameLocks noGrp="1" /></p:cNvGraphicFramePr><p:nvPr><p:ph idx="1" /></p:nvPr></p:nvGraphicFramePr><p:xfrm><a:off x="4775200" y="1447800" /><a:ext cx="5194300" cy="4572000" /></p:xfrm><a:graphic><a:graphicData uri="http://schemas.openxmlformats.org/drawingml/2006/table"><a:tbl><a:tblPr firstRow="1" bandRow="1"><a:tableStyleId>{5C22544A-7EE6-4342-B048-85BDC9FD1C3A}</a:tableStyleId></a:tblPr><a:tblGrid><a:gridCol w="863600" /><a:gridCol w="863600" /><a:gridCol w="863600" /><a:gridCol w="863600" /><a:gridCol w="863600" /><a:gridCol w="863600" /></a:tblGrid><a:tr h="0"><a:tc><a:txBody><a:bodyPr /><a:lstStyle /><a:p><a:endParaRPr /></a:p></a:txBody><a:tcPr /></a:tc><a:tc><a:txBody><a:bodyPr /><a:lstStyle /><a:p><a:pPr lvl="0" indent="0" marL="0" algn="r"><a:buNone /></a:pPr><a14:m><m:oMath xmlns:m="http://schemas.openxmlformats.org/officeDocument/2006/math"><m:r><m:rPr><m:sty m:val="p" /></m:rPr><m:t>Range</m:t></m:r><m:d><m:dPr><m:begChr m:val="(" /><m:endChr m:val=")" /><m:sepChr m:val="" /><m:grow /></m:dPr><m:e><m:r><m:t>x</m:t></m:r></m:e></m:d></m:oMath></a14:m></a:p></a:txBody><a:tcPr /></a:tc><a:tc><a:txBody><a:bodyPr /><a:lstStyle /><a:p><a:pPr lvl="0" indent="0" marL="0" algn="r"><a:buNone /></a:pPr><a14:m><m:oMath xmlns:m="http://schemas.openxmlformats.org/officeDocument/2006/math"><m:r><m:rPr><m:sty m:val="p" /></m:rPr><m:t>SIR</m:t></m:r><m:d><m:dPr><m:begChr m:val="(" /><m:endChr m:val=")" /><m:sepChr m:val="" /><m:grow /></m:dPr><m:e><m:r><m:t>x</m:t></m:r></m:e></m:d></m:oMath></a14:m></a:p></a:txBody><a:tcPr /></a:tc><a:tc><a:txBody><a:bodyPr /><a:lstStyle /><a:p><a:pPr lvl="0" indent="0" marL="0" algn="r"><a:buNone /></a:pPr><a14:m><m:oMath xmlns:m="http://schemas.openxmlformats.org/officeDocument/2006/math"><m:sSub><m:e><m:r><m:rPr><m:sty m:val="p" /></m:rPr><m:t>MD</m:t></m:r></m:e><m:sub><m:d><m:dPr><m:begChr m:val="(" /><m:endChr m:val=")" /><m:sepChr m:val="" /><m:grow /></m:dPr><m:e><m:acc><m:accPr><m:chr m:val="‾" /></m:accPr><m:e><m:r><m:t>x</m:t></m:r></m:e></m:acc></m:e></m:d></m:sub></m:sSub><m:d><m:dPr><m:begChr m:val="(" /><m:endChr m:val=")" /><m:sepChr m:val="" /><m:grow /></m:dPr><m:e><m:r><m:t>x</m:t></m:r></m:e></m:d></m:oMath></a14:m></a:p></a:txBody><a:tcPr /></a:tc><a:tc><a:txBody><a:bodyPr /><a:lstStyle /><a:p><a:pPr lvl="0" indent="0" marL="0" algn="r"><a:buNone /></a:pPr><a14:m><m:oMath xmlns:m="http://schemas.openxmlformats.org/officeDocument/2006/math"><m:r><m:t> </m:t></m:r><m:sSubSup><m:e><m:r><m:t>s</m:t></m:r></m:e><m:sub><m:r><m:t>x</m:t></m:r></m:sub><m:sup><m:r><m:t>2</m:t></m:r></m:sup></m:sSubSup></m:oMath></a14:m></a:p></a:txBody><a:tcPr /></a:tc><a:tc><a:txBody><a:bodyPr /><a:lstStyle /><a:p><a:pPr lvl="0" indent="0" marL="0" algn="r"><a:buNone /></a:pPr><a14:m><m:oMath xmlns:m="http://schemas.openxmlformats.org/officeDocument/2006/math"><m:r><m:t> </m:t></m:r><m:sSub><m:e><m:r><m:t>s</m:t></m:r></m:e><m:sub><m:r><m:t>x</m:t></m:r></m:sub></m:sSub></m:oMath></a14:m></a:p></a:txBody><a:tcPr /></a:tc></a:tr><a:tr h="0"><a:tc><a:txBody><a:bodyPr /><a:lstStyle /><a:p><a:pPr lvl="0" indent="0" marL="0" algn="l"><a:buNone /></a:pPr><a:r><a:rPr i="1" /><a:t>ln(GDP)</a:t></a:r></a:p></a:txBody></a:tc><a:tc><a:txBody><a:bodyPr /><a:lstStyle /><a:p><a:pPr lvl="0" indent="0" marL="0" algn="r"><a:buNone /></a:pPr><a:r><a:rPr /><a:t>6.04435</a:t></a:r></a:p></a:txBody></a:tc><a:tc><a:txBody><a:bodyPr /><a:lstStyle /><a:p><a:pPr lvl="0" indent="0" marL="0" algn="r"><a:buNone /></a:pPr><a:r><a:rPr /><a:t>1.06914</a:t></a:r></a:p></a:txBody></a:tc><a:tc><a:txBody><a:bodyPr /><a:lstStyle /><a:p><a:pPr lvl="0" indent="0" marL="0" algn="r"><a:buNone /></a:pPr><a:r><a:rPr /><a:t>1.17229</a:t></a:r></a:p></a:txBody></a:tc><a:tc><a:txBody><a:bodyPr /><a:lstStyle /><a:p><a:pPr lvl="0" indent="0" marL="0" algn="r"><a:buNone /></a:pPr><a:r><a:rPr /><a:t>2.01791</a:t></a:r></a:p></a:txBody></a:tc><a:tc><a:txBody><a:bodyPr /><a:lstStyle /><a:p><a:pPr lvl="0" indent="0" marL="0" algn="r"><a:buNone /></a:pPr><a:r><a:rPr /><a:t>1.42053</a:t></a:r></a:p></a:txBody></a:tc></a:tr><a:tr h="0"><a:tc><a:txBody><a:bodyPr /><a:lstStyle /><a:p><a:pPr lvl="0" indent="0" marL="0" algn="l"><a:buNone /></a:pPr><a:r><a:rPr i="1" /><a:t>Sanitation</a:t></a:r></a:p></a:txBody></a:tc><a:tc><a:txBody><a:bodyPr /><a:lstStyle /><a:p><a:pPr lvl="0" indent="0" marL="0" algn="r"><a:buNone /></a:pPr><a:r><a:rPr /><a:t>94.03000</a:t></a:r></a:p></a:txBody></a:tc><a:tc><a:txBody><a:bodyPr /><a:lstStyle /><a:p><a:pPr lvl="0" indent="0" marL="0" algn="r"><a:buNone /></a:pPr><a:r><a:rPr /><a:t>24.65000</a:t></a:r></a:p></a:txBody></a:tc><a:tc><a:txBody><a:bodyPr /><a:lstStyle /><a:p><a:pPr lvl="0" indent="0" marL="0" algn="r"><a:buNone /></a:pPr><a:r><a:rPr /><a:t>25.50487</a:t></a:r></a:p></a:txBody></a:tc><a:tc><a:txBody><a:bodyPr /><a:lstStyle /><a:p><a:pPr lvl="0" indent="0" marL="0" algn="r"><a:buNone /></a:pPr><a:r><a:rPr /><a:t>872.29346</a:t></a:r></a:p></a:txBody></a:tc><a:tc><a:txBody><a:bodyPr /><a:lstStyle /><a:p><a:pPr lvl="0" indent="0" marL="0" algn="r"><a:buNone /></a:pPr><a:r><a:rPr /><a:t>29.53461</a:t></a:r></a:p></a:txBody></a:tc></a:tr><a:tr h="0"><a:tc><a:txBody><a:bodyPr /><a:lstStyle /><a:p><a:pPr lvl="0" indent="0" marL="0" algn="l"><a:buNone /></a:pPr><a:r><a:rPr i="1" /><a:t>Life Exp.</a:t></a:r></a:p></a:txBody></a:tc><a:tc><a:txBody><a:bodyPr /><a:lstStyle /><a:p><a:pPr lvl="0" indent="0" marL="0" algn="r"><a:buNone /></a:pPr><a:r><a:rPr /><a:t>50.80000</a:t></a:r></a:p></a:txBody></a:tc><a:tc><a:txBody><a:bodyPr /><a:lstStyle /><a:p><a:pPr lvl="0" indent="0" marL="0" algn="r"><a:buNone /></a:pPr><a:r><a:rPr /><a:t>6.00000</a:t></a:r></a:p></a:txBody></a:tc><a:tc><a:txBody><a:bodyPr /><a:lstStyle /><a:p><a:pPr lvl="0" indent="0" marL="0" algn="r"><a:buNone /></a:pPr><a:r><a:rPr /><a:t>6.98712</a:t></a:r></a:p></a:txBody></a:tc><a:tc><a:txBody><a:bodyPr /><a:lstStyle /><a:p><a:pPr lvl="0" indent="0" marL="0" algn="r"><a:buNone /></a:pPr><a:r><a:rPr /><a:t>75.33494</a:t></a:r></a:p></a:txBody></a:tc><a:tc><a:txBody><a:bodyPr /><a:lstStyle /><a:p><a:pPr lvl="0" indent="0" marL="0" algn="r"><a:buNone /></a:pPr><a:r><a:rPr /><a:t>8.67957</a:t></a:r></a:p></a:txBody></a:tc></a:tr></a:tbl></a:graphicData></a:graphic></p:graphicFrame></p:spTree></p:cSld></p:sld>
+\normalsize
+$$</a:t></a:r></a:p><a:p><a:pPr lvl="0" indent="0"><a:buNone /></a:pPr><a:r><a:rPr><a:solidFill><a:srgbClr val="003B4F" /></a:solidFill><a:latin typeface="Courier" /></a:rPr><a:t>getmd = function(x, </a:t></a:r><a:r><a:rPr><a:solidFill><a:srgbClr val="657422" /></a:solidFill><a:latin typeface="Courier" /></a:rPr><a:t>center =</a:t></a:r><a:r><a:rPr><a:solidFill><a:srgbClr val="003B4F" /></a:solidFill><a:latin typeface="Courier" /></a:rPr><a:t> </a:t></a:r><a:r><a:rPr><a:solidFill><a:srgbClr val="4758AB" /></a:solidFill><a:latin typeface="Courier" /></a:rPr><a:t>mean</a:t></a:r><a:r><a:rPr><a:solidFill><a:srgbClr val="003B4F" /></a:solidFill><a:latin typeface="Courier" /></a:rPr><a:t>(x)){</a:t></a:r><a:br /><a:r><a:rPr><a:solidFill><a:srgbClr val="003B4F" /></a:solidFill><a:latin typeface="Courier" /></a:rPr><a:t>  md = </a:t></a:r><a:r><a:rPr><a:solidFill><a:srgbClr val="4758AB" /></a:solidFill><a:latin typeface="Courier" /></a:rPr><a:t>mean</a:t></a:r><a:r><a:rPr><a:solidFill><a:srgbClr val="003B4F" /></a:solidFill><a:latin typeface="Courier" /></a:rPr><a:t>(</a:t></a:r><a:br /><a:r><a:rPr><a:solidFill><a:srgbClr val="003B4F" /></a:solidFill><a:latin typeface="Courier" /></a:rPr><a:t>    </a:t></a:r><a:r><a:rPr><a:solidFill><a:srgbClr val="4758AB" /></a:solidFill><a:latin typeface="Courier" /></a:rPr><a:t>abs</a:t></a:r><a:r><a:rPr><a:solidFill><a:srgbClr val="003B4F" /></a:solidFill><a:latin typeface="Courier" /></a:rPr><a:t>(</a:t></a:r><a:br /><a:r><a:rPr><a:solidFill><a:srgbClr val="003B4F" /></a:solidFill><a:latin typeface="Courier" /></a:rPr><a:t>      x </a:t></a:r><a:r><a:rPr><a:solidFill><a:srgbClr val="5E5E5E" /></a:solidFill><a:latin typeface="Courier" /></a:rPr><a:t>-</a:t></a:r><a:r><a:rPr><a:solidFill><a:srgbClr val="003B4F" /></a:solidFill><a:latin typeface="Courier" /></a:rPr><a:t> </a:t></a:r><a:r><a:rPr><a:solidFill><a:srgbClr val="4758AB" /></a:solidFill><a:latin typeface="Courier" /></a:rPr><a:t>rep</a:t></a:r><a:r><a:rPr><a:solidFill><a:srgbClr val="003B4F" /></a:solidFill><a:latin typeface="Courier" /></a:rPr><a:t>(center, </a:t></a:r><a:r><a:rPr><a:solidFill><a:srgbClr val="4758AB" /></a:solidFill><a:latin typeface="Courier" /></a:rPr><a:t>length</a:t></a:r><a:r><a:rPr><a:solidFill><a:srgbClr val="003B4F" /></a:solidFill><a:latin typeface="Courier" /></a:rPr><a:t>(x))</a:t></a:r><a:br /><a:r><a:rPr><a:solidFill><a:srgbClr val="003B4F" /></a:solidFill><a:latin typeface="Courier" /></a:rPr><a:t>      )</a:t></a:r><a:br /><a:r><a:rPr><a:solidFill><a:srgbClr val="003B4F" /></a:solidFill><a:latin typeface="Courier" /></a:rPr><a:t>    )</a:t></a:r><a:br /><a:r><a:rPr><a:solidFill><a:srgbClr val="003B4F" /></a:solidFill><a:latin typeface="Courier" /></a:rPr><a:t>  </a:t></a:r><a:r><a:rPr><a:solidFill><a:srgbClr val="4758AB" /></a:solidFill><a:latin typeface="Courier" /></a:rPr><a:t>return</a:t></a:r><a:r><a:rPr><a:solidFill><a:srgbClr val="003B4F" /></a:solidFill><a:latin typeface="Courier" /></a:rPr><a:t>(md)</a:t></a:r><a:br /><a:r><a:rPr><a:solidFill><a:srgbClr val="003B4F" /></a:solidFill><a:latin typeface="Courier" /></a:rPr><a:t>}</a:t></a:r><a:br /><a:r><a:rPr><a:solidFill><a:srgbClr val="003B4F" /></a:solidFill><a:latin typeface="Courier" /></a:rPr><a:t>d_disp = </a:t></a:r><a:r><a:rPr><a:solidFill><a:srgbClr val="4758AB" /></a:solidFill><a:latin typeface="Courier" /></a:rPr><a:t>data.frame</a:t></a:r><a:r><a:rPr><a:solidFill><a:srgbClr val="003B4F" /></a:solidFill><a:latin typeface="Courier" /></a:rPr><a:t>(</a:t></a:r><a:br /><a:r><a:rPr><a:solidFill><a:srgbClr val="003B4F" /></a:solidFill><a:latin typeface="Courier" /></a:rPr><a:t>  </a:t></a:r><a:r><a:rPr><a:solidFill><a:srgbClr val="657422" /></a:solidFill><a:latin typeface="Courier" /></a:rPr><a:t>row.names =</a:t></a:r><a:r><a:rPr><a:solidFill><a:srgbClr val="003B4F" /></a:solidFill><a:latin typeface="Courier" /></a:rPr><a:t> </a:t></a:r><a:r><a:rPr><a:solidFill><a:srgbClr val="20794D" /></a:solidFill><a:latin typeface="Courier" /></a:rPr><a:t>&quot;Variable&quot;</a:t></a:r><a:r><a:rPr><a:solidFill><a:srgbClr val="003B4F" /></a:solidFill><a:latin typeface="Courier" /></a:rPr><a:t>,</a:t></a:r><a:br /><a:r><a:rPr><a:solidFill><a:srgbClr val="003B4F" /></a:solidFill><a:latin typeface="Courier" /></a:rPr><a:t>  </a:t></a:r><a:r><a:rPr><a:solidFill><a:srgbClr val="657422" /></a:solidFill><a:latin typeface="Courier" /></a:rPr><a:t>Variable =</a:t></a:r><a:r><a:rPr><a:solidFill><a:srgbClr val="003B4F" /></a:solidFill><a:latin typeface="Courier" /></a:rPr><a:t> </a:t></a:r><a:r><a:rPr><a:solidFill><a:srgbClr val="4758AB" /></a:solidFill><a:latin typeface="Courier" /></a:rPr><a:t>c</a:t></a:r><a:r><a:rPr><a:solidFill><a:srgbClr val="003B4F" /></a:solidFill><a:latin typeface="Courier" /></a:rPr><a:t>(</a:t></a:r><a:br /><a:r><a:rPr><a:solidFill><a:srgbClr val="003B4F" /></a:solidFill><a:latin typeface="Courier" /></a:rPr><a:t>    </a:t></a:r><a:r><a:rPr><a:solidFill><a:srgbClr val="20794D" /></a:solidFill><a:latin typeface="Courier" /></a:rPr><a:t>&quot;*ln(GDP)*&quot;</a:t></a:r><a:r><a:rPr><a:solidFill><a:srgbClr val="003B4F" /></a:solidFill><a:latin typeface="Courier" /></a:rPr><a:t>,</a:t></a:r><a:br /><a:r><a:rPr><a:solidFill><a:srgbClr val="003B4F" /></a:solidFill><a:latin typeface="Courier" /></a:rPr><a:t>    </a:t></a:r><a:r><a:rPr><a:solidFill><a:srgbClr val="20794D" /></a:solidFill><a:latin typeface="Courier" /></a:rPr><a:t>&quot;*Sanitation*&quot;</a:t></a:r><a:r><a:rPr><a:solidFill><a:srgbClr val="003B4F" /></a:solidFill><a:latin typeface="Courier" /></a:rPr><a:t>,</a:t></a:r><a:br /><a:r><a:rPr><a:solidFill><a:srgbClr val="003B4F" /></a:solidFill><a:latin typeface="Courier" /></a:rPr><a:t>    </a:t></a:r><a:r><a:rPr><a:solidFill><a:srgbClr val="20794D" /></a:solidFill><a:latin typeface="Courier" /></a:rPr><a:t>&quot;*Life Exp.*&quot;</a:t></a:r><a:br /><a:r><a:rPr><a:solidFill><a:srgbClr val="003B4F" /></a:solidFill><a:latin typeface="Courier" /></a:rPr><a:t>  ),</a:t></a:r><a:br /><a:r><a:rPr><a:solidFill><a:srgbClr val="003B4F" /></a:solidFill><a:latin typeface="Courier" /></a:rPr><a:t>  </a:t></a:r><a:r><a:rPr><a:solidFill><a:srgbClr val="657422" /></a:solidFill><a:latin typeface="Courier" /></a:rPr><a:t>Range =</a:t></a:r><a:r><a:rPr><a:solidFill><a:srgbClr val="003B4F" /></a:solidFill><a:latin typeface="Courier" /></a:rPr><a:t> </a:t></a:r><a:r><a:rPr><a:solidFill><a:srgbClr val="4758AB" /></a:solidFill><a:latin typeface="Courier" /></a:rPr><a:t>c</a:t></a:r><a:r><a:rPr><a:solidFill><a:srgbClr val="003B4F" /></a:solidFill><a:latin typeface="Courier" /></a:rPr><a:t>(</a:t></a:r><a:br /><a:r><a:rPr><a:solidFill><a:srgbClr val="003B4F" /></a:solidFill><a:latin typeface="Courier" /></a:rPr><a:t>    </a:t></a:r><a:r><a:rPr><a:solidFill><a:srgbClr val="4758AB" /></a:solidFill><a:latin typeface="Courier" /></a:rPr><a:t>max</a:t></a:r><a:r><a:rPr><a:solidFill><a:srgbClr val="003B4F" /></a:solidFill><a:latin typeface="Courier" /></a:rPr><a:t>(d</a:t></a:r><a:r><a:rPr><a:solidFill><a:srgbClr val="5E5E5E" /></a:solidFill><a:latin typeface="Courier" /></a:rPr><a:t>$</a:t></a:r><a:r><a:rPr><a:solidFill><a:srgbClr val="003B4F" /></a:solidFill><a:latin typeface="Courier" /></a:rPr><a:t>lngdp) </a:t></a:r><a:r><a:rPr><a:solidFill><a:srgbClr val="5E5E5E" /></a:solidFill><a:latin typeface="Courier" /></a:rPr><a:t>-</a:t></a:r><a:r><a:rPr><a:solidFill><a:srgbClr val="003B4F" /></a:solidFill><a:latin typeface="Courier" /></a:rPr><a:t> </a:t></a:r><a:r><a:rPr><a:solidFill><a:srgbClr val="4758AB" /></a:solidFill><a:latin typeface="Courier" /></a:rPr><a:t>min</a:t></a:r><a:r><a:rPr><a:solidFill><a:srgbClr val="003B4F" /></a:solidFill><a:latin typeface="Courier" /></a:rPr><a:t>(d</a:t></a:r><a:r><a:rPr><a:solidFill><a:srgbClr val="5E5E5E" /></a:solidFill><a:latin typeface="Courier" /></a:rPr><a:t>$</a:t></a:r><a:r><a:rPr><a:solidFill><a:srgbClr val="003B4F" /></a:solidFill><a:latin typeface="Courier" /></a:rPr><a:t>lngdp),</a:t></a:r><a:br /><a:r><a:rPr><a:solidFill><a:srgbClr val="003B4F" /></a:solidFill><a:latin typeface="Courier" /></a:rPr><a:t>    </a:t></a:r><a:r><a:rPr><a:solidFill><a:srgbClr val="4758AB" /></a:solidFill><a:latin typeface="Courier" /></a:rPr><a:t>max</a:t></a:r><a:r><a:rPr><a:solidFill><a:srgbClr val="003B4F" /></a:solidFill><a:latin typeface="Courier" /></a:rPr><a:t>(d</a:t></a:r><a:r><a:rPr><a:solidFill><a:srgbClr val="5E5E5E" /></a:solidFill><a:latin typeface="Courier" /></a:rPr><a:t>$</a:t></a:r><a:r><a:rPr><a:solidFill><a:srgbClr val="003B4F" /></a:solidFill><a:latin typeface="Courier" /></a:rPr><a:t>snt) </a:t></a:r><a:r><a:rPr><a:solidFill><a:srgbClr val="5E5E5E" /></a:solidFill><a:latin typeface="Courier" /></a:rPr><a:t>-</a:t></a:r><a:r><a:rPr><a:solidFill><a:srgbClr val="003B4F" /></a:solidFill><a:latin typeface="Courier" /></a:rPr><a:t> </a:t></a:r><a:r><a:rPr><a:solidFill><a:srgbClr val="4758AB" /></a:solidFill><a:latin typeface="Courier" /></a:rPr><a:t>min</a:t></a:r><a:r><a:rPr><a:solidFill><a:srgbClr val="003B4F" /></a:solidFill><a:latin typeface="Courier" /></a:rPr><a:t>(d</a:t></a:r><a:r><a:rPr><a:solidFill><a:srgbClr val="5E5E5E" /></a:solidFill><a:latin typeface="Courier" /></a:rPr><a:t>$</a:t></a:r><a:r><a:rPr><a:solidFill><a:srgbClr val="003B4F" /></a:solidFill><a:latin typeface="Courier" /></a:rPr><a:t>snt),</a:t></a:r><a:br /><a:r><a:rPr><a:solidFill><a:srgbClr val="003B4F" /></a:solidFill><a:latin typeface="Courier" /></a:rPr><a:t>    </a:t></a:r><a:r><a:rPr><a:solidFill><a:srgbClr val="4758AB" /></a:solidFill><a:latin typeface="Courier" /></a:rPr><a:t>max</a:t></a:r><a:r><a:rPr><a:solidFill><a:srgbClr val="003B4F" /></a:solidFill><a:latin typeface="Courier" /></a:rPr><a:t>(d</a:t></a:r><a:r><a:rPr><a:solidFill><a:srgbClr val="5E5E5E" /></a:solidFill><a:latin typeface="Courier" /></a:rPr><a:t>$</a:t></a:r><a:r><a:rPr><a:solidFill><a:srgbClr val="003B4F" /></a:solidFill><a:latin typeface="Courier" /></a:rPr><a:t>lfx) </a:t></a:r><a:r><a:rPr><a:solidFill><a:srgbClr val="5E5E5E" /></a:solidFill><a:latin typeface="Courier" /></a:rPr><a:t>-</a:t></a:r><a:r><a:rPr><a:solidFill><a:srgbClr val="003B4F" /></a:solidFill><a:latin typeface="Courier" /></a:rPr><a:t> </a:t></a:r><a:r><a:rPr><a:solidFill><a:srgbClr val="4758AB" /></a:solidFill><a:latin typeface="Courier" /></a:rPr><a:t>min</a:t></a:r><a:r><a:rPr><a:solidFill><a:srgbClr val="003B4F" /></a:solidFill><a:latin typeface="Courier" /></a:rPr><a:t>(d</a:t></a:r><a:r><a:rPr><a:solidFill><a:srgbClr val="5E5E5E" /></a:solidFill><a:latin typeface="Courier" /></a:rPr><a:t>$</a:t></a:r><a:r><a:rPr><a:solidFill><a:srgbClr val="003B4F" /></a:solidFill><a:latin typeface="Courier" /></a:rPr><a:t>lfx)</a:t></a:r><a:br /><a:r><a:rPr><a:solidFill><a:srgbClr val="003B4F" /></a:solidFill><a:latin typeface="Courier" /></a:rPr><a:t>  ),</a:t></a:r><a:br /><a:r><a:rPr><a:solidFill><a:srgbClr val="003B4F" /></a:solidFill><a:latin typeface="Courier" /></a:rPr><a:t>  </a:t></a:r><a:r><a:rPr><a:solidFill><a:srgbClr val="657422" /></a:solidFill><a:latin typeface="Courier" /></a:rPr><a:t>SIR =</a:t></a:r><a:r><a:rPr><a:solidFill><a:srgbClr val="003B4F" /></a:solidFill><a:latin typeface="Courier" /></a:rPr><a:t> </a:t></a:r><a:r><a:rPr><a:solidFill><a:srgbClr val="4758AB" /></a:solidFill><a:latin typeface="Courier" /></a:rPr><a:t>c</a:t></a:r><a:r><a:rPr><a:solidFill><a:srgbClr val="003B4F" /></a:solidFill><a:latin typeface="Courier" /></a:rPr><a:t>(</a:t></a:r><a:br /><a:r><a:rPr><a:solidFill><a:srgbClr val="003B4F" /></a:solidFill><a:latin typeface="Courier" /></a:rPr><a:t>    </a:t></a:r><a:r><a:rPr><a:solidFill><a:srgbClr val="4758AB" /></a:solidFill><a:latin typeface="Courier" /></a:rPr><a:t>IQR</a:t></a:r><a:r><a:rPr><a:solidFill><a:srgbClr val="003B4F" /></a:solidFill><a:latin typeface="Courier" /></a:rPr><a:t>(d</a:t></a:r><a:r><a:rPr><a:solidFill><a:srgbClr val="5E5E5E" /></a:solidFill><a:latin typeface="Courier" /></a:rPr><a:t>$</a:t></a:r><a:r><a:rPr><a:solidFill><a:srgbClr val="003B4F" /></a:solidFill><a:latin typeface="Courier" /></a:rPr><a:t>lngdp)</a:t></a:r><a:r><a:rPr><a:solidFill><a:srgbClr val="5E5E5E" /></a:solidFill><a:latin typeface="Courier" /></a:rPr><a:t>/</a:t></a:r><a:r><a:rPr><a:solidFill><a:srgbClr val="AD0000" /></a:solidFill><a:latin typeface="Courier" /></a:rPr><a:t>2</a:t></a:r><a:r><a:rPr><a:solidFill><a:srgbClr val="003B4F" /></a:solidFill><a:latin typeface="Courier" /></a:rPr><a:t>,</a:t></a:r><a:br /><a:r><a:rPr><a:solidFill><a:srgbClr val="003B4F" /></a:solidFill><a:latin typeface="Courier" /></a:rPr><a:t>    </a:t></a:r><a:r><a:rPr><a:solidFill><a:srgbClr val="4758AB" /></a:solidFill><a:latin typeface="Courier" /></a:rPr><a:t>IQR</a:t></a:r><a:r><a:rPr><a:solidFill><a:srgbClr val="003B4F" /></a:solidFill><a:latin typeface="Courier" /></a:rPr><a:t>(d</a:t></a:r><a:r><a:rPr><a:solidFill><a:srgbClr val="5E5E5E" /></a:solidFill><a:latin typeface="Courier" /></a:rPr><a:t>$</a:t></a:r><a:r><a:rPr><a:solidFill><a:srgbClr val="003B4F" /></a:solidFill><a:latin typeface="Courier" /></a:rPr><a:t>snt)</a:t></a:r><a:r><a:rPr><a:solidFill><a:srgbClr val="5E5E5E" /></a:solidFill><a:latin typeface="Courier" /></a:rPr><a:t>/</a:t></a:r><a:r><a:rPr><a:solidFill><a:srgbClr val="AD0000" /></a:solidFill><a:latin typeface="Courier" /></a:rPr><a:t>2</a:t></a:r><a:r><a:rPr><a:solidFill><a:srgbClr val="003B4F" /></a:solidFill><a:latin typeface="Courier" /></a:rPr><a:t>,</a:t></a:r><a:br /><a:r><a:rPr><a:solidFill><a:srgbClr val="003B4F" /></a:solidFill><a:latin typeface="Courier" /></a:rPr><a:t>    </a:t></a:r><a:r><a:rPr><a:solidFill><a:srgbClr val="4758AB" /></a:solidFill><a:latin typeface="Courier" /></a:rPr><a:t>IQR</a:t></a:r><a:r><a:rPr><a:solidFill><a:srgbClr val="003B4F" /></a:solidFill><a:latin typeface="Courier" /></a:rPr><a:t>(d</a:t></a:r><a:r><a:rPr><a:solidFill><a:srgbClr val="5E5E5E" /></a:solidFill><a:latin typeface="Courier" /></a:rPr><a:t>$</a:t></a:r><a:r><a:rPr><a:solidFill><a:srgbClr val="003B4F" /></a:solidFill><a:latin typeface="Courier" /></a:rPr><a:t>lfx)</a:t></a:r><a:r><a:rPr><a:solidFill><a:srgbClr val="5E5E5E" /></a:solidFill><a:latin typeface="Courier" /></a:rPr><a:t>/</a:t></a:r><a:r><a:rPr><a:solidFill><a:srgbClr val="AD0000" /></a:solidFill><a:latin typeface="Courier" /></a:rPr><a:t>2</a:t></a:r><a:br /><a:r><a:rPr><a:solidFill><a:srgbClr val="003B4F" /></a:solidFill><a:latin typeface="Courier" /></a:rPr><a:t>  ),</a:t></a:r><a:br /><a:r><a:rPr><a:solidFill><a:srgbClr val="003B4F" /></a:solidFill><a:latin typeface="Courier" /></a:rPr><a:t>  </a:t></a:r><a:r><a:rPr><a:solidFill><a:srgbClr val="657422" /></a:solidFill><a:latin typeface="Courier" /></a:rPr><a:t>MD =</a:t></a:r><a:r><a:rPr><a:solidFill><a:srgbClr val="003B4F" /></a:solidFill><a:latin typeface="Courier" /></a:rPr><a:t> </a:t></a:r><a:r><a:rPr><a:solidFill><a:srgbClr val="4758AB" /></a:solidFill><a:latin typeface="Courier" /></a:rPr><a:t>c</a:t></a:r><a:r><a:rPr><a:solidFill><a:srgbClr val="003B4F" /></a:solidFill><a:latin typeface="Courier" /></a:rPr><a:t>(</a:t></a:r><a:br /><a:r><a:rPr><a:solidFill><a:srgbClr val="003B4F" /></a:solidFill><a:latin typeface="Courier" /></a:rPr><a:t>    </a:t></a:r><a:r><a:rPr><a:solidFill><a:srgbClr val="4758AB" /></a:solidFill><a:latin typeface="Courier" /></a:rPr><a:t>getmd</a:t></a:r><a:r><a:rPr><a:solidFill><a:srgbClr val="003B4F" /></a:solidFill><a:latin typeface="Courier" /></a:rPr><a:t>(d</a:t></a:r><a:r><a:rPr><a:solidFill><a:srgbClr val="5E5E5E" /></a:solidFill><a:latin typeface="Courier" /></a:rPr><a:t>$</a:t></a:r><a:r><a:rPr><a:solidFill><a:srgbClr val="003B4F" /></a:solidFill><a:latin typeface="Courier" /></a:rPr><a:t>lngdp),</a:t></a:r><a:br /><a:r><a:rPr><a:solidFill><a:srgbClr val="003B4F" /></a:solidFill><a:latin typeface="Courier" /></a:rPr><a:t>    </a:t></a:r><a:r><a:rPr><a:solidFill><a:srgbClr val="4758AB" /></a:solidFill><a:latin typeface="Courier" /></a:rPr><a:t>getmd</a:t></a:r><a:r><a:rPr><a:solidFill><a:srgbClr val="003B4F" /></a:solidFill><a:latin typeface="Courier" /></a:rPr><a:t>(d</a:t></a:r><a:r><a:rPr><a:solidFill><a:srgbClr val="5E5E5E" /></a:solidFill><a:latin typeface="Courier" /></a:rPr><a:t>$</a:t></a:r><a:r><a:rPr><a:solidFill><a:srgbClr val="003B4F" /></a:solidFill><a:latin typeface="Courier" /></a:rPr><a:t>snt),</a:t></a:r><a:br /><a:r><a:rPr><a:solidFill><a:srgbClr val="003B4F" /></a:solidFill><a:latin typeface="Courier" /></a:rPr><a:t>    </a:t></a:r><a:r><a:rPr><a:solidFill><a:srgbClr val="4758AB" /></a:solidFill><a:latin typeface="Courier" /></a:rPr><a:t>getmd</a:t></a:r><a:r><a:rPr><a:solidFill><a:srgbClr val="003B4F" /></a:solidFill><a:latin typeface="Courier" /></a:rPr><a:t>(d</a:t></a:r><a:r><a:rPr><a:solidFill><a:srgbClr val="5E5E5E" /></a:solidFill><a:latin typeface="Courier" /></a:rPr><a:t>$</a:t></a:r><a:r><a:rPr><a:solidFill><a:srgbClr val="003B4F" /></a:solidFill><a:latin typeface="Courier" /></a:rPr><a:t>lfx)</a:t></a:r><a:br /><a:r><a:rPr><a:solidFill><a:srgbClr val="003B4F" /></a:solidFill><a:latin typeface="Courier" /></a:rPr><a:t>  ),</a:t></a:r><a:br /><a:r><a:rPr><a:solidFill><a:srgbClr val="003B4F" /></a:solidFill><a:latin typeface="Courier" /></a:rPr><a:t>  </a:t></a:r><a:r><a:rPr><a:solidFill><a:srgbClr val="657422" /></a:solidFill><a:latin typeface="Courier" /></a:rPr><a:t>variance =</a:t></a:r><a:r><a:rPr><a:solidFill><a:srgbClr val="003B4F" /></a:solidFill><a:latin typeface="Courier" /></a:rPr><a:t> </a:t></a:r><a:r><a:rPr><a:solidFill><a:srgbClr val="4758AB" /></a:solidFill><a:latin typeface="Courier" /></a:rPr><a:t>c</a:t></a:r><a:r><a:rPr><a:solidFill><a:srgbClr val="003B4F" /></a:solidFill><a:latin typeface="Courier" /></a:rPr><a:t>(</a:t></a:r><a:br /><a:r><a:rPr><a:solidFill><a:srgbClr val="003B4F" /></a:solidFill><a:latin typeface="Courier" /></a:rPr><a:t>    (</a:t></a:r><a:r><a:rPr><a:solidFill><a:srgbClr val="4758AB" /></a:solidFill><a:latin typeface="Courier" /></a:rPr><a:t>sd</a:t></a:r><a:r><a:rPr><a:solidFill><a:srgbClr val="003B4F" /></a:solidFill><a:latin typeface="Courier" /></a:rPr><a:t>(d</a:t></a:r><a:r><a:rPr><a:solidFill><a:srgbClr val="5E5E5E" /></a:solidFill><a:latin typeface="Courier" /></a:rPr><a:t>$</a:t></a:r><a:r><a:rPr><a:solidFill><a:srgbClr val="003B4F" /></a:solidFill><a:latin typeface="Courier" /></a:rPr><a:t>lngdp))</a:t></a:r><a:r><a:rPr><a:solidFill><a:srgbClr val="5E5E5E" /></a:solidFill><a:latin typeface="Courier" /></a:rPr><a:t>^</a:t></a:r><a:r><a:rPr><a:solidFill><a:srgbClr val="AD0000" /></a:solidFill><a:latin typeface="Courier" /></a:rPr><a:t>2</a:t></a:r><a:r><a:rPr><a:solidFill><a:srgbClr val="003B4F" /></a:solidFill><a:latin typeface="Courier" /></a:rPr><a:t>,</a:t></a:r><a:br /><a:r><a:rPr><a:solidFill><a:srgbClr val="003B4F" /></a:solidFill><a:latin typeface="Courier" /></a:rPr><a:t>    (</a:t></a:r><a:r><a:rPr><a:solidFill><a:srgbClr val="4758AB" /></a:solidFill><a:latin typeface="Courier" /></a:rPr><a:t>sd</a:t></a:r><a:r><a:rPr><a:solidFill><a:srgbClr val="003B4F" /></a:solidFill><a:latin typeface="Courier" /></a:rPr><a:t>(d</a:t></a:r><a:r><a:rPr><a:solidFill><a:srgbClr val="5E5E5E" /></a:solidFill><a:latin typeface="Courier" /></a:rPr><a:t>$</a:t></a:r><a:r><a:rPr><a:solidFill><a:srgbClr val="003B4F" /></a:solidFill><a:latin typeface="Courier" /></a:rPr><a:t>snt))</a:t></a:r><a:r><a:rPr><a:solidFill><a:srgbClr val="5E5E5E" /></a:solidFill><a:latin typeface="Courier" /></a:rPr><a:t>^</a:t></a:r><a:r><a:rPr><a:solidFill><a:srgbClr val="AD0000" /></a:solidFill><a:latin typeface="Courier" /></a:rPr><a:t>2</a:t></a:r><a:r><a:rPr><a:solidFill><a:srgbClr val="003B4F" /></a:solidFill><a:latin typeface="Courier" /></a:rPr><a:t>,</a:t></a:r><a:br /><a:r><a:rPr><a:solidFill><a:srgbClr val="003B4F" /></a:solidFill><a:latin typeface="Courier" /></a:rPr><a:t>    (</a:t></a:r><a:r><a:rPr><a:solidFill><a:srgbClr val="4758AB" /></a:solidFill><a:latin typeface="Courier" /></a:rPr><a:t>sd</a:t></a:r><a:r><a:rPr><a:solidFill><a:srgbClr val="003B4F" /></a:solidFill><a:latin typeface="Courier" /></a:rPr><a:t>(d</a:t></a:r><a:r><a:rPr><a:solidFill><a:srgbClr val="5E5E5E" /></a:solidFill><a:latin typeface="Courier" /></a:rPr><a:t>$</a:t></a:r><a:r><a:rPr><a:solidFill><a:srgbClr val="003B4F" /></a:solidFill><a:latin typeface="Courier" /></a:rPr><a:t>lfx))</a:t></a:r><a:r><a:rPr><a:solidFill><a:srgbClr val="5E5E5E" /></a:solidFill><a:latin typeface="Courier" /></a:rPr><a:t>^</a:t></a:r><a:r><a:rPr><a:solidFill><a:srgbClr val="AD0000" /></a:solidFill><a:latin typeface="Courier" /></a:rPr><a:t>2</a:t></a:r><a:br /><a:r><a:rPr><a:solidFill><a:srgbClr val="003B4F" /></a:solidFill><a:latin typeface="Courier" /></a:rPr><a:t>  ),</a:t></a:r><a:br /><a:r><a:rPr><a:solidFill><a:srgbClr val="003B4F" /></a:solidFill><a:latin typeface="Courier" /></a:rPr><a:t>  </a:t></a:r><a:r><a:rPr><a:solidFill><a:srgbClr val="657422" /></a:solidFill><a:latin typeface="Courier" /></a:rPr><a:t>SD =</a:t></a:r><a:r><a:rPr><a:solidFill><a:srgbClr val="003B4F" /></a:solidFill><a:latin typeface="Courier" /></a:rPr><a:t> </a:t></a:r><a:r><a:rPr><a:solidFill><a:srgbClr val="4758AB" /></a:solidFill><a:latin typeface="Courier" /></a:rPr><a:t>c</a:t></a:r><a:r><a:rPr><a:solidFill><a:srgbClr val="003B4F" /></a:solidFill><a:latin typeface="Courier" /></a:rPr><a:t>(</a:t></a:r><a:br /><a:r><a:rPr><a:solidFill><a:srgbClr val="003B4F" /></a:solidFill><a:latin typeface="Courier" /></a:rPr><a:t>    </a:t></a:r><a:r><a:rPr><a:solidFill><a:srgbClr val="4758AB" /></a:solidFill><a:latin typeface="Courier" /></a:rPr><a:t>sd</a:t></a:r><a:r><a:rPr><a:solidFill><a:srgbClr val="003B4F" /></a:solidFill><a:latin typeface="Courier" /></a:rPr><a:t>(d</a:t></a:r><a:r><a:rPr><a:solidFill><a:srgbClr val="5E5E5E" /></a:solidFill><a:latin typeface="Courier" /></a:rPr><a:t>$</a:t></a:r><a:r><a:rPr><a:solidFill><a:srgbClr val="003B4F" /></a:solidFill><a:latin typeface="Courier" /></a:rPr><a:t>lngdp),</a:t></a:r><a:br /><a:r><a:rPr><a:solidFill><a:srgbClr val="003B4F" /></a:solidFill><a:latin typeface="Courier" /></a:rPr><a:t>    </a:t></a:r><a:r><a:rPr><a:solidFill><a:srgbClr val="4758AB" /></a:solidFill><a:latin typeface="Courier" /></a:rPr><a:t>sd</a:t></a:r><a:r><a:rPr><a:solidFill><a:srgbClr val="003B4F" /></a:solidFill><a:latin typeface="Courier" /></a:rPr><a:t>(d</a:t></a:r><a:r><a:rPr><a:solidFill><a:srgbClr val="5E5E5E" /></a:solidFill><a:latin typeface="Courier" /></a:rPr><a:t>$</a:t></a:r><a:r><a:rPr><a:solidFill><a:srgbClr val="003B4F" /></a:solidFill><a:latin typeface="Courier" /></a:rPr><a:t>snt),</a:t></a:r><a:br /><a:r><a:rPr><a:solidFill><a:srgbClr val="003B4F" /></a:solidFill><a:latin typeface="Courier" /></a:rPr><a:t>    </a:t></a:r><a:r><a:rPr><a:solidFill><a:srgbClr val="4758AB" /></a:solidFill><a:latin typeface="Courier" /></a:rPr><a:t>sd</a:t></a:r><a:r><a:rPr><a:solidFill><a:srgbClr val="003B4F" /></a:solidFill><a:latin typeface="Courier" /></a:rPr><a:t>(d</a:t></a:r><a:r><a:rPr><a:solidFill><a:srgbClr val="5E5E5E" /></a:solidFill><a:latin typeface="Courier" /></a:rPr><a:t>$</a:t></a:r><a:r><a:rPr><a:solidFill><a:srgbClr val="003B4F" /></a:solidFill><a:latin typeface="Courier" /></a:rPr><a:t>lfx)</a:t></a:r><a:br /><a:r><a:rPr><a:solidFill><a:srgbClr val="003B4F" /></a:solidFill><a:latin typeface="Courier" /></a:rPr><a:t>  )</a:t></a:r><a:br /><a:r><a:rPr><a:solidFill><a:srgbClr val="003B4F" /></a:solidFill><a:latin typeface="Courier" /></a:rPr><a:t>)</a:t></a:r><a:br /><a:br /><a:r><a:rPr><a:solidFill><a:srgbClr val="4758AB" /></a:solidFill><a:latin typeface="Courier" /></a:rPr><a:t>kable</a:t></a:r><a:r><a:rPr><a:solidFill><a:srgbClr val="003B4F" /></a:solidFill><a:latin typeface="Courier" /></a:rPr><a:t>(</a:t></a:r><a:br /><a:r><a:rPr><a:solidFill><a:srgbClr val="003B4F" /></a:solidFill><a:latin typeface="Courier" /></a:rPr><a:t>  d_disp,</a:t></a:r><a:br /><a:r><a:rPr><a:solidFill><a:srgbClr val="003B4F" /></a:solidFill><a:latin typeface="Courier" /></a:rPr><a:t>  </a:t></a:r><a:r><a:rPr><a:solidFill><a:srgbClr val="657422" /></a:solidFill><a:latin typeface="Courier" /></a:rPr><a:t>col.names =</a:t></a:r><a:r><a:rPr><a:solidFill><a:srgbClr val="003B4F" /></a:solidFill><a:latin typeface="Courier" /></a:rPr><a:t> </a:t></a:r><a:r><a:rPr><a:solidFill><a:srgbClr val="4758AB" /></a:solidFill><a:latin typeface="Courier" /></a:rPr><a:t>c</a:t></a:r><a:r><a:rPr><a:solidFill><a:srgbClr val="003B4F" /></a:solidFill><a:latin typeface="Courier" /></a:rPr><a:t>(</a:t></a:r><a:br /><a:r><a:rPr><a:solidFill><a:srgbClr val="003B4F" /></a:solidFill><a:latin typeface="Courier" /></a:rPr><a:t>    </a:t></a:r><a:r><a:rPr><a:solidFill><a:srgbClr val="20794D" /></a:solidFill><a:latin typeface="Courier" /></a:rPr><a:t>&quot;$</a:t></a:r><a:r><a:rPr><a:solidFill><a:srgbClr val="5E5E5E" /></a:solidFill><a:latin typeface="Courier" /></a:rPr><a:t>\\</a:t></a:r><a:r><a:rPr><a:solidFill><a:srgbClr val="20794D" /></a:solidFill><a:latin typeface="Courier" /></a:rPr><a:t>operatorname{Range}(x)$&quot;</a:t></a:r><a:r><a:rPr><a:solidFill><a:srgbClr val="003B4F" /></a:solidFill><a:latin typeface="Courier" /></a:rPr><a:t>,</a:t></a:r><a:br /><a:r><a:rPr><a:solidFill><a:srgbClr val="003B4F" /></a:solidFill><a:latin typeface="Courier" /></a:rPr><a:t>    </a:t></a:r><a:r><a:rPr><a:solidFill><a:srgbClr val="20794D" /></a:solidFill><a:latin typeface="Courier" /></a:rPr><a:t>&quot;$</a:t></a:r><a:r><a:rPr><a:solidFill><a:srgbClr val="5E5E5E" /></a:solidFill><a:latin typeface="Courier" /></a:rPr><a:t>\\</a:t></a:r><a:r><a:rPr><a:solidFill><a:srgbClr val="20794D" /></a:solidFill><a:latin typeface="Courier" /></a:rPr><a:t>operatorname{SIR}(x)$&quot;</a:t></a:r><a:r><a:rPr><a:solidFill><a:srgbClr val="003B4F" /></a:solidFill><a:latin typeface="Courier" /></a:rPr><a:t>,</a:t></a:r><a:br /><a:r><a:rPr><a:solidFill><a:srgbClr val="003B4F" /></a:solidFill><a:latin typeface="Courier" /></a:rPr><a:t>    </a:t></a:r><a:r><a:rPr><a:solidFill><a:srgbClr val="20794D" /></a:solidFill><a:latin typeface="Courier" /></a:rPr><a:t>&quot;$</a:t></a:r><a:r><a:rPr><a:solidFill><a:srgbClr val="5E5E5E" /></a:solidFill><a:latin typeface="Courier" /></a:rPr><a:t>\\</a:t></a:r><a:r><a:rPr><a:solidFill><a:srgbClr val="20794D" /></a:solidFill><a:latin typeface="Courier" /></a:rPr><a:t>operatorname{MD}_{(</a:t></a:r><a:r><a:rPr><a:solidFill><a:srgbClr val="5E5E5E" /></a:solidFill><a:latin typeface="Courier" /></a:rPr><a:t>\\</a:t></a:r><a:r><a:rPr><a:solidFill><a:srgbClr val="20794D" /></a:solidFill><a:latin typeface="Courier" /></a:rPr><a:t>bar{x})}(x)$&quot;</a:t></a:r><a:r><a:rPr><a:solidFill><a:srgbClr val="003B4F" /></a:solidFill><a:latin typeface="Courier" /></a:rPr><a:t>,</a:t></a:r><a:br /><a:r><a:rPr><a:solidFill><a:srgbClr val="003B4F" /></a:solidFill><a:latin typeface="Courier" /></a:rPr><a:t>    </a:t></a:r><a:r><a:rPr><a:solidFill><a:srgbClr val="20794D" /></a:solidFill><a:latin typeface="Courier" /></a:rPr><a:t>&quot;$</a:t></a:r><a:r><a:rPr><a:solidFill><a:srgbClr val="5E5E5E" /></a:solidFill><a:latin typeface="Courier" /></a:rPr><a:t>\\</a:t></a:r><a:r><a:rPr><a:solidFill><a:srgbClr val="20794D" /></a:solidFill><a:latin typeface="Courier" /></a:rPr><a:t>quad </a:t></a:r><a:r><a:rPr><a:solidFill><a:srgbClr val="5E5E5E" /></a:solidFill><a:latin typeface="Courier" /></a:rPr><a:t>\\</a:t></a:r><a:r><a:rPr><a:solidFill><a:srgbClr val="20794D" /></a:solidFill><a:latin typeface="Courier" /></a:rPr><a:t>quad </a:t></a:r><a:r><a:rPr><a:solidFill><a:srgbClr val="5E5E5E" /></a:solidFill><a:latin typeface="Courier" /></a:rPr><a:t>\\</a:t></a:r><a:r><a:rPr><a:solidFill><a:srgbClr val="20794D" /></a:solidFill><a:latin typeface="Courier" /></a:rPr><a:t>quad </a:t></a:r><a:r><a:rPr><a:solidFill><a:srgbClr val="5E5E5E" /></a:solidFill><a:latin typeface="Courier" /></a:rPr><a:t>\\</a:t></a:r><a:r><a:rPr><a:solidFill><a:srgbClr val="20794D" /></a:solidFill><a:latin typeface="Courier" /></a:rPr><a:t>quad s_x^2$&quot;</a:t></a:r><a:r><a:rPr><a:solidFill><a:srgbClr val="003B4F" /></a:solidFill><a:latin typeface="Courier" /></a:rPr><a:t>,</a:t></a:r><a:br /><a:r><a:rPr><a:solidFill><a:srgbClr val="003B4F" /></a:solidFill><a:latin typeface="Courier" /></a:rPr><a:t>    </a:t></a:r><a:r><a:rPr><a:solidFill><a:srgbClr val="20794D" /></a:solidFill><a:latin typeface="Courier" /></a:rPr><a:t>&quot;$</a:t></a:r><a:r><a:rPr><a:solidFill><a:srgbClr val="5E5E5E" /></a:solidFill><a:latin typeface="Courier" /></a:rPr><a:t>\\</a:t></a:r><a:r><a:rPr><a:solidFill><a:srgbClr val="20794D" /></a:solidFill><a:latin typeface="Courier" /></a:rPr><a:t>quad </a:t></a:r><a:r><a:rPr><a:solidFill><a:srgbClr val="5E5E5E" /></a:solidFill><a:latin typeface="Courier" /></a:rPr><a:t>\\</a:t></a:r><a:r><a:rPr><a:solidFill><a:srgbClr val="20794D" /></a:solidFill><a:latin typeface="Courier" /></a:rPr><a:t>quad </a:t></a:r><a:r><a:rPr><a:solidFill><a:srgbClr val="5E5E5E" /></a:solidFill><a:latin typeface="Courier" /></a:rPr><a:t>\\</a:t></a:r><a:r><a:rPr><a:solidFill><a:srgbClr val="20794D" /></a:solidFill><a:latin typeface="Courier" /></a:rPr><a:t>quad </a:t></a:r><a:r><a:rPr><a:solidFill><a:srgbClr val="5E5E5E" /></a:solidFill><a:latin typeface="Courier" /></a:rPr><a:t>\\</a:t></a:r><a:r><a:rPr><a:solidFill><a:srgbClr val="20794D" /></a:solidFill><a:latin typeface="Courier" /></a:rPr><a:t>quad s_x$&quot;</a:t></a:r><a:br /><a:r><a:rPr><a:solidFill><a:srgbClr val="003B4F" /></a:solidFill><a:latin typeface="Courier" /></a:rPr><a:t>  ),</a:t></a:r><a:br /><a:r><a:rPr><a:solidFill><a:srgbClr val="003B4F" /></a:solidFill><a:latin typeface="Courier" /></a:rPr><a:t>  </a:t></a:r><a:r><a:rPr><a:solidFill><a:srgbClr val="657422" /></a:solidFill><a:latin typeface="Courier" /></a:rPr><a:t>digits=</a:t></a:r><a:r><a:rPr><a:solidFill><a:srgbClr val="AD0000" /></a:solidFill><a:latin typeface="Courier" /></a:rPr><a:t>5</a:t></a:r><a:br /><a:r><a:rPr><a:solidFill><a:srgbClr val="003B4F" /></a:solidFill><a:latin typeface="Courier" /></a:rPr><a:t>)</a:t></a:r></a:p></p:txBody></p:sp></mc:Choice></mc:AlternateContent><p:graphicFrame><p:nvGraphicFramePr><p:cNvPr id="6" name="Content Placeholder 5" /><p:cNvGraphicFramePr><a:graphicFrameLocks noGrp="1" /></p:cNvGraphicFramePr><p:nvPr><p:ph idx="1" /></p:nvPr></p:nvGraphicFramePr><p:xfrm><a:off x="4775200" y="1447800" /><a:ext cx="5194300" cy="4572000" /></p:xfrm><a:graphic><a:graphicData uri="http://schemas.openxmlformats.org/drawingml/2006/table"><a:tbl><a:tblPr firstRow="1" bandRow="1"><a:tableStyleId>{5C22544A-7EE6-4342-B048-85BDC9FD1C3A}</a:tableStyleId></a:tblPr><a:tblGrid><a:gridCol w="863600" /><a:gridCol w="863600" /><a:gridCol w="863600" /><a:gridCol w="863600" /><a:gridCol w="863600" /><a:gridCol w="863600" /></a:tblGrid><a:tr h="0"><a:tc><a:txBody><a:bodyPr /><a:lstStyle /><a:p><a:endParaRPr /></a:p></a:txBody><a:tcPr /></a:tc><a:tc><a:txBody><a:bodyPr /><a:lstStyle /><a:p><a:pPr lvl="0" indent="0" marL="0" algn="r"><a:buNone /></a:pPr><a14:m><m:oMath xmlns:m="http://schemas.openxmlformats.org/officeDocument/2006/math"><m:r><m:rPr><m:sty m:val="p" /></m:rPr><m:t>Range</m:t></m:r><m:d><m:dPr><m:begChr m:val="(" /><m:endChr m:val=")" /><m:sepChr m:val="" /><m:grow /></m:dPr><m:e><m:r><m:t>x</m:t></m:r></m:e></m:d></m:oMath></a14:m></a:p></a:txBody><a:tcPr /></a:tc><a:tc><a:txBody><a:bodyPr /><a:lstStyle /><a:p><a:pPr lvl="0" indent="0" marL="0" algn="r"><a:buNone /></a:pPr><a14:m><m:oMath xmlns:m="http://schemas.openxmlformats.org/officeDocument/2006/math"><m:r><m:rPr><m:sty m:val="p" /></m:rPr><m:t>SIR</m:t></m:r><m:d><m:dPr><m:begChr m:val="(" /><m:endChr m:val=")" /><m:sepChr m:val="" /><m:grow /></m:dPr><m:e><m:r><m:t>x</m:t></m:r></m:e></m:d></m:oMath></a14:m></a:p></a:txBody><a:tcPr /></a:tc><a:tc><a:txBody><a:bodyPr /><a:lstStyle /><a:p><a:pPr lvl="0" indent="0" marL="0" algn="r"><a:buNone /></a:pPr><a14:m><m:oMath xmlns:m="http://schemas.openxmlformats.org/officeDocument/2006/math"><m:sSub><m:e><m:r><m:rPr><m:sty m:val="p" /></m:rPr><m:t>MD</m:t></m:r></m:e><m:sub><m:d><m:dPr><m:begChr m:val="(" /><m:endChr m:val=")" /><m:sepChr m:val="" /><m:grow /></m:dPr><m:e><m:acc><m:accPr><m:chr m:val="‾" /></m:accPr><m:e><m:r><m:t>x</m:t></m:r></m:e></m:acc></m:e></m:d></m:sub></m:sSub><m:d><m:dPr><m:begChr m:val="(" /><m:endChr m:val=")" /><m:sepChr m:val="" /><m:grow /></m:dPr><m:e><m:r><m:t>x</m:t></m:r></m:e></m:d></m:oMath></a14:m></a:p></a:txBody><a:tcPr /></a:tc><a:tc><a:txBody><a:bodyPr /><a:lstStyle /><a:p><a:pPr lvl="0" indent="0" marL="0" algn="r"><a:buNone /></a:pPr><a14:m><m:oMath xmlns:m="http://schemas.openxmlformats.org/officeDocument/2006/math"><m:r><m:t> </m:t></m:r><m:r><m:t> </m:t></m:r><m:r><m:t> </m:t></m:r><m:r><m:t> </m:t></m:r><m:sSubSup><m:e><m:r><m:t>s</m:t></m:r></m:e><m:sub><m:r><m:t>x</m:t></m:r></m:sub><m:sup><m:r><m:t>2</m:t></m:r></m:sup></m:sSubSup></m:oMath></a14:m></a:p></a:txBody><a:tcPr /></a:tc><a:tc><a:txBody><a:bodyPr /><a:lstStyle /><a:p><a:pPr lvl="0" indent="0" marL="0" algn="r"><a:buNone /></a:pPr><a14:m><m:oMath xmlns:m="http://schemas.openxmlformats.org/officeDocument/2006/math"><m:r><m:t> </m:t></m:r><m:r><m:t> </m:t></m:r><m:r><m:t> </m:t></m:r><m:r><m:t> </m:t></m:r><m:sSub><m:e><m:r><m:t>s</m:t></m:r></m:e><m:sub><m:r><m:t>x</m:t></m:r></m:sub></m:sSub></m:oMath></a14:m></a:p></a:txBody><a:tcPr /></a:tc></a:tr><a:tr h="0"><a:tc><a:txBody><a:bodyPr /><a:lstStyle /><a:p><a:pPr lvl="0" indent="0" marL="0" algn="l"><a:buNone /></a:pPr><a:r><a:rPr i="1" /><a:t>ln(GDP)</a:t></a:r></a:p></a:txBody></a:tc><a:tc><a:txBody><a:bodyPr /><a:lstStyle /><a:p><a:pPr lvl="0" indent="0" marL="0" algn="r"><a:buNone /></a:pPr><a:r><a:rPr /><a:t>6.04435</a:t></a:r></a:p></a:txBody></a:tc><a:tc><a:txBody><a:bodyPr /><a:lstStyle /><a:p><a:pPr lvl="0" indent="0" marL="0" algn="r"><a:buNone /></a:pPr><a:r><a:rPr /><a:t>1.06914</a:t></a:r></a:p></a:txBody></a:tc><a:tc><a:txBody><a:bodyPr /><a:lstStyle /><a:p><a:pPr lvl="0" indent="0" marL="0" algn="r"><a:buNone /></a:pPr><a:r><a:rPr /><a:t>1.17229</a:t></a:r></a:p></a:txBody></a:tc><a:tc><a:txBody><a:bodyPr /><a:lstStyle /><a:p><a:pPr lvl="0" indent="0" marL="0" algn="r"><a:buNone /></a:pPr><a:r><a:rPr /><a:t>2.01791</a:t></a:r></a:p></a:txBody></a:tc><a:tc><a:txBody><a:bodyPr /><a:lstStyle /><a:p><a:pPr lvl="0" indent="0" marL="0" algn="r"><a:buNone /></a:pPr><a:r><a:rPr /><a:t>1.42053</a:t></a:r></a:p></a:txBody></a:tc></a:tr><a:tr h="0"><a:tc><a:txBody><a:bodyPr /><a:lstStyle /><a:p><a:pPr lvl="0" indent="0" marL="0" algn="l"><a:buNone /></a:pPr><a:r><a:rPr i="1" /><a:t>Sanitation</a:t></a:r></a:p></a:txBody></a:tc><a:tc><a:txBody><a:bodyPr /><a:lstStyle /><a:p><a:pPr lvl="0" indent="0" marL="0" algn="r"><a:buNone /></a:pPr><a:r><a:rPr /><a:t>94.03000</a:t></a:r></a:p></a:txBody></a:tc><a:tc><a:txBody><a:bodyPr /><a:lstStyle /><a:p><a:pPr lvl="0" indent="0" marL="0" algn="r"><a:buNone /></a:pPr><a:r><a:rPr /><a:t>24.65000</a:t></a:r></a:p></a:txBody></a:tc><a:tc><a:txBody><a:bodyPr /><a:lstStyle /><a:p><a:pPr lvl="0" indent="0" marL="0" algn="r"><a:buNone /></a:pPr><a:r><a:rPr /><a:t>25.50487</a:t></a:r></a:p></a:txBody></a:tc><a:tc><a:txBody><a:bodyPr /><a:lstStyle /><a:p><a:pPr lvl="0" indent="0" marL="0" algn="r"><a:buNone /></a:pPr><a:r><a:rPr /><a:t>872.29346</a:t></a:r></a:p></a:txBody></a:tc><a:tc><a:txBody><a:bodyPr /><a:lstStyle /><a:p><a:pPr lvl="0" indent="0" marL="0" algn="r"><a:buNone /></a:pPr><a:r><a:rPr /><a:t>29.53461</a:t></a:r></a:p></a:txBody></a:tc></a:tr><a:tr h="0"><a:tc><a:txBody><a:bodyPr /><a:lstStyle /><a:p><a:pPr lvl="0" indent="0" marL="0" algn="l"><a:buNone /></a:pPr><a:r><a:rPr i="1" /><a:t>Life Exp.</a:t></a:r></a:p></a:txBody></a:tc><a:tc><a:txBody><a:bodyPr /><a:lstStyle /><a:p><a:pPr lvl="0" indent="0" marL="0" algn="r"><a:buNone /></a:pPr><a:r><a:rPr /><a:t>50.80000</a:t></a:r></a:p></a:txBody></a:tc><a:tc><a:txBody><a:bodyPr /><a:lstStyle /><a:p><a:pPr lvl="0" indent="0" marL="0" algn="r"><a:buNone /></a:pPr><a:r><a:rPr /><a:t>6.00000</a:t></a:r></a:p></a:txBody></a:tc><a:tc><a:txBody><a:bodyPr /><a:lstStyle /><a:p><a:pPr lvl="0" indent="0" marL="0" algn="r"><a:buNone /></a:pPr><a:r><a:rPr /><a:t>6.98712</a:t></a:r></a:p></a:txBody></a:tc><a:tc><a:txBody><a:bodyPr /><a:lstStyle /><a:p><a:pPr lvl="0" indent="0" marL="0" algn="r"><a:buNone /></a:pPr><a:r><a:rPr /><a:t>75.33494</a:t></a:r></a:p></a:txBody></a:tc><a:tc><a:txBody><a:bodyPr /><a:lstStyle /><a:p><a:pPr lvl="0" indent="0" marL="0" algn="r"><a:buNone /></a:pPr><a:r><a:rPr /><a:t>8.67957</a:t></a:r></a:p></a:txBody></a:tc></a:tr></a:tbl></a:graphicData></a:graphic></p:graphicFrame></p:spTree></p:cSld></p:sld>
 </file>
 
 <file path=ppt/slides/slide6.xml><?xml version="1.0" encoding="utf-8"?>
@@ -12536,6 +12549,42 @@
                 </a:solidFill>
                 <a:latin typeface="Courier"/>
               </a:rPr>
+              <a:t>, </a:t>
+            </a:r>
+            <a:r>
+              <a:rPr>
+                <a:solidFill>
+                  <a:srgbClr val="657422"/>
+                </a:solidFill>
+                <a:latin typeface="Courier"/>
+              </a:rPr>
+              <a:t>outlier.color =</a:t>
+            </a:r>
+            <a:r>
+              <a:rPr>
+                <a:solidFill>
+                  <a:srgbClr val="003B4F"/>
+                </a:solidFill>
+                <a:latin typeface="Courier"/>
+              </a:rPr>
+              <a:t> </a:t>
+            </a:r>
+            <a:r>
+              <a:rPr>
+                <a:solidFill>
+                  <a:srgbClr val="20794D"/>
+                </a:solidFill>
+                <a:latin typeface="Courier"/>
+              </a:rPr>
+              <a:t>"orange"</a:t>
+            </a:r>
+            <a:r>
+              <a:rPr>
+                <a:solidFill>
+                  <a:srgbClr val="003B4F"/>
+                </a:solidFill>
+                <a:latin typeface="Courier"/>
+              </a:rPr>
               <a:t>)</a:t>
             </a:r>
             <a:r>
@@ -12673,11 +12722,30 @@
             <a:r>
               <a:rPr>
                 <a:solidFill>
+                  <a:srgbClr val="003B4F"/>
+                </a:solidFill>
+                <a:latin typeface="Courier"/>
+              </a:rPr>
+              <a:t>mycolor</a:t>
+            </a:r>
+            <a:r>
+              <a:rPr>
+                <a:solidFill>
+                  <a:srgbClr val="5E5E5E"/>
+                </a:solidFill>
+                <a:latin typeface="Courier"/>
+              </a:rPr>
+              <a:t>+</a:t>
+            </a:r>
+            <a:br/>
+            <a:r>
+              <a:rPr>
+                <a:solidFill>
                   <a:srgbClr val="4758AB"/>
                 </a:solidFill>
                 <a:latin typeface="Courier"/>
               </a:rPr>
-              <a:t>scale_color_manual</a:t>
+              <a:t>facet_wrap</a:t>
             </a:r>
             <a:r>
               <a:rPr>
@@ -12688,6 +12756,78 @@
               </a:rPr>
               <a:t>(</a:t>
             </a:r>
+            <a:r>
+              <a:rPr>
+                <a:solidFill>
+                  <a:srgbClr val="5E5E5E"/>
+                </a:solidFill>
+                <a:latin typeface="Courier"/>
+              </a:rPr>
+              <a:t>~</a:t>
+            </a:r>
+            <a:r>
+              <a:rPr>
+                <a:solidFill>
+                  <a:srgbClr val="003B4F"/>
+                </a:solidFill>
+                <a:latin typeface="Courier"/>
+              </a:rPr>
+              <a:t>ind, </a:t>
+            </a:r>
+            <a:r>
+              <a:rPr>
+                <a:solidFill>
+                  <a:srgbClr val="657422"/>
+                </a:solidFill>
+                <a:latin typeface="Courier"/>
+              </a:rPr>
+              <a:t>scales=</a:t>
+            </a:r>
+            <a:r>
+              <a:rPr>
+                <a:solidFill>
+                  <a:srgbClr val="20794D"/>
+                </a:solidFill>
+                <a:latin typeface="Courier"/>
+              </a:rPr>
+              <a:t>"free"</a:t>
+            </a:r>
+            <a:r>
+              <a:rPr>
+                <a:solidFill>
+                  <a:srgbClr val="003B4F"/>
+                </a:solidFill>
+                <a:latin typeface="Courier"/>
+              </a:rPr>
+              <a:t>, </a:t>
+            </a:r>
+            <a:r>
+              <a:rPr>
+                <a:solidFill>
+                  <a:srgbClr val="657422"/>
+                </a:solidFill>
+                <a:latin typeface="Courier"/>
+              </a:rPr>
+              <a:t>labeller =</a:t>
+            </a:r>
+            <a:r>
+              <a:rPr>
+                <a:solidFill>
+                  <a:srgbClr val="003B4F"/>
+                </a:solidFill>
+                <a:latin typeface="Courier"/>
+              </a:rPr>
+              <a:t> labelfunction)</a:t>
+            </a:r>
+            <a:r>
+              <a:rPr>
+                <a:solidFill>
+                  <a:srgbClr val="5E5E5E"/>
+                </a:solidFill>
+                <a:latin typeface="Courier"/>
+              </a:rPr>
+              <a:t>+</a:t>
+            </a:r>
             <a:br/>
             <a:r>
               <a:rPr>
@@ -12701,11 +12841,29 @@
             <a:r>
               <a:rPr>
                 <a:solidFill>
+                  <a:srgbClr val="4758AB"/>
+                </a:solidFill>
+                <a:latin typeface="Courier"/>
+              </a:rPr>
+              <a:t>theme</a:t>
+            </a:r>
+            <a:r>
+              <a:rPr>
+                <a:solidFill>
+                  <a:srgbClr val="003B4F"/>
+                </a:solidFill>
+                <a:latin typeface="Courier"/>
+              </a:rPr>
+              <a:t>(</a:t>
+            </a:r>
+            <a:r>
+              <a:rPr>
+                <a:solidFill>
                   <a:srgbClr val="657422"/>
                 </a:solidFill>
                 <a:latin typeface="Courier"/>
               </a:rPr>
-              <a:t>values=</a:t>
+              <a:t>axis.text.x=</a:t>
             </a:r>
             <a:r>
               <a:rPr>
@@ -12714,7 +12872,90 @@
                 </a:solidFill>
                 <a:latin typeface="Courier"/>
               </a:rPr>
-              <a:t>c</a:t>
+              <a:t>element_blank</a:t>
+            </a:r>
+            <a:r>
+              <a:rPr>
+                <a:solidFill>
+                  <a:srgbClr val="003B4F"/>
+                </a:solidFill>
+                <a:latin typeface="Courier"/>
+              </a:rPr>
+              <a:t>(),</a:t>
+            </a:r>
+            <a:br/>
+            <a:r>
+              <a:rPr>
+                <a:solidFill>
+                  <a:srgbClr val="003B4F"/>
+                </a:solidFill>
+                <a:latin typeface="Courier"/>
+              </a:rPr>
+              <a:t>        </a:t>
+            </a:r>
+            <a:r>
+              <a:rPr>
+                <a:solidFill>
+                  <a:srgbClr val="657422"/>
+                </a:solidFill>
+                <a:latin typeface="Courier"/>
+              </a:rPr>
+              <a:t>legend.position=</a:t>
+            </a:r>
+            <a:r>
+              <a:rPr>
+                <a:solidFill>
+                  <a:srgbClr val="20794D"/>
+                </a:solidFill>
+                <a:latin typeface="Courier"/>
+              </a:rPr>
+              <a:t>"none"</a:t>
+            </a:r>
+            <a:r>
+              <a:rPr>
+                <a:solidFill>
+                  <a:srgbClr val="003B4F"/>
+                </a:solidFill>
+                <a:latin typeface="Courier"/>
+              </a:rPr>
+              <a:t>,</a:t>
+            </a:r>
+            <a:br/>
+            <a:r>
+              <a:rPr>
+                <a:solidFill>
+                  <a:srgbClr val="003B4F"/>
+                </a:solidFill>
+                <a:latin typeface="Courier"/>
+              </a:rPr>
+              <a:t>        </a:t>
+            </a:r>
+            <a:r>
+              <a:rPr>
+                <a:solidFill>
+                  <a:srgbClr val="657422"/>
+                </a:solidFill>
+                <a:latin typeface="Courier"/>
+              </a:rPr>
+              <a:t>strip.text.x =</a:t>
+            </a:r>
+            <a:r>
+              <a:rPr>
+                <a:solidFill>
+                  <a:srgbClr val="003B4F"/>
+                </a:solidFill>
+                <a:latin typeface="Courier"/>
+              </a:rPr>
+              <a:t> </a:t>
+            </a:r>
+            <a:r>
+              <a:rPr>
+                <a:solidFill>
+                  <a:srgbClr val="4758AB"/>
+                </a:solidFill>
+                <a:latin typeface="Courier"/>
+              </a:rPr>
+              <a:t>element_text</a:t>
             </a:r>
             <a:r>
               <a:rPr>
@@ -12725,6 +12966,60 @@
               </a:rPr>
               <a:t>(</a:t>
             </a:r>
+            <a:r>
+              <a:rPr>
+                <a:solidFill>
+                  <a:srgbClr val="657422"/>
+                </a:solidFill>
+                <a:latin typeface="Courier"/>
+              </a:rPr>
+              <a:t>size =</a:t>
+            </a:r>
+            <a:r>
+              <a:rPr>
+                <a:solidFill>
+                  <a:srgbClr val="003B4F"/>
+                </a:solidFill>
+                <a:latin typeface="Courier"/>
+              </a:rPr>
+              <a:t> </a:t>
+            </a:r>
+            <a:r>
+              <a:rPr>
+                <a:solidFill>
+                  <a:srgbClr val="4758AB"/>
+                </a:solidFill>
+                <a:latin typeface="Courier"/>
+              </a:rPr>
+              <a:t>rel</a:t>
+            </a:r>
+            <a:r>
+              <a:rPr>
+                <a:solidFill>
+                  <a:srgbClr val="003B4F"/>
+                </a:solidFill>
+                <a:latin typeface="Courier"/>
+              </a:rPr>
+              <a:t>(</a:t>
+            </a:r>
+            <a:r>
+              <a:rPr>
+                <a:solidFill>
+                  <a:srgbClr val="AD0000"/>
+                </a:solidFill>
+                <a:latin typeface="Courier"/>
+              </a:rPr>
+              <a:t>1.5</a:t>
+            </a:r>
+            <a:r>
+              <a:rPr>
+                <a:solidFill>
+                  <a:srgbClr val="003B4F"/>
+                </a:solidFill>
+                <a:latin typeface="Courier"/>
+              </a:rPr>
+              <a:t>)),</a:t>
+            </a:r>
             <a:br/>
             <a:r>
               <a:rPr>
@@ -12733,25 +13028,43 @@
                 </a:solidFill>
                 <a:latin typeface="Courier"/>
               </a:rPr>
-              <a:t>    </a:t>
-            </a:r>
-            <a:r>
-              <a:rPr>
-                <a:solidFill>
-                  <a:srgbClr val="20794D"/>
-                </a:solidFill>
-                <a:latin typeface="Courier"/>
-              </a:rPr>
-              <a:t>"#cc241d80"</a:t>
-            </a:r>
-            <a:r>
-              <a:rPr>
-                <a:solidFill>
-                  <a:srgbClr val="003B4F"/>
-                </a:solidFill>
-                <a:latin typeface="Courier"/>
-              </a:rPr>
-              <a:t>,</a:t>
+              <a:t>        </a:t>
+            </a:r>
+            <a:r>
+              <a:rPr>
+                <a:solidFill>
+                  <a:srgbClr val="657422"/>
+                </a:solidFill>
+                <a:latin typeface="Courier"/>
+              </a:rPr>
+              <a:t>panel.grid.minor.x =</a:t>
+            </a:r>
+            <a:r>
+              <a:rPr>
+                <a:solidFill>
+                  <a:srgbClr val="003B4F"/>
+                </a:solidFill>
+                <a:latin typeface="Courier"/>
+              </a:rPr>
+              <a:t> </a:t>
+            </a:r>
+            <a:r>
+              <a:rPr>
+                <a:solidFill>
+                  <a:srgbClr val="4758AB"/>
+                </a:solidFill>
+                <a:latin typeface="Courier"/>
+              </a:rPr>
+              <a:t>element_blank</a:t>
+            </a:r>
+            <a:r>
+              <a:rPr>
+                <a:solidFill>
+                  <a:srgbClr val="003B4F"/>
+                </a:solidFill>
+                <a:latin typeface="Courier"/>
+              </a:rPr>
+              <a:t>(),</a:t>
             </a:r>
             <a:br/>
             <a:r>
@@ -12761,46 +13074,26 @@
                 </a:solidFill>
                 <a:latin typeface="Courier"/>
               </a:rPr>
-              <a:t>    </a:t>
-            </a:r>
-            <a:r>
-              <a:rPr>
-                <a:solidFill>
-                  <a:srgbClr val="20794D"/>
-                </a:solidFill>
-                <a:latin typeface="Courier"/>
-              </a:rPr>
-              <a:t>"#45858880"</a:t>
-            </a:r>
-            <a:r>
-              <a:rPr>
-                <a:solidFill>
-                  <a:srgbClr val="003B4F"/>
-                </a:solidFill>
-                <a:latin typeface="Courier"/>
-              </a:rPr>
-              <a:t>)</a:t>
-            </a:r>
-            <a:br/>
-            <a:r>
-              <a:rPr>
-                <a:solidFill>
-                  <a:srgbClr val="003B4F"/>
-                </a:solidFill>
-                <a:latin typeface="Courier"/>
-              </a:rPr>
-              <a:t>  )</a:t>
-            </a:r>
-            <a:r>
-              <a:rPr>
-                <a:solidFill>
-                  <a:srgbClr val="5E5E5E"/>
-                </a:solidFill>
-                <a:latin typeface="Courier"/>
-              </a:rPr>
-              <a:t>+</a:t>
-            </a:r>
-            <a:br/>
+              <a:t>        </a:t>
+            </a:r>
+            <a:r>
+              <a:rPr>
+                <a:solidFill>
+                  <a:srgbClr val="657422"/>
+                </a:solidFill>
+                <a:latin typeface="Courier"/>
+              </a:rPr>
+              <a:t>panel.grid.major.x =</a:t>
+            </a:r>
+            <a:r>
+              <a:rPr>
+                <a:solidFill>
+                  <a:srgbClr val="003B4F"/>
+                </a:solidFill>
+                <a:latin typeface="Courier"/>
+              </a:rPr>
+              <a:t> </a:t>
+            </a:r>
             <a:r>
               <a:rPr>
                 <a:solidFill>
@@ -12808,133 +13101,6 @@
                 </a:solidFill>
                 <a:latin typeface="Courier"/>
               </a:rPr>
-              <a:t>facet_wrap</a:t>
-            </a:r>
-            <a:r>
-              <a:rPr>
-                <a:solidFill>
-                  <a:srgbClr val="003B4F"/>
-                </a:solidFill>
-                <a:latin typeface="Courier"/>
-              </a:rPr>
-              <a:t>(</a:t>
-            </a:r>
-            <a:r>
-              <a:rPr>
-                <a:solidFill>
-                  <a:srgbClr val="5E5E5E"/>
-                </a:solidFill>
-                <a:latin typeface="Courier"/>
-              </a:rPr>
-              <a:t>~</a:t>
-            </a:r>
-            <a:r>
-              <a:rPr>
-                <a:solidFill>
-                  <a:srgbClr val="003B4F"/>
-                </a:solidFill>
-                <a:latin typeface="Courier"/>
-              </a:rPr>
-              <a:t>ind, </a:t>
-            </a:r>
-            <a:r>
-              <a:rPr>
-                <a:solidFill>
-                  <a:srgbClr val="657422"/>
-                </a:solidFill>
-                <a:latin typeface="Courier"/>
-              </a:rPr>
-              <a:t>scales=</a:t>
-            </a:r>
-            <a:r>
-              <a:rPr>
-                <a:solidFill>
-                  <a:srgbClr val="20794D"/>
-                </a:solidFill>
-                <a:latin typeface="Courier"/>
-              </a:rPr>
-              <a:t>"free"</a:t>
-            </a:r>
-            <a:r>
-              <a:rPr>
-                <a:solidFill>
-                  <a:srgbClr val="003B4F"/>
-                </a:solidFill>
-                <a:latin typeface="Courier"/>
-              </a:rPr>
-              <a:t>, </a:t>
-            </a:r>
-            <a:r>
-              <a:rPr>
-                <a:solidFill>
-                  <a:srgbClr val="657422"/>
-                </a:solidFill>
-                <a:latin typeface="Courier"/>
-              </a:rPr>
-              <a:t>labeller =</a:t>
-            </a:r>
-            <a:r>
-              <a:rPr>
-                <a:solidFill>
-                  <a:srgbClr val="003B4F"/>
-                </a:solidFill>
-                <a:latin typeface="Courier"/>
-              </a:rPr>
-              <a:t> labelfunction)</a:t>
-            </a:r>
-            <a:r>
-              <a:rPr>
-                <a:solidFill>
-                  <a:srgbClr val="5E5E5E"/>
-                </a:solidFill>
-                <a:latin typeface="Courier"/>
-              </a:rPr>
-              <a:t>+</a:t>
-            </a:r>
-            <a:br/>
-            <a:r>
-              <a:rPr>
-                <a:solidFill>
-                  <a:srgbClr val="003B4F"/>
-                </a:solidFill>
-                <a:latin typeface="Courier"/>
-              </a:rPr>
-              <a:t>  </a:t>
-            </a:r>
-            <a:r>
-              <a:rPr>
-                <a:solidFill>
-                  <a:srgbClr val="4758AB"/>
-                </a:solidFill>
-                <a:latin typeface="Courier"/>
-              </a:rPr>
-              <a:t>theme</a:t>
-            </a:r>
-            <a:r>
-              <a:rPr>
-                <a:solidFill>
-                  <a:srgbClr val="003B4F"/>
-                </a:solidFill>
-                <a:latin typeface="Courier"/>
-              </a:rPr>
-              <a:t>(</a:t>
-            </a:r>
-            <a:r>
-              <a:rPr>
-                <a:solidFill>
-                  <a:srgbClr val="657422"/>
-                </a:solidFill>
-                <a:latin typeface="Courier"/>
-              </a:rPr>
-              <a:t>axis.text.x=</a:t>
-            </a:r>
-            <a:r>
-              <a:rPr>
-                <a:solidFill>
-                  <a:srgbClr val="4758AB"/>
-                </a:solidFill>
-                <a:latin typeface="Courier"/>
-              </a:rPr>
               <a:t>element_blank</a:t>
             </a:r>
             <a:r>
@@ -12944,144 +13110,7 @@
                 </a:solidFill>
                 <a:latin typeface="Courier"/>
               </a:rPr>
-              <a:t>(),</a:t>
-            </a:r>
-            <a:br/>
-            <a:r>
-              <a:rPr>
-                <a:solidFill>
-                  <a:srgbClr val="003B4F"/>
-                </a:solidFill>
-                <a:latin typeface="Courier"/>
-              </a:rPr>
-              <a:t>        </a:t>
-            </a:r>
-            <a:r>
-              <a:rPr>
-                <a:solidFill>
-                  <a:srgbClr val="657422"/>
-                </a:solidFill>
-                <a:latin typeface="Courier"/>
-              </a:rPr>
-              <a:t>legend.position=</a:t>
-            </a:r>
-            <a:r>
-              <a:rPr>
-                <a:solidFill>
-                  <a:srgbClr val="20794D"/>
-                </a:solidFill>
-                <a:latin typeface="Courier"/>
-              </a:rPr>
-              <a:t>"none"</a:t>
-            </a:r>
-            <a:r>
-              <a:rPr>
-                <a:solidFill>
-                  <a:srgbClr val="003B4F"/>
-                </a:solidFill>
-                <a:latin typeface="Courier"/>
-              </a:rPr>
-              <a:t>,</a:t>
-            </a:r>
-            <a:br/>
-            <a:r>
-              <a:rPr>
-                <a:solidFill>
-                  <a:srgbClr val="003B4F"/>
-                </a:solidFill>
-                <a:latin typeface="Courier"/>
-              </a:rPr>
-              <a:t>        </a:t>
-            </a:r>
-            <a:r>
-              <a:rPr>
-                <a:solidFill>
-                  <a:srgbClr val="657422"/>
-                </a:solidFill>
-                <a:latin typeface="Courier"/>
-              </a:rPr>
-              <a:t>strip.text.x =</a:t>
-            </a:r>
-            <a:r>
-              <a:rPr>
-                <a:solidFill>
-                  <a:srgbClr val="003B4F"/>
-                </a:solidFill>
-                <a:latin typeface="Courier"/>
-              </a:rPr>
-              <a:t> </a:t>
-            </a:r>
-            <a:r>
-              <a:rPr>
-                <a:solidFill>
-                  <a:srgbClr val="4758AB"/>
-                </a:solidFill>
-                <a:latin typeface="Courier"/>
-              </a:rPr>
-              <a:t>element_text</a:t>
-            </a:r>
-            <a:r>
-              <a:rPr>
-                <a:solidFill>
-                  <a:srgbClr val="003B4F"/>
-                </a:solidFill>
-                <a:latin typeface="Courier"/>
-              </a:rPr>
-              <a:t>(</a:t>
-            </a:r>
-            <a:r>
-              <a:rPr>
-                <a:solidFill>
-                  <a:srgbClr val="657422"/>
-                </a:solidFill>
-                <a:latin typeface="Courier"/>
-              </a:rPr>
-              <a:t>size =</a:t>
-            </a:r>
-            <a:r>
-              <a:rPr>
-                <a:solidFill>
-                  <a:srgbClr val="003B4F"/>
-                </a:solidFill>
-                <a:latin typeface="Courier"/>
-              </a:rPr>
-              <a:t> </a:t>
-            </a:r>
-            <a:r>
-              <a:rPr>
-                <a:solidFill>
-                  <a:srgbClr val="AD0000"/>
-                </a:solidFill>
-                <a:latin typeface="Courier"/>
-              </a:rPr>
-              <a:t>36</a:t>
-            </a:r>
-            <a:r>
-              <a:rPr>
-                <a:solidFill>
-                  <a:srgbClr val="003B4F"/>
-                </a:solidFill>
-                <a:latin typeface="Courier"/>
-              </a:rPr>
-              <a:t> </a:t>
-            </a:r>
-            <a:r>
-              <a:rPr>
-                <a:solidFill>
-                  <a:srgbClr val="5E5E5E"/>
-                </a:solidFill>
-                <a:latin typeface="Courier"/>
-              </a:rPr>
-              <a:t>/</a:t>
-            </a:r>
-            <a:r>
-              <a:rPr>
-                <a:solidFill>
-                  <a:srgbClr val="003B4F"/>
-                </a:solidFill>
-                <a:latin typeface="Courier"/>
-              </a:rPr>
-              <a:t> .pt)</a:t>
+              <a:t>()</a:t>
             </a:r>
             <a:br/>
             <a:r>
